--- a/companion-website/public/files/7. Primacy of the Primary Sources.pptx
+++ b/companion-website/public/files/7. Primacy of the Primary Sources.pptx
@@ -18,10 +18,10 @@
     <p:sldId id="440" r:id="rId9"/>
     <p:sldId id="450" r:id="rId10"/>
     <p:sldId id="451" r:id="rId11"/>
-    <p:sldId id="439" r:id="rId12"/>
-    <p:sldId id="454" r:id="rId13"/>
-    <p:sldId id="453" r:id="rId14"/>
-    <p:sldId id="435" r:id="rId15"/>
+    <p:sldId id="459" r:id="rId12"/>
+    <p:sldId id="439" r:id="rId13"/>
+    <p:sldId id="454" r:id="rId14"/>
+    <p:sldId id="453" r:id="rId15"/>
     <p:sldId id="452" r:id="rId16"/>
     <p:sldId id="455" r:id="rId17"/>
   </p:sldIdLst>
@@ -156,12 +156,12 @@
   </mc:AlternateContent>
   <c:clrMapOvr bg1="lt1" tx1="dk1" bg2="lt2" tx2="dk2" accent1="accent1" accent2="accent2" accent3="accent3" accent4="accent4" accent5="accent5" accent6="accent6" hlink="hlink" folHlink="folHlink"/>
   <c:chart>
-    <c:autoTitleDeleted val="0"/>
+    <c:autoTitleDeleted val="1"/>
     <c:plotArea>
       <c:layout/>
       <c:barChart>
         <c:barDir val="bar"/>
-        <c:grouping val="stacked"/>
+        <c:grouping val="clustered"/>
         <c:varyColors val="0"/>
         <c:ser>
           <c:idx val="0"/>
@@ -172,7 +172,7 @@
               <c:strCache>
                 <c:ptCount val="1"/>
                 <c:pt idx="0">
-                  <c:v>New Testament</c:v>
+                  <c:v>Series 1</c:v>
                 </c:pt>
               </c:strCache>
             </c:strRef>
@@ -190,6 +190,14 @@
             <c:idx val="0"/>
             <c:invertIfNegative val="0"/>
             <c:bubble3D val="0"/>
+            <c:spPr>
+              <a:solidFill>
+                <a:srgbClr val="C00002"/>
+              </a:solidFill>
+              <a:ln w="25400">
+                <a:noFill/>
+              </a:ln>
+            </c:spPr>
             <c:extLst>
               <c:ext xmlns:c16="http://schemas.microsoft.com/office/drawing/2014/chart" uri="{C3380CC4-5D6E-409C-BE32-E72D297353CC}">
                 <c16:uniqueId val="{0000000A-1B33-5944-93E6-FAE2DF40E450}"/>
@@ -216,241 +224,107 @@
               </c:ext>
             </c:extLst>
           </c:dPt>
+          <c:dLbls>
+            <c:dLbl>
+              <c:idx val="0"/>
+              <c:layout>
+                <c:manualLayout>
+                  <c:x val="-9.4901331777972199E-4"/>
+                  <c:y val="0"/>
+                </c:manualLayout>
+              </c:layout>
+              <c:dLblPos val="outEnd"/>
+              <c:showLegendKey val="0"/>
+              <c:showVal val="1"/>
+              <c:showCatName val="0"/>
+              <c:showSerName val="0"/>
+              <c:showPercent val="0"/>
+              <c:showBubbleSize val="0"/>
+              <c:extLst>
+                <c:ext xmlns:c15="http://schemas.microsoft.com/office/drawing/2012/chart" uri="{CE6537A1-D6FC-4f65-9D91-7224C49458BB}"/>
+                <c:ext xmlns:c16="http://schemas.microsoft.com/office/drawing/2014/chart" uri="{C3380CC4-5D6E-409C-BE32-E72D297353CC}">
+                  <c16:uniqueId val="{0000000A-1B33-5944-93E6-FAE2DF40E450}"/>
+                </c:ext>
+              </c:extLst>
+            </c:dLbl>
+            <c:spPr>
+              <a:noFill/>
+              <a:ln>
+                <a:noFill/>
+              </a:ln>
+              <a:effectLst/>
+            </c:spPr>
+            <c:txPr>
+              <a:bodyPr/>
+              <a:lstStyle/>
+              <a:p>
+                <a:pPr>
+                  <a:defRPr b="1">
+                    <a:solidFill>
+                      <a:schemeClr val="bg1"/>
+                    </a:solidFill>
+                  </a:defRPr>
+                </a:pPr>
+                <a:endParaRPr lang="en-US"/>
+              </a:p>
+            </c:txPr>
+            <c:dLblPos val="inEnd"/>
+            <c:showLegendKey val="0"/>
+            <c:showVal val="1"/>
+            <c:showCatName val="0"/>
+            <c:showSerName val="0"/>
+            <c:showPercent val="0"/>
+            <c:showBubbleSize val="0"/>
+            <c:showLeaderLines val="0"/>
+            <c:extLst>
+              <c:ext xmlns:c15="http://schemas.microsoft.com/office/drawing/2012/chart" uri="{CE6537A1-D6FC-4f65-9D91-7224C49458BB}">
+                <c15:showLeaderLines val="0"/>
+              </c:ext>
+            </c:extLst>
+          </c:dLbls>
           <c:cat>
             <c:strRef>
-              <c:f>Sheet1!$A$2:$A$38</c:f>
+              <c:f>Sheet1!$A$2:$A$6</c:f>
               <c:strCache>
-                <c:ptCount val="37"/>
+                <c:ptCount val="5"/>
                 <c:pt idx="0">
-                  <c:v>Gospel of Truth</c:v>
+                  <c:v>Apocryphal</c:v>
                 </c:pt>
                 <c:pt idx="1">
-                  <c:v>Gospel of the Egyptians</c:v>
+                  <c:v>Mark</c:v>
                 </c:pt>
                 <c:pt idx="2">
-                  <c:v>Traditions of Matthias</c:v>
+                  <c:v>John</c:v>
                 </c:pt>
                 <c:pt idx="3">
-                  <c:v>Gospel of the Hebrews</c:v>
+                  <c:v>Luke</c:v>
                 </c:pt>
                 <c:pt idx="4">
-                  <c:v>Preaching of Peter</c:v>
-                </c:pt>
-                <c:pt idx="5">
-                  <c:v>Didache</c:v>
-                </c:pt>
-                <c:pt idx="6">
-                  <c:v>Apocalypse of Peter</c:v>
-                </c:pt>
-                <c:pt idx="7">
-                  <c:v>I Clement</c:v>
-                </c:pt>
-                <c:pt idx="8">
-                  <c:v>Epistle of Barnabas</c:v>
-                </c:pt>
-                <c:pt idx="9">
-                  <c:v>III John</c:v>
-                </c:pt>
-                <c:pt idx="10">
-                  <c:v>Shepherd of Hermas</c:v>
-                </c:pt>
-                <c:pt idx="11">
-                  <c:v>II Peter</c:v>
-                </c:pt>
-                <c:pt idx="12">
-                  <c:v>James</c:v>
-                </c:pt>
-                <c:pt idx="13">
-                  <c:v>II John</c:v>
-                </c:pt>
-                <c:pt idx="14">
-                  <c:v>Philemon</c:v>
-                </c:pt>
-                <c:pt idx="15">
-                  <c:v>Jude</c:v>
-                </c:pt>
-                <c:pt idx="16">
-                  <c:v>Hebrews</c:v>
-                </c:pt>
-                <c:pt idx="17">
-                  <c:v>Revelation of John</c:v>
-                </c:pt>
-                <c:pt idx="18">
-                  <c:v>Titus</c:v>
-                </c:pt>
-                <c:pt idx="19">
-                  <c:v>I Timothy</c:v>
-                </c:pt>
-                <c:pt idx="20">
-                  <c:v>II Timothy</c:v>
-                </c:pt>
-                <c:pt idx="21">
-                  <c:v>I Peter</c:v>
-                </c:pt>
-                <c:pt idx="22">
-                  <c:v>Gospel according to John</c:v>
-                </c:pt>
-                <c:pt idx="23">
-                  <c:v>Acts</c:v>
-                </c:pt>
-                <c:pt idx="24">
-                  <c:v>II Thessalonians</c:v>
-                </c:pt>
-                <c:pt idx="25">
-                  <c:v>I John</c:v>
-                </c:pt>
-                <c:pt idx="26">
-                  <c:v>Gospel according to Mark</c:v>
-                </c:pt>
-                <c:pt idx="27">
-                  <c:v>II Corinthians</c:v>
-                </c:pt>
-                <c:pt idx="28">
-                  <c:v>Galatians</c:v>
-                </c:pt>
-                <c:pt idx="29">
-                  <c:v>Philippians</c:v>
-                </c:pt>
-                <c:pt idx="30">
-                  <c:v>Colossians</c:v>
-                </c:pt>
-                <c:pt idx="31">
-                  <c:v>I Thessalonians</c:v>
-                </c:pt>
-                <c:pt idx="32">
-                  <c:v>Gospel according to Matthew</c:v>
-                </c:pt>
-                <c:pt idx="33">
-                  <c:v>Romans</c:v>
-                </c:pt>
-                <c:pt idx="34">
-                  <c:v>I Corinthians</c:v>
-                </c:pt>
-                <c:pt idx="35">
-                  <c:v>Ephesians</c:v>
-                </c:pt>
-                <c:pt idx="36">
-                  <c:v>Gospel according to Luke</c:v>
+                  <c:v>Matthew</c:v>
                 </c:pt>
               </c:strCache>
             </c:strRef>
           </c:cat>
           <c:val>
             <c:numRef>
-              <c:f>Sheet1!$B$2:$B$38</c:f>
+              <c:f>Sheet1!$B$2:$B$6</c:f>
               <c:numCache>
                 <c:formatCode>General</c:formatCode>
-                <c:ptCount val="37"/>
+                <c:ptCount val="5"/>
                 <c:pt idx="0">
-                  <c:v>0</c:v>
+                  <c:v>16</c:v>
                 </c:pt>
                 <c:pt idx="1">
-                  <c:v>0</c:v>
+                  <c:v>182</c:v>
                 </c:pt>
                 <c:pt idx="2">
-                  <c:v>0</c:v>
+                  <c:v>331</c:v>
                 </c:pt>
                 <c:pt idx="3">
-                  <c:v>0</c:v>
+                  <c:v>402</c:v>
                 </c:pt>
                 <c:pt idx="4">
-                  <c:v>0</c:v>
-                </c:pt>
-                <c:pt idx="5">
-                  <c:v>0</c:v>
-                </c:pt>
-                <c:pt idx="6">
-                  <c:v>0</c:v>
-                </c:pt>
-                <c:pt idx="7">
-                  <c:v>0</c:v>
-                </c:pt>
-                <c:pt idx="8">
-                  <c:v>0</c:v>
-                </c:pt>
-                <c:pt idx="9">
-                  <c:v>3</c:v>
-                </c:pt>
-                <c:pt idx="10">
-                  <c:v>0</c:v>
-                </c:pt>
-                <c:pt idx="11">
-                  <c:v>4</c:v>
-                </c:pt>
-                <c:pt idx="12">
-                  <c:v>5</c:v>
-                </c:pt>
-                <c:pt idx="13">
-                  <c:v>5</c:v>
-                </c:pt>
-                <c:pt idx="14">
-                  <c:v>9</c:v>
-                </c:pt>
-                <c:pt idx="15">
-                  <c:v>9</c:v>
-                </c:pt>
-                <c:pt idx="16">
-                  <c:v>10</c:v>
-                </c:pt>
-                <c:pt idx="17">
-                  <c:v>10</c:v>
-                </c:pt>
-                <c:pt idx="18">
-                  <c:v>11</c:v>
-                </c:pt>
-                <c:pt idx="19">
-                  <c:v>12</c:v>
-                </c:pt>
-                <c:pt idx="20">
-                  <c:v>12</c:v>
-                </c:pt>
-                <c:pt idx="21">
-                  <c:v>12</c:v>
-                </c:pt>
-                <c:pt idx="22">
-                  <c:v>13</c:v>
-                </c:pt>
-                <c:pt idx="23">
-                  <c:v>13</c:v>
-                </c:pt>
-                <c:pt idx="24">
-                  <c:v>13</c:v>
-                </c:pt>
-                <c:pt idx="25">
-                  <c:v>13</c:v>
-                </c:pt>
-                <c:pt idx="26">
-                  <c:v>14</c:v>
-                </c:pt>
-                <c:pt idx="27">
-                  <c:v>14</c:v>
-                </c:pt>
-                <c:pt idx="28">
-                  <c:v>14</c:v>
-                </c:pt>
-                <c:pt idx="29">
-                  <c:v>14</c:v>
-                </c:pt>
-                <c:pt idx="30">
-                  <c:v>14</c:v>
-                </c:pt>
-                <c:pt idx="31">
-                  <c:v>14</c:v>
-                </c:pt>
-                <c:pt idx="32">
-                  <c:v>15</c:v>
-                </c:pt>
-                <c:pt idx="33">
-                  <c:v>15</c:v>
-                </c:pt>
-                <c:pt idx="34">
-                  <c:v>15</c:v>
-                </c:pt>
-                <c:pt idx="35">
-                  <c:v>15</c:v>
-                </c:pt>
-                <c:pt idx="36">
-                  <c:v>16</c:v>
+                  <c:v>757</c:v>
                 </c:pt>
               </c:numCache>
             </c:numRef>
@@ -458,304 +332,6 @@
           <c:extLst>
             <c:ext xmlns:c16="http://schemas.microsoft.com/office/drawing/2014/chart" uri="{C3380CC4-5D6E-409C-BE32-E72D297353CC}">
               <c16:uniqueId val="{00000000-56D6-774A-AEC1-01E5BF60A988}"/>
-            </c:ext>
-          </c:extLst>
-        </c:ser>
-        <c:ser>
-          <c:idx val="1"/>
-          <c:order val="1"/>
-          <c:tx>
-            <c:strRef>
-              <c:f>Sheet1!$C$1</c:f>
-              <c:strCache>
-                <c:ptCount val="1"/>
-                <c:pt idx="0">
-                  <c:v>Non-canonical</c:v>
-                </c:pt>
-              </c:strCache>
-            </c:strRef>
-          </c:tx>
-          <c:spPr>
-            <a:solidFill>
-              <a:srgbClr val="CA5C0E"/>
-            </a:solidFill>
-            <a:ln>
-              <a:noFill/>
-            </a:ln>
-          </c:spPr>
-          <c:invertIfNegative val="0"/>
-          <c:dPt>
-            <c:idx val="0"/>
-            <c:invertIfNegative val="0"/>
-            <c:bubble3D val="0"/>
-            <c:extLst>
-              <c:ext xmlns:c16="http://schemas.microsoft.com/office/drawing/2014/chart" uri="{C3380CC4-5D6E-409C-BE32-E72D297353CC}">
-                <c16:uniqueId val="{00000009-1B33-5944-93E6-FAE2DF40E450}"/>
-              </c:ext>
-            </c:extLst>
-          </c:dPt>
-          <c:dPt>
-            <c:idx val="1"/>
-            <c:invertIfNegative val="0"/>
-            <c:bubble3D val="0"/>
-            <c:extLst>
-              <c:ext xmlns:c16="http://schemas.microsoft.com/office/drawing/2014/chart" uri="{C3380CC4-5D6E-409C-BE32-E72D297353CC}">
-                <c16:uniqueId val="{00000007-1B33-5944-93E6-FAE2DF40E450}"/>
-              </c:ext>
-            </c:extLst>
-          </c:dPt>
-          <c:dPt>
-            <c:idx val="2"/>
-            <c:invertIfNegative val="0"/>
-            <c:bubble3D val="0"/>
-            <c:extLst>
-              <c:ext xmlns:c16="http://schemas.microsoft.com/office/drawing/2014/chart" uri="{C3380CC4-5D6E-409C-BE32-E72D297353CC}">
-                <c16:uniqueId val="{00000005-1B33-5944-93E6-FAE2DF40E450}"/>
-              </c:ext>
-            </c:extLst>
-          </c:dPt>
-          <c:cat>
-            <c:strRef>
-              <c:f>Sheet1!$A$2:$A$38</c:f>
-              <c:strCache>
-                <c:ptCount val="37"/>
-                <c:pt idx="0">
-                  <c:v>Gospel of Truth</c:v>
-                </c:pt>
-                <c:pt idx="1">
-                  <c:v>Gospel of the Egyptians</c:v>
-                </c:pt>
-                <c:pt idx="2">
-                  <c:v>Traditions of Matthias</c:v>
-                </c:pt>
-                <c:pt idx="3">
-                  <c:v>Gospel of the Hebrews</c:v>
-                </c:pt>
-                <c:pt idx="4">
-                  <c:v>Preaching of Peter</c:v>
-                </c:pt>
-                <c:pt idx="5">
-                  <c:v>Didache</c:v>
-                </c:pt>
-                <c:pt idx="6">
-                  <c:v>Apocalypse of Peter</c:v>
-                </c:pt>
-                <c:pt idx="7">
-                  <c:v>I Clement</c:v>
-                </c:pt>
-                <c:pt idx="8">
-                  <c:v>Epistle of Barnabas</c:v>
-                </c:pt>
-                <c:pt idx="9">
-                  <c:v>III John</c:v>
-                </c:pt>
-                <c:pt idx="10">
-                  <c:v>Shepherd of Hermas</c:v>
-                </c:pt>
-                <c:pt idx="11">
-                  <c:v>II Peter</c:v>
-                </c:pt>
-                <c:pt idx="12">
-                  <c:v>James</c:v>
-                </c:pt>
-                <c:pt idx="13">
-                  <c:v>II John</c:v>
-                </c:pt>
-                <c:pt idx="14">
-                  <c:v>Philemon</c:v>
-                </c:pt>
-                <c:pt idx="15">
-                  <c:v>Jude</c:v>
-                </c:pt>
-                <c:pt idx="16">
-                  <c:v>Hebrews</c:v>
-                </c:pt>
-                <c:pt idx="17">
-                  <c:v>Revelation of John</c:v>
-                </c:pt>
-                <c:pt idx="18">
-                  <c:v>Titus</c:v>
-                </c:pt>
-                <c:pt idx="19">
-                  <c:v>I Timothy</c:v>
-                </c:pt>
-                <c:pt idx="20">
-                  <c:v>II Timothy</c:v>
-                </c:pt>
-                <c:pt idx="21">
-                  <c:v>I Peter</c:v>
-                </c:pt>
-                <c:pt idx="22">
-                  <c:v>Gospel according to John</c:v>
-                </c:pt>
-                <c:pt idx="23">
-                  <c:v>Acts</c:v>
-                </c:pt>
-                <c:pt idx="24">
-                  <c:v>II Thessalonians</c:v>
-                </c:pt>
-                <c:pt idx="25">
-                  <c:v>I John</c:v>
-                </c:pt>
-                <c:pt idx="26">
-                  <c:v>Gospel according to Mark</c:v>
-                </c:pt>
-                <c:pt idx="27">
-                  <c:v>II Corinthians</c:v>
-                </c:pt>
-                <c:pt idx="28">
-                  <c:v>Galatians</c:v>
-                </c:pt>
-                <c:pt idx="29">
-                  <c:v>Philippians</c:v>
-                </c:pt>
-                <c:pt idx="30">
-                  <c:v>Colossians</c:v>
-                </c:pt>
-                <c:pt idx="31">
-                  <c:v>I Thessalonians</c:v>
-                </c:pt>
-                <c:pt idx="32">
-                  <c:v>Gospel according to Matthew</c:v>
-                </c:pt>
-                <c:pt idx="33">
-                  <c:v>Romans</c:v>
-                </c:pt>
-                <c:pt idx="34">
-                  <c:v>I Corinthians</c:v>
-                </c:pt>
-                <c:pt idx="35">
-                  <c:v>Ephesians</c:v>
-                </c:pt>
-                <c:pt idx="36">
-                  <c:v>Gospel according to Luke</c:v>
-                </c:pt>
-              </c:strCache>
-            </c:strRef>
-          </c:cat>
-          <c:val>
-            <c:numRef>
-              <c:f>Sheet1!$C$2:$C$38</c:f>
-              <c:numCache>
-                <c:formatCode>General</c:formatCode>
-                <c:ptCount val="37"/>
-                <c:pt idx="0">
-                  <c:v>1</c:v>
-                </c:pt>
-                <c:pt idx="1">
-                  <c:v>1</c:v>
-                </c:pt>
-                <c:pt idx="2">
-                  <c:v>1</c:v>
-                </c:pt>
-                <c:pt idx="3">
-                  <c:v>2</c:v>
-                </c:pt>
-                <c:pt idx="4">
-                  <c:v>2</c:v>
-                </c:pt>
-                <c:pt idx="5">
-                  <c:v>2</c:v>
-                </c:pt>
-                <c:pt idx="6">
-                  <c:v>2</c:v>
-                </c:pt>
-                <c:pt idx="7">
-                  <c:v>3</c:v>
-                </c:pt>
-                <c:pt idx="8">
-                  <c:v>3</c:v>
-                </c:pt>
-                <c:pt idx="9">
-                  <c:v>0</c:v>
-                </c:pt>
-                <c:pt idx="10">
-                  <c:v>4</c:v>
-                </c:pt>
-                <c:pt idx="11">
-                  <c:v>0</c:v>
-                </c:pt>
-                <c:pt idx="12">
-                  <c:v>0</c:v>
-                </c:pt>
-                <c:pt idx="13">
-                  <c:v>0</c:v>
-                </c:pt>
-                <c:pt idx="14">
-                  <c:v>0</c:v>
-                </c:pt>
-                <c:pt idx="15">
-                  <c:v>0</c:v>
-                </c:pt>
-                <c:pt idx="16">
-                  <c:v>0</c:v>
-                </c:pt>
-                <c:pt idx="17">
-                  <c:v>0</c:v>
-                </c:pt>
-                <c:pt idx="18">
-                  <c:v>0</c:v>
-                </c:pt>
-                <c:pt idx="19">
-                  <c:v>0</c:v>
-                </c:pt>
-                <c:pt idx="20">
-                  <c:v>0</c:v>
-                </c:pt>
-                <c:pt idx="21">
-                  <c:v>0</c:v>
-                </c:pt>
-                <c:pt idx="22">
-                  <c:v>0</c:v>
-                </c:pt>
-                <c:pt idx="23">
-                  <c:v>0</c:v>
-                </c:pt>
-                <c:pt idx="24">
-                  <c:v>0</c:v>
-                </c:pt>
-                <c:pt idx="25">
-                  <c:v>0</c:v>
-                </c:pt>
-                <c:pt idx="26">
-                  <c:v>0</c:v>
-                </c:pt>
-                <c:pt idx="27">
-                  <c:v>0</c:v>
-                </c:pt>
-                <c:pt idx="28">
-                  <c:v>0</c:v>
-                </c:pt>
-                <c:pt idx="29">
-                  <c:v>0</c:v>
-                </c:pt>
-                <c:pt idx="30">
-                  <c:v>0</c:v>
-                </c:pt>
-                <c:pt idx="31">
-                  <c:v>0</c:v>
-                </c:pt>
-                <c:pt idx="32">
-                  <c:v>0</c:v>
-                </c:pt>
-                <c:pt idx="33">
-                  <c:v>0</c:v>
-                </c:pt>
-                <c:pt idx="34">
-                  <c:v>0</c:v>
-                </c:pt>
-                <c:pt idx="35">
-                  <c:v>0</c:v>
-                </c:pt>
-                <c:pt idx="36">
-                  <c:v>0</c:v>
-                </c:pt>
-              </c:numCache>
-            </c:numRef>
-          </c:val>
-          <c:extLst>
-            <c:ext xmlns:c16="http://schemas.microsoft.com/office/drawing/2014/chart" uri="{C3380CC4-5D6E-409C-BE32-E72D297353CC}">
-              <c16:uniqueId val="{00000004-1B33-5944-93E6-FAE2DF40E450}"/>
             </c:ext>
           </c:extLst>
         </c:ser>
@@ -767,8 +343,7 @@
           <c:showPercent val="0"/>
           <c:showBubbleSize val="0"/>
         </c:dLbls>
-        <c:gapWidth val="70"/>
-        <c:overlap val="100"/>
+        <c:gapWidth val="100"/>
         <c:axId val="790563136"/>
         <c:axId val="768197296"/>
       </c:barChart>
@@ -799,7 +374,7 @@
           <a:lstStyle/>
           <a:p>
             <a:pPr>
-              <a:defRPr sz="800" baseline="0">
+              <a:defRPr baseline="0">
                 <a:solidFill>
                   <a:schemeClr val="bg1"/>
                 </a:solidFill>
@@ -844,24 +419,6 @@
         <c:crossBetween val="between"/>
       </c:valAx>
     </c:plotArea>
-    <c:legend>
-      <c:legendPos val="r"/>
-      <c:overlay val="1"/>
-      <c:txPr>
-        <a:bodyPr/>
-        <a:lstStyle/>
-        <a:p>
-          <a:pPr>
-            <a:defRPr>
-              <a:solidFill>
-                <a:schemeClr val="bg1"/>
-              </a:solidFill>
-            </a:defRPr>
-          </a:pPr>
-          <a:endParaRPr lang="en-US"/>
-        </a:p>
-      </c:txPr>
-    </c:legend>
     <c:plotVisOnly val="1"/>
     <c:dispBlanksAs val="gap"/>
     <c:showDLblsOverMax val="0"/>
@@ -913,7 +470,7 @@
               <c:strCache>
                 <c:ptCount val="1"/>
                 <c:pt idx="0">
-                  <c:v>Gospels</c:v>
+                  <c:v>New Testament</c:v>
                 </c:pt>
               </c:strCache>
             </c:strRef>
@@ -957,82 +514,241 @@
               </c:ext>
             </c:extLst>
           </c:dPt>
-          <c:dLbls>
-            <c:spPr>
-              <a:noFill/>
-              <a:ln>
-                <a:noFill/>
-              </a:ln>
-              <a:effectLst/>
-            </c:spPr>
-            <c:txPr>
-              <a:bodyPr/>
-              <a:lstStyle/>
-              <a:p>
-                <a:pPr>
-                  <a:defRPr b="1">
-                    <a:solidFill>
-                      <a:schemeClr val="bg1"/>
-                    </a:solidFill>
-                  </a:defRPr>
-                </a:pPr>
-                <a:endParaRPr lang="en-US"/>
-              </a:p>
-            </c:txPr>
-            <c:dLblPos val="inEnd"/>
-            <c:showLegendKey val="0"/>
-            <c:showVal val="1"/>
-            <c:showCatName val="0"/>
-            <c:showSerName val="0"/>
-            <c:showPercent val="0"/>
-            <c:showBubbleSize val="0"/>
-            <c:showLeaderLines val="0"/>
-            <c:extLst>
-              <c:ext xmlns:c15="http://schemas.microsoft.com/office/drawing/2012/chart" uri="{CE6537A1-D6FC-4f65-9D91-7224C49458BB}">
-                <c15:showLeaderLines val="0"/>
-              </c:ext>
-            </c:extLst>
-          </c:dLbls>
           <c:cat>
             <c:strRef>
-              <c:f>Sheet1!$A$2:$A$6</c:f>
+              <c:f>Sheet1!$A$2:$A$38</c:f>
               <c:strCache>
-                <c:ptCount val="5"/>
+                <c:ptCount val="37"/>
                 <c:pt idx="0">
-                  <c:v>Apocryphal</c:v>
+                  <c:v>Gospel of Truth</c:v>
                 </c:pt>
                 <c:pt idx="1">
-                  <c:v>Mark</c:v>
+                  <c:v>Gospel of the Egyptians</c:v>
                 </c:pt>
                 <c:pt idx="2">
-                  <c:v>John</c:v>
+                  <c:v>Traditions of Matthias</c:v>
                 </c:pt>
                 <c:pt idx="3">
-                  <c:v>Luke</c:v>
+                  <c:v>Gospel of the Hebrews</c:v>
                 </c:pt>
                 <c:pt idx="4">
-                  <c:v>Matthew</c:v>
+                  <c:v>Preaching of Peter</c:v>
+                </c:pt>
+                <c:pt idx="5">
+                  <c:v>Didache</c:v>
+                </c:pt>
+                <c:pt idx="6">
+                  <c:v>Apocalypse of Peter</c:v>
+                </c:pt>
+                <c:pt idx="7">
+                  <c:v>I Clement</c:v>
+                </c:pt>
+                <c:pt idx="8">
+                  <c:v>Epistle of Barnabas</c:v>
+                </c:pt>
+                <c:pt idx="9">
+                  <c:v>III John</c:v>
+                </c:pt>
+                <c:pt idx="10">
+                  <c:v>Shepherd of Hermas</c:v>
+                </c:pt>
+                <c:pt idx="11">
+                  <c:v>II Peter</c:v>
+                </c:pt>
+                <c:pt idx="12">
+                  <c:v>James</c:v>
+                </c:pt>
+                <c:pt idx="13">
+                  <c:v>II John</c:v>
+                </c:pt>
+                <c:pt idx="14">
+                  <c:v>Philemon</c:v>
+                </c:pt>
+                <c:pt idx="15">
+                  <c:v>Jude</c:v>
+                </c:pt>
+                <c:pt idx="16">
+                  <c:v>Hebrews</c:v>
+                </c:pt>
+                <c:pt idx="17">
+                  <c:v>Revelation of John</c:v>
+                </c:pt>
+                <c:pt idx="18">
+                  <c:v>Titus</c:v>
+                </c:pt>
+                <c:pt idx="19">
+                  <c:v>I Timothy</c:v>
+                </c:pt>
+                <c:pt idx="20">
+                  <c:v>II Timothy</c:v>
+                </c:pt>
+                <c:pt idx="21">
+                  <c:v>I Peter</c:v>
+                </c:pt>
+                <c:pt idx="22">
+                  <c:v>Gospel according to John</c:v>
+                </c:pt>
+                <c:pt idx="23">
+                  <c:v>Acts</c:v>
+                </c:pt>
+                <c:pt idx="24">
+                  <c:v>II Thessalonians</c:v>
+                </c:pt>
+                <c:pt idx="25">
+                  <c:v>I John</c:v>
+                </c:pt>
+                <c:pt idx="26">
+                  <c:v>Gospel according to Mark</c:v>
+                </c:pt>
+                <c:pt idx="27">
+                  <c:v>II Corinthians</c:v>
+                </c:pt>
+                <c:pt idx="28">
+                  <c:v>Galatians</c:v>
+                </c:pt>
+                <c:pt idx="29">
+                  <c:v>Philippians</c:v>
+                </c:pt>
+                <c:pt idx="30">
+                  <c:v>Colossians</c:v>
+                </c:pt>
+                <c:pt idx="31">
+                  <c:v>I Thessalonians</c:v>
+                </c:pt>
+                <c:pt idx="32">
+                  <c:v>Gospel according to Matthew</c:v>
+                </c:pt>
+                <c:pt idx="33">
+                  <c:v>Romans</c:v>
+                </c:pt>
+                <c:pt idx="34">
+                  <c:v>I Corinthians</c:v>
+                </c:pt>
+                <c:pt idx="35">
+                  <c:v>Ephesians</c:v>
+                </c:pt>
+                <c:pt idx="36">
+                  <c:v>Gospel according to Luke</c:v>
                 </c:pt>
               </c:strCache>
             </c:strRef>
           </c:cat>
           <c:val>
             <c:numRef>
-              <c:f>Sheet1!$B$2:$B$6</c:f>
+              <c:f>Sheet1!$B$2:$B$38</c:f>
               <c:numCache>
                 <c:formatCode>General</c:formatCode>
-                <c:ptCount val="5"/>
+                <c:ptCount val="37"/>
+                <c:pt idx="0">
+                  <c:v>0</c:v>
+                </c:pt>
                 <c:pt idx="1">
-                  <c:v>182</c:v>
+                  <c:v>0</c:v>
                 </c:pt>
                 <c:pt idx="2">
-                  <c:v>331</c:v>
+                  <c:v>0</c:v>
                 </c:pt>
                 <c:pt idx="3">
-                  <c:v>402</c:v>
+                  <c:v>0</c:v>
                 </c:pt>
                 <c:pt idx="4">
-                  <c:v>757</c:v>
+                  <c:v>0</c:v>
+                </c:pt>
+                <c:pt idx="5">
+                  <c:v>0</c:v>
+                </c:pt>
+                <c:pt idx="6">
+                  <c:v>0</c:v>
+                </c:pt>
+                <c:pt idx="7">
+                  <c:v>0</c:v>
+                </c:pt>
+                <c:pt idx="8">
+                  <c:v>0</c:v>
+                </c:pt>
+                <c:pt idx="9">
+                  <c:v>3</c:v>
+                </c:pt>
+                <c:pt idx="10">
+                  <c:v>0</c:v>
+                </c:pt>
+                <c:pt idx="11">
+                  <c:v>4</c:v>
+                </c:pt>
+                <c:pt idx="12">
+                  <c:v>5</c:v>
+                </c:pt>
+                <c:pt idx="13">
+                  <c:v>5</c:v>
+                </c:pt>
+                <c:pt idx="14">
+                  <c:v>9</c:v>
+                </c:pt>
+                <c:pt idx="15">
+                  <c:v>9</c:v>
+                </c:pt>
+                <c:pt idx="16">
+                  <c:v>10</c:v>
+                </c:pt>
+                <c:pt idx="17">
+                  <c:v>10</c:v>
+                </c:pt>
+                <c:pt idx="18">
+                  <c:v>11</c:v>
+                </c:pt>
+                <c:pt idx="19">
+                  <c:v>12</c:v>
+                </c:pt>
+                <c:pt idx="20">
+                  <c:v>12</c:v>
+                </c:pt>
+                <c:pt idx="21">
+                  <c:v>12</c:v>
+                </c:pt>
+                <c:pt idx="22">
+                  <c:v>13</c:v>
+                </c:pt>
+                <c:pt idx="23">
+                  <c:v>13</c:v>
+                </c:pt>
+                <c:pt idx="24">
+                  <c:v>13</c:v>
+                </c:pt>
+                <c:pt idx="25">
+                  <c:v>13</c:v>
+                </c:pt>
+                <c:pt idx="26">
+                  <c:v>14</c:v>
+                </c:pt>
+                <c:pt idx="27">
+                  <c:v>14</c:v>
+                </c:pt>
+                <c:pt idx="28">
+                  <c:v>14</c:v>
+                </c:pt>
+                <c:pt idx="29">
+                  <c:v>14</c:v>
+                </c:pt>
+                <c:pt idx="30">
+                  <c:v>14</c:v>
+                </c:pt>
+                <c:pt idx="31">
+                  <c:v>14</c:v>
+                </c:pt>
+                <c:pt idx="32">
+                  <c:v>15</c:v>
+                </c:pt>
+                <c:pt idx="33">
+                  <c:v>15</c:v>
+                </c:pt>
+                <c:pt idx="34">
+                  <c:v>15</c:v>
+                </c:pt>
+                <c:pt idx="35">
+                  <c:v>15</c:v>
+                </c:pt>
+                <c:pt idx="36">
+                  <c:v>16</c:v>
                 </c:pt>
               </c:numCache>
             </c:numRef>
@@ -1052,7 +768,7 @@
               <c:strCache>
                 <c:ptCount val="1"/>
                 <c:pt idx="0">
-                  <c:v>Apocryphal</c:v>
+                  <c:v>Non-canonical</c:v>
                 </c:pt>
               </c:strCache>
             </c:strRef>
@@ -1096,171 +812,241 @@
               </c:ext>
             </c:extLst>
           </c:dPt>
-          <c:dLbls>
-            <c:dLbl>
-              <c:idx val="0"/>
-              <c:layout>
-                <c:manualLayout>
-                  <c:x val="2.3602362204724409E-2"/>
-                  <c:y val="0"/>
-                </c:manualLayout>
-              </c:layout>
-              <c:dLblPos val="ctr"/>
-              <c:showLegendKey val="0"/>
-              <c:showVal val="1"/>
-              <c:showCatName val="0"/>
-              <c:showSerName val="0"/>
-              <c:showPercent val="0"/>
-              <c:showBubbleSize val="0"/>
-              <c:extLst>
-                <c:ext xmlns:c15="http://schemas.microsoft.com/office/drawing/2012/chart" uri="{CE6537A1-D6FC-4f65-9D91-7224C49458BB}"/>
-                <c:ext xmlns:c16="http://schemas.microsoft.com/office/drawing/2014/chart" uri="{C3380CC4-5D6E-409C-BE32-E72D297353CC}">
-                  <c16:uniqueId val="{00000009-1B33-5944-93E6-FAE2DF40E450}"/>
-                </c:ext>
-              </c:extLst>
-            </c:dLbl>
-            <c:dLbl>
-              <c:idx val="1"/>
-              <c:tx>
-                <c:rich>
-                  <a:bodyPr/>
-                  <a:lstStyle/>
-                  <a:p>
-                    <a:fld id="{33DDEA5E-53BD-2241-8A3C-2C03F088DBCC}" type="VALUE">
-                      <a:rPr lang="en-US" b="1">
-                        <a:solidFill>
-                          <a:schemeClr val="bg1"/>
-                        </a:solidFill>
-                      </a:rPr>
-                      <a:pPr/>
-                      <a:t>[VALUE]</a:t>
-                    </a:fld>
-                    <a:endParaRPr lang="en-US"/>
-                  </a:p>
-                </c:rich>
-              </c:tx>
-              <c:dLblPos val="inEnd"/>
-              <c:showLegendKey val="0"/>
-              <c:showVal val="1"/>
-              <c:showCatName val="0"/>
-              <c:showSerName val="0"/>
-              <c:showPercent val="0"/>
-              <c:showBubbleSize val="0"/>
-              <c:extLst>
-                <c:ext xmlns:c15="http://schemas.microsoft.com/office/drawing/2012/chart" uri="{CE6537A1-D6FC-4f65-9D91-7224C49458BB}">
-                  <c15:dlblFieldTable/>
-                  <c15:showDataLabelsRange val="0"/>
-                </c:ext>
-                <c:ext xmlns:c16="http://schemas.microsoft.com/office/drawing/2014/chart" uri="{C3380CC4-5D6E-409C-BE32-E72D297353CC}">
-                  <c16:uniqueId val="{00000007-1B33-5944-93E6-FAE2DF40E450}"/>
-                </c:ext>
-              </c:extLst>
-            </c:dLbl>
-            <c:dLbl>
-              <c:idx val="2"/>
-              <c:tx>
-                <c:rich>
-                  <a:bodyPr/>
-                  <a:lstStyle/>
-                  <a:p>
-                    <a:fld id="{CB453A95-C41C-3E41-BFD1-2C6C7F843D8A}" type="VALUE">
-                      <a:rPr lang="en-US">
-                        <a:solidFill>
-                          <a:schemeClr val="bg1"/>
-                        </a:solidFill>
-                      </a:rPr>
-                      <a:pPr/>
-                      <a:t>[VALUE]</a:t>
-                    </a:fld>
-                    <a:endParaRPr lang="en-US"/>
-                  </a:p>
-                </c:rich>
-              </c:tx>
-              <c:dLblPos val="inEnd"/>
-              <c:showLegendKey val="0"/>
-              <c:showVal val="1"/>
-              <c:showCatName val="0"/>
-              <c:showSerName val="0"/>
-              <c:showPercent val="0"/>
-              <c:showBubbleSize val="0"/>
-              <c:extLst>
-                <c:ext xmlns:c15="http://schemas.microsoft.com/office/drawing/2012/chart" uri="{CE6537A1-D6FC-4f65-9D91-7224C49458BB}">
-                  <c15:dlblFieldTable/>
-                  <c15:showDataLabelsRange val="0"/>
-                </c:ext>
-                <c:ext xmlns:c16="http://schemas.microsoft.com/office/drawing/2014/chart" uri="{C3380CC4-5D6E-409C-BE32-E72D297353CC}">
-                  <c16:uniqueId val="{00000005-1B33-5944-93E6-FAE2DF40E450}"/>
-                </c:ext>
-              </c:extLst>
-            </c:dLbl>
-            <c:spPr>
-              <a:noFill/>
-              <a:ln>
-                <a:noFill/>
-              </a:ln>
-              <a:effectLst/>
-            </c:spPr>
-            <c:txPr>
-              <a:bodyPr wrap="square" lIns="38100" tIns="19050" rIns="38100" bIns="19050" anchor="ctr">
-                <a:spAutoFit/>
-              </a:bodyPr>
-              <a:lstStyle/>
-              <a:p>
-                <a:pPr>
-                  <a:defRPr b="1">
-                    <a:solidFill>
-                      <a:schemeClr val="bg1"/>
-                    </a:solidFill>
-                  </a:defRPr>
-                </a:pPr>
-                <a:endParaRPr lang="en-US"/>
-              </a:p>
-            </c:txPr>
-            <c:dLblPos val="inEnd"/>
-            <c:showLegendKey val="0"/>
-            <c:showVal val="1"/>
-            <c:showCatName val="0"/>
-            <c:showSerName val="0"/>
-            <c:showPercent val="0"/>
-            <c:showBubbleSize val="0"/>
-            <c:showLeaderLines val="0"/>
-            <c:extLst>
-              <c:ext xmlns:c15="http://schemas.microsoft.com/office/drawing/2012/chart" uri="{CE6537A1-D6FC-4f65-9D91-7224C49458BB}">
-                <c15:showLeaderLines val="1"/>
-              </c:ext>
-            </c:extLst>
-          </c:dLbls>
           <c:cat>
             <c:strRef>
-              <c:f>Sheet1!$A$2:$A$6</c:f>
+              <c:f>Sheet1!$A$2:$A$38</c:f>
               <c:strCache>
-                <c:ptCount val="5"/>
+                <c:ptCount val="37"/>
                 <c:pt idx="0">
-                  <c:v>Apocryphal</c:v>
+                  <c:v>Gospel of Truth</c:v>
                 </c:pt>
                 <c:pt idx="1">
-                  <c:v>Mark</c:v>
+                  <c:v>Gospel of the Egyptians</c:v>
                 </c:pt>
                 <c:pt idx="2">
-                  <c:v>John</c:v>
+                  <c:v>Traditions of Matthias</c:v>
                 </c:pt>
                 <c:pt idx="3">
-                  <c:v>Luke</c:v>
+                  <c:v>Gospel of the Hebrews</c:v>
                 </c:pt>
                 <c:pt idx="4">
-                  <c:v>Matthew</c:v>
+                  <c:v>Preaching of Peter</c:v>
+                </c:pt>
+                <c:pt idx="5">
+                  <c:v>Didache</c:v>
+                </c:pt>
+                <c:pt idx="6">
+                  <c:v>Apocalypse of Peter</c:v>
+                </c:pt>
+                <c:pt idx="7">
+                  <c:v>I Clement</c:v>
+                </c:pt>
+                <c:pt idx="8">
+                  <c:v>Epistle of Barnabas</c:v>
+                </c:pt>
+                <c:pt idx="9">
+                  <c:v>III John</c:v>
+                </c:pt>
+                <c:pt idx="10">
+                  <c:v>Shepherd of Hermas</c:v>
+                </c:pt>
+                <c:pt idx="11">
+                  <c:v>II Peter</c:v>
+                </c:pt>
+                <c:pt idx="12">
+                  <c:v>James</c:v>
+                </c:pt>
+                <c:pt idx="13">
+                  <c:v>II John</c:v>
+                </c:pt>
+                <c:pt idx="14">
+                  <c:v>Philemon</c:v>
+                </c:pt>
+                <c:pt idx="15">
+                  <c:v>Jude</c:v>
+                </c:pt>
+                <c:pt idx="16">
+                  <c:v>Hebrews</c:v>
+                </c:pt>
+                <c:pt idx="17">
+                  <c:v>Revelation of John</c:v>
+                </c:pt>
+                <c:pt idx="18">
+                  <c:v>Titus</c:v>
+                </c:pt>
+                <c:pt idx="19">
+                  <c:v>I Timothy</c:v>
+                </c:pt>
+                <c:pt idx="20">
+                  <c:v>II Timothy</c:v>
+                </c:pt>
+                <c:pt idx="21">
+                  <c:v>I Peter</c:v>
+                </c:pt>
+                <c:pt idx="22">
+                  <c:v>Gospel according to John</c:v>
+                </c:pt>
+                <c:pt idx="23">
+                  <c:v>Acts</c:v>
+                </c:pt>
+                <c:pt idx="24">
+                  <c:v>II Thessalonians</c:v>
+                </c:pt>
+                <c:pt idx="25">
+                  <c:v>I John</c:v>
+                </c:pt>
+                <c:pt idx="26">
+                  <c:v>Gospel according to Mark</c:v>
+                </c:pt>
+                <c:pt idx="27">
+                  <c:v>II Corinthians</c:v>
+                </c:pt>
+                <c:pt idx="28">
+                  <c:v>Galatians</c:v>
+                </c:pt>
+                <c:pt idx="29">
+                  <c:v>Philippians</c:v>
+                </c:pt>
+                <c:pt idx="30">
+                  <c:v>Colossians</c:v>
+                </c:pt>
+                <c:pt idx="31">
+                  <c:v>I Thessalonians</c:v>
+                </c:pt>
+                <c:pt idx="32">
+                  <c:v>Gospel according to Matthew</c:v>
+                </c:pt>
+                <c:pt idx="33">
+                  <c:v>Romans</c:v>
+                </c:pt>
+                <c:pt idx="34">
+                  <c:v>I Corinthians</c:v>
+                </c:pt>
+                <c:pt idx="35">
+                  <c:v>Ephesians</c:v>
+                </c:pt>
+                <c:pt idx="36">
+                  <c:v>Gospel according to Luke</c:v>
                 </c:pt>
               </c:strCache>
             </c:strRef>
           </c:cat>
           <c:val>
             <c:numRef>
-              <c:f>Sheet1!$C$2:$C$6</c:f>
+              <c:f>Sheet1!$C$2:$C$38</c:f>
               <c:numCache>
                 <c:formatCode>General</c:formatCode>
-                <c:ptCount val="5"/>
+                <c:ptCount val="37"/>
                 <c:pt idx="0">
-                  <c:v>17</c:v>
+                  <c:v>1</c:v>
+                </c:pt>
+                <c:pt idx="1">
+                  <c:v>1</c:v>
+                </c:pt>
+                <c:pt idx="2">
+                  <c:v>1</c:v>
+                </c:pt>
+                <c:pt idx="3">
+                  <c:v>2</c:v>
+                </c:pt>
+                <c:pt idx="4">
+                  <c:v>2</c:v>
+                </c:pt>
+                <c:pt idx="5">
+                  <c:v>2</c:v>
+                </c:pt>
+                <c:pt idx="6">
+                  <c:v>2</c:v>
+                </c:pt>
+                <c:pt idx="7">
+                  <c:v>3</c:v>
+                </c:pt>
+                <c:pt idx="8">
+                  <c:v>3</c:v>
+                </c:pt>
+                <c:pt idx="9">
+                  <c:v>0</c:v>
+                </c:pt>
+                <c:pt idx="10">
+                  <c:v>4</c:v>
+                </c:pt>
+                <c:pt idx="11">
+                  <c:v>0</c:v>
+                </c:pt>
+                <c:pt idx="12">
+                  <c:v>0</c:v>
+                </c:pt>
+                <c:pt idx="13">
+                  <c:v>0</c:v>
+                </c:pt>
+                <c:pt idx="14">
+                  <c:v>0</c:v>
+                </c:pt>
+                <c:pt idx="15">
+                  <c:v>0</c:v>
+                </c:pt>
+                <c:pt idx="16">
+                  <c:v>0</c:v>
+                </c:pt>
+                <c:pt idx="17">
+                  <c:v>0</c:v>
+                </c:pt>
+                <c:pt idx="18">
+                  <c:v>0</c:v>
+                </c:pt>
+                <c:pt idx="19">
+                  <c:v>0</c:v>
+                </c:pt>
+                <c:pt idx="20">
+                  <c:v>0</c:v>
+                </c:pt>
+                <c:pt idx="21">
+                  <c:v>0</c:v>
+                </c:pt>
+                <c:pt idx="22">
+                  <c:v>0</c:v>
+                </c:pt>
+                <c:pt idx="23">
+                  <c:v>0</c:v>
+                </c:pt>
+                <c:pt idx="24">
+                  <c:v>0</c:v>
+                </c:pt>
+                <c:pt idx="25">
+                  <c:v>0</c:v>
+                </c:pt>
+                <c:pt idx="26">
+                  <c:v>0</c:v>
+                </c:pt>
+                <c:pt idx="27">
+                  <c:v>0</c:v>
+                </c:pt>
+                <c:pt idx="28">
+                  <c:v>0</c:v>
+                </c:pt>
+                <c:pt idx="29">
+                  <c:v>0</c:v>
+                </c:pt>
+                <c:pt idx="30">
+                  <c:v>0</c:v>
+                </c:pt>
+                <c:pt idx="31">
+                  <c:v>0</c:v>
+                </c:pt>
+                <c:pt idx="32">
+                  <c:v>0</c:v>
+                </c:pt>
+                <c:pt idx="33">
+                  <c:v>0</c:v>
+                </c:pt>
+                <c:pt idx="34">
+                  <c:v>0</c:v>
+                </c:pt>
+                <c:pt idx="35">
+                  <c:v>0</c:v>
+                </c:pt>
+                <c:pt idx="36">
+                  <c:v>0</c:v>
                 </c:pt>
               </c:numCache>
             </c:numRef>
@@ -1279,7 +1065,7 @@
           <c:showPercent val="0"/>
           <c:showBubbleSize val="0"/>
         </c:dLbls>
-        <c:gapWidth val="74"/>
+        <c:gapWidth val="70"/>
         <c:overlap val="100"/>
         <c:axId val="790563136"/>
         <c:axId val="768197296"/>
@@ -1311,7 +1097,7 @@
           <a:lstStyle/>
           <a:p>
             <a:pPr>
-              <a:defRPr baseline="0">
+              <a:defRPr sz="800" baseline="0">
                 <a:solidFill>
                   <a:schemeClr val="bg1"/>
                 </a:solidFill>
@@ -1476,7 +1262,7 @@
           <a:p>
             <a:fld id="{8F7EB338-8BB0-B64B-9F79-C87EA24D723F}" type="datetimeFigureOut">
               <a:rPr lang="en-US" smtClean="0"/>
-              <a:t>7/25/20</a:t>
+              <a:t>10/11/20</a:t>
             </a:fld>
             <a:endParaRPr lang="en-US"/>
           </a:p>
@@ -2209,7 +1995,7 @@
           <a:p>
             <a:r>
               <a:rPr lang="en-US" dirty="0"/>
-              <a:t>http://</a:t>
+              <a:t>See http://</a:t>
             </a:r>
             <a:r>
               <a:rPr lang="en-US" dirty="0" err="1"/>
@@ -2223,7 +2009,26 @@
               <a:rPr lang="en-US" dirty="0" err="1"/>
               <a:t>Clement.shtml</a:t>
             </a:r>
-            <a:endParaRPr lang="en-US" dirty="0"/>
+            <a:r>
+              <a:rPr lang="en-US" dirty="0"/>
+              <a:t> and https://</a:t>
+            </a:r>
+            <a:r>
+              <a:rPr lang="en-US" dirty="0" err="1"/>
+              <a:t>www.thegospelcoalition.org</a:t>
+            </a:r>
+            <a:r>
+              <a:rPr lang="en-US" dirty="0"/>
+              <a:t>/article/apocrypha-and-canon-in-early-</a:t>
+            </a:r>
+            <a:r>
+              <a:rPr lang="en-US" dirty="0" err="1"/>
+              <a:t>christianity</a:t>
+            </a:r>
+            <a:r>
+              <a:rPr lang="en-US" dirty="0"/>
+              <a:t>/</a:t>
+            </a:r>
           </a:p>
         </p:txBody>
       </p:sp>
@@ -2244,7 +2049,7 @@
           <a:p>
             <a:fld id="{E31E1A05-B3B6-6F43-8051-B5A825C5C2A3}" type="slidenum">
               <a:rPr lang="en-US" smtClean="0"/>
-              <a:t>14</a:t>
+              <a:t>11</a:t>
             </a:fld>
             <a:endParaRPr lang="en-US"/>
           </a:p>
@@ -2253,7 +2058,7 @@
     </p:spTree>
     <p:extLst>
       <p:ext uri="{BB962C8B-B14F-4D97-AF65-F5344CB8AC3E}">
-        <p14:creationId xmlns:p14="http://schemas.microsoft.com/office/powerpoint/2010/main" val="3313317989"/>
+        <p14:creationId xmlns:p14="http://schemas.microsoft.com/office/powerpoint/2010/main" val="1636279365"/>
       </p:ext>
     </p:extLst>
   </p:cSld>
@@ -2531,7 +2336,7 @@
             <a:fld id="{DBE77699-C466-4996-ADED-71C8160E04A2}" type="datetimeFigureOut">
               <a:rPr lang="en-US" smtClean="0"/>
               <a:pPr/>
-              <a:t>7/25/20</a:t>
+              <a:t>10/11/20</a:t>
             </a:fld>
             <a:endParaRPr lang="en-US"/>
           </a:p>
@@ -2696,7 +2501,7 @@
             <a:fld id="{DBE77699-C466-4996-ADED-71C8160E04A2}" type="datetimeFigureOut">
               <a:rPr lang="en-US" smtClean="0"/>
               <a:pPr/>
-              <a:t>7/25/20</a:t>
+              <a:t>10/11/20</a:t>
             </a:fld>
             <a:endParaRPr lang="en-US"/>
           </a:p>
@@ -2871,7 +2676,7 @@
             <a:fld id="{DBE77699-C466-4996-ADED-71C8160E04A2}" type="datetimeFigureOut">
               <a:rPr lang="en-US" smtClean="0"/>
               <a:pPr/>
-              <a:t>7/25/20</a:t>
+              <a:t>10/11/20</a:t>
             </a:fld>
             <a:endParaRPr lang="en-US"/>
           </a:p>
@@ -2990,7 +2795,7 @@
             <a:fld id="{DBE77699-C466-4996-ADED-71C8160E04A2}" type="datetimeFigureOut">
               <a:rPr lang="en-US" smtClean="0"/>
               <a:pPr/>
-              <a:t>7/25/20</a:t>
+              <a:t>10/11/20</a:t>
             </a:fld>
             <a:endParaRPr lang="en-US"/>
           </a:p>
@@ -3398,7 +3203,7 @@
             <a:fld id="{DBE77699-C466-4996-ADED-71C8160E04A2}" type="datetimeFigureOut">
               <a:rPr lang="en-US" smtClean="0"/>
               <a:pPr/>
-              <a:t>7/25/20</a:t>
+              <a:t>10/11/20</a:t>
             </a:fld>
             <a:endParaRPr lang="en-US"/>
           </a:p>
@@ -3640,7 +3445,7 @@
             <a:fld id="{DBE77699-C466-4996-ADED-71C8160E04A2}" type="datetimeFigureOut">
               <a:rPr lang="en-US" smtClean="0"/>
               <a:pPr/>
-              <a:t>7/25/20</a:t>
+              <a:t>10/11/20</a:t>
             </a:fld>
             <a:endParaRPr lang="en-US"/>
           </a:p>
@@ -3922,7 +3727,7 @@
             <a:fld id="{DBE77699-C466-4996-ADED-71C8160E04A2}" type="datetimeFigureOut">
               <a:rPr lang="en-US" smtClean="0"/>
               <a:pPr/>
-              <a:t>7/25/20</a:t>
+              <a:t>10/11/20</a:t>
             </a:fld>
             <a:endParaRPr lang="en-US"/>
           </a:p>
@@ -4338,7 +4143,7 @@
             <a:fld id="{DBE77699-C466-4996-ADED-71C8160E04A2}" type="datetimeFigureOut">
               <a:rPr lang="en-US" smtClean="0"/>
               <a:pPr/>
-              <a:t>7/25/20</a:t>
+              <a:t>10/11/20</a:t>
             </a:fld>
             <a:endParaRPr lang="en-US"/>
           </a:p>
@@ -4452,7 +4257,7 @@
             <a:fld id="{DBE77699-C466-4996-ADED-71C8160E04A2}" type="datetimeFigureOut">
               <a:rPr lang="en-US" smtClean="0"/>
               <a:pPr/>
-              <a:t>7/25/20</a:t>
+              <a:t>10/11/20</a:t>
             </a:fld>
             <a:endParaRPr lang="en-US"/>
           </a:p>
@@ -4544,7 +4349,7 @@
             <a:fld id="{DBE77699-C466-4996-ADED-71C8160E04A2}" type="datetimeFigureOut">
               <a:rPr lang="en-US" smtClean="0"/>
               <a:pPr/>
-              <a:t>7/25/20</a:t>
+              <a:t>10/11/20</a:t>
             </a:fld>
             <a:endParaRPr lang="en-US"/>
           </a:p>
@@ -4816,7 +4621,7 @@
             <a:fld id="{DBE77699-C466-4996-ADED-71C8160E04A2}" type="datetimeFigureOut">
               <a:rPr lang="en-US" smtClean="0"/>
               <a:pPr/>
-              <a:t>7/25/20</a:t>
+              <a:t>10/11/20</a:t>
             </a:fld>
             <a:endParaRPr lang="en-US"/>
           </a:p>
@@ -5065,7 +4870,7 @@
             <a:fld id="{DBE77699-C466-4996-ADED-71C8160E04A2}" type="datetimeFigureOut">
               <a:rPr lang="en-US" smtClean="0"/>
               <a:pPr/>
-              <a:t>7/25/20</a:t>
+              <a:t>10/11/20</a:t>
             </a:fld>
             <a:endParaRPr lang="en-US"/>
           </a:p>
@@ -5276,7 +5081,7 @@
             <a:fld id="{DBE77699-C466-4996-ADED-71C8160E04A2}" type="datetimeFigureOut">
               <a:rPr lang="en-US" smtClean="0"/>
               <a:pPr/>
-              <a:t>7/25/20</a:t>
+              <a:t>10/11/20</a:t>
             </a:fld>
             <a:endParaRPr lang="en-US"/>
           </a:p>
@@ -7328,6 +7133,127 @@
           <a:chExt cx="0" cy="0"/>
         </a:xfrm>
       </p:grpSpPr>
+      <p:graphicFrame>
+        <p:nvGraphicFramePr>
+          <p:cNvPr id="4" name="Content Placeholder 3"/>
+          <p:cNvGraphicFramePr>
+            <a:graphicFrameLocks noGrp="1"/>
+          </p:cNvGraphicFramePr>
+          <p:nvPr>
+            <p:ph idx="1"/>
+            <p:extLst>
+              <p:ext uri="{D42A27DB-BD31-4B8C-83A1-F6EECF244321}">
+                <p14:modId xmlns:p14="http://schemas.microsoft.com/office/powerpoint/2010/main" val="1878792987"/>
+              </p:ext>
+            </p:extLst>
+          </p:nvPr>
+        </p:nvGraphicFramePr>
+        <p:xfrm>
+          <a:off x="457200" y="1447800"/>
+          <a:ext cx="8229600" cy="5105400"/>
+        </p:xfrm>
+        <a:graphic>
+          <a:graphicData uri="http://schemas.openxmlformats.org/drawingml/2006/chart">
+            <c:chart xmlns:c="http://schemas.openxmlformats.org/drawingml/2006/chart" xmlns:r="http://schemas.openxmlformats.org/officeDocument/2006/relationships" r:id="rId3"/>
+          </a:graphicData>
+        </a:graphic>
+      </p:graphicFrame>
+      <p:sp>
+        <p:nvSpPr>
+          <p:cNvPr id="6" name="TextBox 5"/>
+          <p:cNvSpPr txBox="1"/>
+          <p:nvPr/>
+        </p:nvSpPr>
+        <p:spPr>
+          <a:xfrm>
+            <a:off x="228600" y="152400"/>
+            <a:ext cx="8610600" cy="769441"/>
+          </a:xfrm>
+          <a:prstGeom prst="rect">
+            <a:avLst/>
+          </a:prstGeom>
+          <a:noFill/>
+        </p:spPr>
+        <p:txBody>
+          <a:bodyPr wrap="square" rtlCol="0">
+            <a:spAutoFit/>
+          </a:bodyPr>
+          <a:lstStyle/>
+          <a:p>
+            <a:r>
+              <a:rPr lang="en-US" sz="4400" dirty="0"/>
+              <a:t>Clement of Alexandria Citations</a:t>
+            </a:r>
+            <a:endParaRPr lang="en-US" sz="4400" b="1" dirty="0"/>
+          </a:p>
+        </p:txBody>
+      </p:sp>
+      <p:sp>
+        <p:nvSpPr>
+          <p:cNvPr id="7" name="TextBox 6"/>
+          <p:cNvSpPr txBox="1"/>
+          <p:nvPr/>
+        </p:nvSpPr>
+        <p:spPr>
+          <a:xfrm>
+            <a:off x="228600" y="762000"/>
+            <a:ext cx="8610600" cy="461665"/>
+          </a:xfrm>
+          <a:prstGeom prst="rect">
+            <a:avLst/>
+          </a:prstGeom>
+          <a:noFill/>
+        </p:spPr>
+        <p:txBody>
+          <a:bodyPr wrap="square" rtlCol="0">
+            <a:spAutoFit/>
+          </a:bodyPr>
+          <a:lstStyle/>
+          <a:p>
+            <a:r>
+              <a:rPr lang="en-US" sz="2400" b="1" dirty="0">
+                <a:solidFill>
+                  <a:schemeClr val="bg1">
+                    <a:lumMod val="50000"/>
+                    <a:lumOff val="50000"/>
+                  </a:schemeClr>
+                </a:solidFill>
+              </a:rPr>
+              <a:t>Frequency of citations of canonical and non-canonical Gospels</a:t>
+            </a:r>
+          </a:p>
+        </p:txBody>
+      </p:sp>
+    </p:spTree>
+    <p:extLst>
+      <p:ext uri="{BB962C8B-B14F-4D97-AF65-F5344CB8AC3E}">
+        <p14:creationId xmlns:p14="http://schemas.microsoft.com/office/powerpoint/2010/main" val="2044642401"/>
+      </p:ext>
+    </p:extLst>
+  </p:cSld>
+  <p:clrMapOvr>
+    <a:masterClrMapping/>
+  </p:clrMapOvr>
+</p:sld>
+</file>
+
+<file path=ppt/slides/slide12.xml><?xml version="1.0" encoding="utf-8"?>
+<p:sld xmlns:a="http://schemas.openxmlformats.org/drawingml/2006/main" xmlns:r="http://schemas.openxmlformats.org/officeDocument/2006/relationships" xmlns:p="http://schemas.openxmlformats.org/presentationml/2006/main">
+  <p:cSld>
+    <p:spTree>
+      <p:nvGrpSpPr>
+        <p:cNvPr id="1" name=""/>
+        <p:cNvGrpSpPr/>
+        <p:nvPr/>
+      </p:nvGrpSpPr>
+      <p:grpSpPr>
+        <a:xfrm>
+          <a:off x="0" y="0"/>
+          <a:ext cx="0" cy="0"/>
+          <a:chOff x="0" y="0"/>
+          <a:chExt cx="0" cy="0"/>
+        </a:xfrm>
+      </p:grpSpPr>
       <p:sp>
         <p:nvSpPr>
           <p:cNvPr id="2" name="Title 1">
@@ -7860,7 +7786,7 @@
 </p:sld>
 </file>
 
-<file path=ppt/slides/slide12.xml><?xml version="1.0" encoding="utf-8"?>
+<file path=ppt/slides/slide13.xml><?xml version="1.0" encoding="utf-8"?>
 <p:sld xmlns:a="http://schemas.openxmlformats.org/drawingml/2006/main" xmlns:r="http://schemas.openxmlformats.org/officeDocument/2006/relationships" xmlns:p="http://schemas.openxmlformats.org/presentationml/2006/main">
   <p:cSld>
     <p:spTree>
@@ -7917,7 +7843,7 @@
             <a:r>
               <a:rPr lang="en-US" sz="4000" dirty="0">
                 <a:highlight>
-                  <a:srgbClr val="009EC0"/>
+                  <a:srgbClr val="C00002"/>
                 </a:highlight>
               </a:rPr>
               <a:t> </a:t>
@@ -7925,7 +7851,7 @@
             <a:r>
               <a:rPr lang="en-US" sz="4000" b="1" dirty="0">
                 <a:highlight>
-                  <a:srgbClr val="009EC0"/>
+                  <a:srgbClr val="C00002"/>
                 </a:highlight>
               </a:rPr>
               <a:t>It is not possible that the gospels can be either more or fewer </a:t>
@@ -8177,126 +8103,6 @@
 </p:sld>
 </file>
 
-<file path=ppt/slides/slide13.xml><?xml version="1.0" encoding="utf-8"?>
-<p:sld xmlns:a="http://schemas.openxmlformats.org/drawingml/2006/main" xmlns:r="http://schemas.openxmlformats.org/officeDocument/2006/relationships" xmlns:p="http://schemas.openxmlformats.org/presentationml/2006/main">
-  <p:cSld>
-    <p:spTree>
-      <p:nvGrpSpPr>
-        <p:cNvPr id="1" name=""/>
-        <p:cNvGrpSpPr/>
-        <p:nvPr/>
-      </p:nvGrpSpPr>
-      <p:grpSpPr>
-        <a:xfrm>
-          <a:off x="0" y="0"/>
-          <a:ext cx="0" cy="0"/>
-          <a:chOff x="0" y="0"/>
-          <a:chExt cx="0" cy="0"/>
-        </a:xfrm>
-      </p:grpSpPr>
-      <p:graphicFrame>
-        <p:nvGraphicFramePr>
-          <p:cNvPr id="4" name="Content Placeholder 3"/>
-          <p:cNvGraphicFramePr>
-            <a:graphicFrameLocks noGrp="1"/>
-          </p:cNvGraphicFramePr>
-          <p:nvPr>
-            <p:ph idx="1"/>
-            <p:extLst>
-              <p:ext uri="{D42A27DB-BD31-4B8C-83A1-F6EECF244321}">
-                <p14:modId xmlns:p14="http://schemas.microsoft.com/office/powerpoint/2010/main" val="521027871"/>
-              </p:ext>
-            </p:extLst>
-          </p:nvPr>
-        </p:nvGraphicFramePr>
-        <p:xfrm>
-          <a:off x="76200" y="1223665"/>
-          <a:ext cx="8991600" cy="5481935"/>
-        </p:xfrm>
-        <a:graphic>
-          <a:graphicData uri="http://schemas.openxmlformats.org/drawingml/2006/chart">
-            <c:chart xmlns:c="http://schemas.openxmlformats.org/drawingml/2006/chart" xmlns:r="http://schemas.openxmlformats.org/officeDocument/2006/relationships" r:id="rId2"/>
-          </a:graphicData>
-        </a:graphic>
-      </p:graphicFrame>
-      <p:sp>
-        <p:nvSpPr>
-          <p:cNvPr id="6" name="TextBox 5"/>
-          <p:cNvSpPr txBox="1"/>
-          <p:nvPr/>
-        </p:nvSpPr>
-        <p:spPr>
-          <a:xfrm>
-            <a:off x="228600" y="152400"/>
-            <a:ext cx="8610600" cy="769441"/>
-          </a:xfrm>
-          <a:prstGeom prst="rect">
-            <a:avLst/>
-          </a:prstGeom>
-          <a:noFill/>
-        </p:spPr>
-        <p:txBody>
-          <a:bodyPr wrap="square" rtlCol="0">
-            <a:spAutoFit/>
-          </a:bodyPr>
-          <a:lstStyle/>
-          <a:p>
-            <a:r>
-              <a:rPr lang="en-US" sz="4400" b="1" dirty="0"/>
-              <a:t>Most Common Books</a:t>
-            </a:r>
-          </a:p>
-        </p:txBody>
-      </p:sp>
-      <p:sp>
-        <p:nvSpPr>
-          <p:cNvPr id="7" name="TextBox 6"/>
-          <p:cNvSpPr txBox="1"/>
-          <p:nvPr/>
-        </p:nvSpPr>
-        <p:spPr>
-          <a:xfrm>
-            <a:off x="228600" y="762000"/>
-            <a:ext cx="8610600" cy="461665"/>
-          </a:xfrm>
-          <a:prstGeom prst="rect">
-            <a:avLst/>
-          </a:prstGeom>
-          <a:noFill/>
-        </p:spPr>
-        <p:txBody>
-          <a:bodyPr wrap="square" rtlCol="0">
-            <a:spAutoFit/>
-          </a:bodyPr>
-          <a:lstStyle/>
-          <a:p>
-            <a:r>
-              <a:rPr lang="en-US" sz="2400" b="1" dirty="0">
-                <a:solidFill>
-                  <a:schemeClr val="bg1">
-                    <a:lumMod val="50000"/>
-                    <a:lumOff val="50000"/>
-                  </a:schemeClr>
-                </a:solidFill>
-              </a:rPr>
-              <a:t>In early canons and collections</a:t>
-            </a:r>
-          </a:p>
-        </p:txBody>
-      </p:sp>
-    </p:spTree>
-    <p:extLst>
-      <p:ext uri="{BB962C8B-B14F-4D97-AF65-F5344CB8AC3E}">
-        <p14:creationId xmlns:p14="http://schemas.microsoft.com/office/powerpoint/2010/main" val="1851670022"/>
-      </p:ext>
-    </p:extLst>
-  </p:cSld>
-  <p:clrMapOvr>
-    <a:masterClrMapping/>
-  </p:clrMapOvr>
-</p:sld>
-</file>
-
 <file path=ppt/slides/slide14.xml><?xml version="1.0" encoding="utf-8"?>
 <p:sld xmlns:a="http://schemas.openxmlformats.org/drawingml/2006/main" xmlns:r="http://schemas.openxmlformats.org/officeDocument/2006/relationships" xmlns:p="http://schemas.openxmlformats.org/presentationml/2006/main">
   <p:cSld>
@@ -8324,31 +8130,37 @@
             <p:ph idx="1"/>
             <p:extLst>
               <p:ext uri="{D42A27DB-BD31-4B8C-83A1-F6EECF244321}">
-                <p14:modId xmlns:p14="http://schemas.microsoft.com/office/powerpoint/2010/main" val="3062150118"/>
+                <p14:modId xmlns:p14="http://schemas.microsoft.com/office/powerpoint/2010/main" val="3104542462"/>
               </p:ext>
             </p:extLst>
           </p:nvPr>
         </p:nvGraphicFramePr>
         <p:xfrm>
-          <a:off x="457200" y="1447800"/>
-          <a:ext cx="8229600" cy="5105400"/>
+          <a:off x="76200" y="0"/>
+          <a:ext cx="8991600" cy="6857999"/>
         </p:xfrm>
         <a:graphic>
           <a:graphicData uri="http://schemas.openxmlformats.org/drawingml/2006/chart">
-            <c:chart xmlns:c="http://schemas.openxmlformats.org/drawingml/2006/chart" xmlns:r="http://schemas.openxmlformats.org/officeDocument/2006/relationships" r:id="rId3"/>
+            <c:chart xmlns:c="http://schemas.openxmlformats.org/drawingml/2006/chart" xmlns:r="http://schemas.openxmlformats.org/officeDocument/2006/relationships" r:id="rId2"/>
           </a:graphicData>
         </a:graphic>
       </p:graphicFrame>
       <p:sp>
         <p:nvSpPr>
-          <p:cNvPr id="6" name="TextBox 5"/>
+          <p:cNvPr id="2" name="TextBox 1">
+            <a:extLst>
+              <a:ext uri="{FF2B5EF4-FFF2-40B4-BE49-F238E27FC236}">
+                <a16:creationId xmlns:a16="http://schemas.microsoft.com/office/drawing/2014/main" id="{8D64888C-72C1-CB41-8A40-45F1AB2B584E}"/>
+              </a:ext>
+            </a:extLst>
+          </p:cNvPr>
           <p:cNvSpPr txBox="1"/>
           <p:nvPr/>
         </p:nvSpPr>
         <p:spPr>
           <a:xfrm>
-            <a:off x="228600" y="152400"/>
-            <a:ext cx="8610600" cy="769441"/>
+            <a:off x="4876800" y="5257800"/>
+            <a:ext cx="4001095" cy="830997"/>
           </a:xfrm>
           <a:prstGeom prst="rect">
             <a:avLst/>
@@ -8356,50 +8168,20 @@
           <a:noFill/>
         </p:spPr>
         <p:txBody>
-          <a:bodyPr wrap="square" rtlCol="0">
+          <a:bodyPr wrap="none" rtlCol="0">
             <a:spAutoFit/>
           </a:bodyPr>
           <a:lstStyle/>
           <a:p>
             <a:r>
-              <a:rPr lang="en-US" sz="4400" b="1" dirty="0"/>
-              <a:t>Clement of Alexandria</a:t>
+              <a:rPr lang="en-US" sz="2400" b="1" dirty="0"/>
+              <a:t>Most Common Books</a:t>
             </a:r>
           </a:p>
-        </p:txBody>
-      </p:sp>
-      <p:sp>
-        <p:nvSpPr>
-          <p:cNvPr id="7" name="TextBox 6"/>
-          <p:cNvSpPr txBox="1"/>
-          <p:nvPr/>
-        </p:nvSpPr>
-        <p:spPr>
-          <a:xfrm>
-            <a:off x="228600" y="762000"/>
-            <a:ext cx="8610600" cy="461665"/>
-          </a:xfrm>
-          <a:prstGeom prst="rect">
-            <a:avLst/>
-          </a:prstGeom>
-          <a:noFill/>
-        </p:spPr>
-        <p:txBody>
-          <a:bodyPr wrap="square" rtlCol="0">
-            <a:spAutoFit/>
-          </a:bodyPr>
-          <a:lstStyle/>
           <a:p>
             <a:r>
-              <a:rPr lang="en-US" sz="2400" b="1" dirty="0">
-                <a:solidFill>
-                  <a:schemeClr val="bg1">
-                    <a:lumMod val="50000"/>
-                    <a:lumOff val="50000"/>
-                  </a:schemeClr>
-                </a:solidFill>
-              </a:rPr>
-              <a:t>Works quoted</a:t>
+              <a:rPr lang="en-US" sz="2400" dirty="0"/>
+              <a:t>In early canons and collections</a:t>
             </a:r>
           </a:p>
         </p:txBody>
@@ -8407,7 +8189,7 @@
     </p:spTree>
     <p:extLst>
       <p:ext uri="{BB962C8B-B14F-4D97-AF65-F5344CB8AC3E}">
-        <p14:creationId xmlns:p14="http://schemas.microsoft.com/office/powerpoint/2010/main" val="1730624872"/>
+        <p14:creationId xmlns:p14="http://schemas.microsoft.com/office/powerpoint/2010/main" val="1851670022"/>
       </p:ext>
     </p:extLst>
   </p:cSld>
@@ -8679,7 +8461,7 @@
           <p:nvPr>
             <p:extLst>
               <p:ext uri="{D42A27DB-BD31-4B8C-83A1-F6EECF244321}">
-                <p14:modId xmlns:p14="http://schemas.microsoft.com/office/powerpoint/2010/main" val="2185590660"/>
+                <p14:modId xmlns:p14="http://schemas.microsoft.com/office/powerpoint/2010/main" val="4212050651"/>
               </p:ext>
             </p:extLst>
           </p:nvPr>
@@ -8728,7 +8510,7 @@
                       </a:pPr>
                       <a:r>
                         <a:rPr lang="en-US" sz="2400" b="0" dirty="0"/>
-                        <a:t>See previous lessons: undesigned coincidences (lessons 12 &amp; 13), fulfilled prophecy (lesson 17), wisdom (lesson 16)</a:t>
+                        <a:t>See other lessons: undesigned coincidences (lessons 12 &amp; 13), fulfilled prophecy (lesson 17), wisdom (lesson 16)</a:t>
                       </a:r>
                     </a:p>
                   </a:txBody>

--- a/companion-website/public/files/7. Primacy of the Primary Sources.pptx
+++ b/companion-website/public/files/7. Primacy of the Primary Sources.pptx
@@ -5,25 +5,28 @@
     <p:sldMasterId id="2147483648" r:id="rId1"/>
   </p:sldMasterIdLst>
   <p:notesMasterIdLst>
-    <p:notesMasterId r:id="rId18"/>
+    <p:notesMasterId r:id="rId21"/>
   </p:notesMasterIdLst>
   <p:sldIdLst>
     <p:sldId id="275" r:id="rId2"/>
-    <p:sldId id="438" r:id="rId3"/>
-    <p:sldId id="456" r:id="rId4"/>
-    <p:sldId id="457" r:id="rId5"/>
-    <p:sldId id="458" r:id="rId6"/>
-    <p:sldId id="448" r:id="rId7"/>
-    <p:sldId id="449" r:id="rId8"/>
-    <p:sldId id="440" r:id="rId9"/>
-    <p:sldId id="450" r:id="rId10"/>
-    <p:sldId id="451" r:id="rId11"/>
-    <p:sldId id="459" r:id="rId12"/>
-    <p:sldId id="439" r:id="rId13"/>
-    <p:sldId id="454" r:id="rId14"/>
-    <p:sldId id="453" r:id="rId15"/>
-    <p:sldId id="452" r:id="rId16"/>
-    <p:sldId id="455" r:id="rId17"/>
+    <p:sldId id="462" r:id="rId3"/>
+    <p:sldId id="460" r:id="rId4"/>
+    <p:sldId id="463" r:id="rId5"/>
+    <p:sldId id="438" r:id="rId6"/>
+    <p:sldId id="456" r:id="rId7"/>
+    <p:sldId id="457" r:id="rId8"/>
+    <p:sldId id="458" r:id="rId9"/>
+    <p:sldId id="448" r:id="rId10"/>
+    <p:sldId id="449" r:id="rId11"/>
+    <p:sldId id="440" r:id="rId12"/>
+    <p:sldId id="450" r:id="rId13"/>
+    <p:sldId id="451" r:id="rId14"/>
+    <p:sldId id="459" r:id="rId15"/>
+    <p:sldId id="439" r:id="rId16"/>
+    <p:sldId id="454" r:id="rId17"/>
+    <p:sldId id="453" r:id="rId18"/>
+    <p:sldId id="452" r:id="rId19"/>
+    <p:sldId id="455" r:id="rId20"/>
   </p:sldIdLst>
   <p:sldSz cx="9144000" cy="6858000" type="screen4x3"/>
   <p:notesSz cx="6858000" cy="9144000"/>
@@ -1262,7 +1265,7 @@
           <a:p>
             <a:fld id="{8F7EB338-8BB0-B64B-9F79-C87EA24D723F}" type="datetimeFigureOut">
               <a:rPr lang="en-US" smtClean="0"/>
-              <a:t>10/11/20</a:t>
+              <a:t>10/13/20</a:t>
             </a:fld>
             <a:endParaRPr lang="en-US"/>
           </a:p>
@@ -1594,7 +1597,7 @@
           <a:p>
             <a:fld id="{0A2C3B37-55FA-284F-9E83-751B4EA6E9B4}" type="slidenum">
               <a:rPr lang="en-US" smtClean="0"/>
-              <a:t>6</a:t>
+              <a:t>9</a:t>
             </a:fld>
             <a:endParaRPr lang="en-US"/>
           </a:p>
@@ -1678,7 +1681,7 @@
           <a:p>
             <a:fld id="{0A2C3B37-55FA-284F-9E83-751B4EA6E9B4}" type="slidenum">
               <a:rPr lang="en-US" smtClean="0"/>
-              <a:t>7</a:t>
+              <a:t>10</a:t>
             </a:fld>
             <a:endParaRPr lang="en-US"/>
           </a:p>
@@ -1762,7 +1765,7 @@
           <a:p>
             <a:fld id="{E31E1A05-B3B6-6F43-8051-B5A825C5C2A3}" type="slidenum">
               <a:rPr lang="en-US" smtClean="0"/>
-              <a:t>8</a:t>
+              <a:t>11</a:t>
             </a:fld>
             <a:endParaRPr lang="en-US"/>
           </a:p>
@@ -1846,7 +1849,7 @@
           <a:p>
             <a:fld id="{0A2C3B37-55FA-284F-9E83-751B4EA6E9B4}" type="slidenum">
               <a:rPr lang="en-US" smtClean="0"/>
-              <a:t>9</a:t>
+              <a:t>12</a:t>
             </a:fld>
             <a:endParaRPr lang="en-US"/>
           </a:p>
@@ -1930,7 +1933,7 @@
           <a:p>
             <a:fld id="{0A2C3B37-55FA-284F-9E83-751B4EA6E9B4}" type="slidenum">
               <a:rPr lang="en-US" smtClean="0"/>
-              <a:t>10</a:t>
+              <a:t>13</a:t>
             </a:fld>
             <a:endParaRPr lang="en-US"/>
           </a:p>
@@ -2049,7 +2052,7 @@
           <a:p>
             <a:fld id="{E31E1A05-B3B6-6F43-8051-B5A825C5C2A3}" type="slidenum">
               <a:rPr lang="en-US" smtClean="0"/>
-              <a:t>11</a:t>
+              <a:t>14</a:t>
             </a:fld>
             <a:endParaRPr lang="en-US"/>
           </a:p>
@@ -2133,7 +2136,7 @@
           <a:p>
             <a:fld id="{0A2C3B37-55FA-284F-9E83-751B4EA6E9B4}" type="slidenum">
               <a:rPr lang="en-US" smtClean="0"/>
-              <a:t>15</a:t>
+              <a:t>18</a:t>
             </a:fld>
             <a:endParaRPr lang="en-US"/>
           </a:p>
@@ -2336,7 +2339,7 @@
             <a:fld id="{DBE77699-C466-4996-ADED-71C8160E04A2}" type="datetimeFigureOut">
               <a:rPr lang="en-US" smtClean="0"/>
               <a:pPr/>
-              <a:t>10/11/20</a:t>
+              <a:t>10/13/20</a:t>
             </a:fld>
             <a:endParaRPr lang="en-US"/>
           </a:p>
@@ -2501,7 +2504,7 @@
             <a:fld id="{DBE77699-C466-4996-ADED-71C8160E04A2}" type="datetimeFigureOut">
               <a:rPr lang="en-US" smtClean="0"/>
               <a:pPr/>
-              <a:t>10/11/20</a:t>
+              <a:t>10/13/20</a:t>
             </a:fld>
             <a:endParaRPr lang="en-US"/>
           </a:p>
@@ -2676,7 +2679,7 @@
             <a:fld id="{DBE77699-C466-4996-ADED-71C8160E04A2}" type="datetimeFigureOut">
               <a:rPr lang="en-US" smtClean="0"/>
               <a:pPr/>
-              <a:t>10/11/20</a:t>
+              <a:t>10/13/20</a:t>
             </a:fld>
             <a:endParaRPr lang="en-US"/>
           </a:p>
@@ -2795,7 +2798,7 @@
             <a:fld id="{DBE77699-C466-4996-ADED-71C8160E04A2}" type="datetimeFigureOut">
               <a:rPr lang="en-US" smtClean="0"/>
               <a:pPr/>
-              <a:t>10/11/20</a:t>
+              <a:t>10/13/20</a:t>
             </a:fld>
             <a:endParaRPr lang="en-US"/>
           </a:p>
@@ -3203,7 +3206,7 @@
             <a:fld id="{DBE77699-C466-4996-ADED-71C8160E04A2}" type="datetimeFigureOut">
               <a:rPr lang="en-US" smtClean="0"/>
               <a:pPr/>
-              <a:t>10/11/20</a:t>
+              <a:t>10/13/20</a:t>
             </a:fld>
             <a:endParaRPr lang="en-US"/>
           </a:p>
@@ -3445,7 +3448,7 @@
             <a:fld id="{DBE77699-C466-4996-ADED-71C8160E04A2}" type="datetimeFigureOut">
               <a:rPr lang="en-US" smtClean="0"/>
               <a:pPr/>
-              <a:t>10/11/20</a:t>
+              <a:t>10/13/20</a:t>
             </a:fld>
             <a:endParaRPr lang="en-US"/>
           </a:p>
@@ -3727,7 +3730,7 @@
             <a:fld id="{DBE77699-C466-4996-ADED-71C8160E04A2}" type="datetimeFigureOut">
               <a:rPr lang="en-US" smtClean="0"/>
               <a:pPr/>
-              <a:t>10/11/20</a:t>
+              <a:t>10/13/20</a:t>
             </a:fld>
             <a:endParaRPr lang="en-US"/>
           </a:p>
@@ -4143,7 +4146,7 @@
             <a:fld id="{DBE77699-C466-4996-ADED-71C8160E04A2}" type="datetimeFigureOut">
               <a:rPr lang="en-US" smtClean="0"/>
               <a:pPr/>
-              <a:t>10/11/20</a:t>
+              <a:t>10/13/20</a:t>
             </a:fld>
             <a:endParaRPr lang="en-US"/>
           </a:p>
@@ -4257,7 +4260,7 @@
             <a:fld id="{DBE77699-C466-4996-ADED-71C8160E04A2}" type="datetimeFigureOut">
               <a:rPr lang="en-US" smtClean="0"/>
               <a:pPr/>
-              <a:t>10/11/20</a:t>
+              <a:t>10/13/20</a:t>
             </a:fld>
             <a:endParaRPr lang="en-US"/>
           </a:p>
@@ -4349,7 +4352,7 @@
             <a:fld id="{DBE77699-C466-4996-ADED-71C8160E04A2}" type="datetimeFigureOut">
               <a:rPr lang="en-US" smtClean="0"/>
               <a:pPr/>
-              <a:t>10/11/20</a:t>
+              <a:t>10/13/20</a:t>
             </a:fld>
             <a:endParaRPr lang="en-US"/>
           </a:p>
@@ -4621,7 +4624,7 @@
             <a:fld id="{DBE77699-C466-4996-ADED-71C8160E04A2}" type="datetimeFigureOut">
               <a:rPr lang="en-US" smtClean="0"/>
               <a:pPr/>
-              <a:t>10/11/20</a:t>
+              <a:t>10/13/20</a:t>
             </a:fld>
             <a:endParaRPr lang="en-US"/>
           </a:p>
@@ -4870,7 +4873,7 @@
             <a:fld id="{DBE77699-C466-4996-ADED-71C8160E04A2}" type="datetimeFigureOut">
               <a:rPr lang="en-US" smtClean="0"/>
               <a:pPr/>
-              <a:t>10/11/20</a:t>
+              <a:t>10/13/20</a:t>
             </a:fld>
             <a:endParaRPr lang="en-US"/>
           </a:p>
@@ -5081,7 +5084,7 @@
             <a:fld id="{DBE77699-C466-4996-ADED-71C8160E04A2}" type="datetimeFigureOut">
               <a:rPr lang="en-US" smtClean="0"/>
               <a:pPr/>
-              <a:t>10/11/20</a:t>
+              <a:t>10/13/20</a:t>
             </a:fld>
             <a:endParaRPr lang="en-US"/>
           </a:p>
@@ -6278,6 +6281,2970 @@
 </file>
 
 <file path=ppt/slides/slide10.xml><?xml version="1.0" encoding="utf-8"?>
+<p:sld xmlns:a="http://schemas.openxmlformats.org/drawingml/2006/main" xmlns:r="http://schemas.openxmlformats.org/officeDocument/2006/relationships" xmlns:p="http://schemas.openxmlformats.org/presentationml/2006/main">
+  <p:cSld>
+    <p:spTree>
+      <p:nvGrpSpPr>
+        <p:cNvPr id="1" name=""/>
+        <p:cNvGrpSpPr/>
+        <p:nvPr/>
+      </p:nvGrpSpPr>
+      <p:grpSpPr>
+        <a:xfrm>
+          <a:off x="0" y="0"/>
+          <a:ext cx="0" cy="0"/>
+          <a:chOff x="0" y="0"/>
+          <a:chExt cx="0" cy="0"/>
+        </a:xfrm>
+      </p:grpSpPr>
+      <p:sp>
+        <p:nvSpPr>
+          <p:cNvPr id="6" name="TextBox 5"/>
+          <p:cNvSpPr txBox="1"/>
+          <p:nvPr/>
+        </p:nvSpPr>
+        <p:spPr>
+          <a:xfrm>
+            <a:off x="228600" y="152400"/>
+            <a:ext cx="8610600" cy="677108"/>
+          </a:xfrm>
+          <a:prstGeom prst="rect">
+            <a:avLst/>
+          </a:prstGeom>
+          <a:noFill/>
+        </p:spPr>
+        <p:txBody>
+          <a:bodyPr wrap="square" rtlCol="0">
+            <a:spAutoFit/>
+          </a:bodyPr>
+          <a:lstStyle/>
+          <a:p>
+            <a:r>
+              <a:rPr lang="en-US" sz="3800" b="1" dirty="0"/>
+              <a:t>Why the 27 Books of the New Testament?</a:t>
+            </a:r>
+          </a:p>
+        </p:txBody>
+      </p:sp>
+      <p:grpSp>
+        <p:nvGrpSpPr>
+          <p:cNvPr id="9" name="Group 8">
+            <a:extLst>
+              <a:ext uri="{FF2B5EF4-FFF2-40B4-BE49-F238E27FC236}">
+                <a16:creationId xmlns:a16="http://schemas.microsoft.com/office/drawing/2014/main" id="{55676BE1-B42E-AD44-9DD5-FF20BEB47F36}"/>
+              </a:ext>
+            </a:extLst>
+          </p:cNvPr>
+          <p:cNvGrpSpPr/>
+          <p:nvPr/>
+        </p:nvGrpSpPr>
+        <p:grpSpPr>
+          <a:xfrm>
+            <a:off x="533400" y="1833265"/>
+            <a:ext cx="8001000" cy="685800"/>
+            <a:chOff x="533400" y="1833265"/>
+            <a:chExt cx="8001000" cy="685800"/>
+          </a:xfrm>
+        </p:grpSpPr>
+        <p:sp>
+          <p:nvSpPr>
+            <p:cNvPr id="2" name="Oval 1">
+              <a:extLst>
+                <a:ext uri="{FF2B5EF4-FFF2-40B4-BE49-F238E27FC236}">
+                  <a16:creationId xmlns:a16="http://schemas.microsoft.com/office/drawing/2014/main" id="{876D5A54-0C8D-804B-88A0-6609A2C1405C}"/>
+                </a:ext>
+              </a:extLst>
+            </p:cNvPr>
+            <p:cNvSpPr/>
+            <p:nvPr/>
+          </p:nvSpPr>
+          <p:spPr>
+            <a:xfrm>
+              <a:off x="533400" y="1833265"/>
+              <a:ext cx="685800" cy="685800"/>
+            </a:xfrm>
+            <a:prstGeom prst="ellipse">
+              <a:avLst/>
+            </a:prstGeom>
+            <a:solidFill>
+              <a:srgbClr val="009EC0"/>
+            </a:solidFill>
+            <a:ln>
+              <a:noFill/>
+            </a:ln>
+          </p:spPr>
+          <p:style>
+            <a:lnRef idx="2">
+              <a:schemeClr val="accent1">
+                <a:shade val="50000"/>
+              </a:schemeClr>
+            </a:lnRef>
+            <a:fillRef idx="1">
+              <a:schemeClr val="accent1"/>
+            </a:fillRef>
+            <a:effectRef idx="0">
+              <a:schemeClr val="accent1"/>
+            </a:effectRef>
+            <a:fontRef idx="minor">
+              <a:schemeClr val="lt1"/>
+            </a:fontRef>
+          </p:style>
+          <p:txBody>
+            <a:bodyPr rtlCol="0" anchor="ctr"/>
+            <a:lstStyle/>
+            <a:p>
+              <a:pPr algn="ctr"/>
+              <a:r>
+                <a:rPr lang="en-US" sz="2800" dirty="0">
+                  <a:solidFill>
+                    <a:schemeClr val="tx1"/>
+                  </a:solidFill>
+                </a:rPr>
+                <a:t>1</a:t>
+              </a:r>
+            </a:p>
+          </p:txBody>
+        </p:sp>
+        <p:sp>
+          <p:nvSpPr>
+            <p:cNvPr id="10" name="Rectangle 9">
+              <a:extLst>
+                <a:ext uri="{FF2B5EF4-FFF2-40B4-BE49-F238E27FC236}">
+                  <a16:creationId xmlns:a16="http://schemas.microsoft.com/office/drawing/2014/main" id="{312C2DC5-5653-DC4B-98A2-76A0B8F08883}"/>
+                </a:ext>
+              </a:extLst>
+            </p:cNvPr>
+            <p:cNvSpPr/>
+            <p:nvPr/>
+          </p:nvSpPr>
+          <p:spPr>
+            <a:xfrm>
+              <a:off x="1447800" y="1833265"/>
+              <a:ext cx="7086600" cy="685800"/>
+            </a:xfrm>
+            <a:prstGeom prst="rect">
+              <a:avLst/>
+            </a:prstGeom>
+            <a:noFill/>
+            <a:ln>
+              <a:noFill/>
+            </a:ln>
+          </p:spPr>
+          <p:style>
+            <a:lnRef idx="2">
+              <a:schemeClr val="accent1">
+                <a:shade val="50000"/>
+              </a:schemeClr>
+            </a:lnRef>
+            <a:fillRef idx="1">
+              <a:schemeClr val="accent1"/>
+            </a:fillRef>
+            <a:effectRef idx="0">
+              <a:schemeClr val="accent1"/>
+            </a:effectRef>
+            <a:fontRef idx="minor">
+              <a:schemeClr val="lt1"/>
+            </a:fontRef>
+          </p:style>
+          <p:txBody>
+            <a:bodyPr rtlCol="0" anchor="ctr"/>
+            <a:lstStyle/>
+            <a:p>
+              <a:r>
+                <a:rPr lang="en-US" sz="2400" dirty="0">
+                  <a:solidFill>
+                    <a:schemeClr val="tx1"/>
+                  </a:solidFill>
+                </a:rPr>
+                <a:t>New Testament documents are </a:t>
+              </a:r>
+              <a:r>
+                <a:rPr lang="en-US" sz="2400" dirty="0">
+                  <a:solidFill>
+                    <a:schemeClr val="tx1"/>
+                  </a:solidFill>
+                  <a:highlight>
+                    <a:srgbClr val="C00002"/>
+                  </a:highlight>
+                </a:rPr>
+                <a:t> </a:t>
+              </a:r>
+              <a:r>
+                <a:rPr lang="en-US" sz="2400" b="1" dirty="0">
+                  <a:solidFill>
+                    <a:schemeClr val="tx1"/>
+                  </a:solidFill>
+                  <a:highlight>
+                    <a:srgbClr val="C00002"/>
+                  </a:highlight>
+                </a:rPr>
+                <a:t>the earliest </a:t>
+              </a:r>
+              <a:r>
+                <a:rPr lang="en-US" sz="2400" b="1" dirty="0">
+                  <a:solidFill>
+                    <a:schemeClr val="tx1"/>
+                  </a:solidFill>
+                </a:rPr>
+                <a:t> </a:t>
+              </a:r>
+              <a:r>
+                <a:rPr lang="en-US" sz="2400" dirty="0">
+                  <a:solidFill>
+                    <a:schemeClr val="tx1"/>
+                  </a:solidFill>
+                </a:rPr>
+                <a:t>Christian writings we have.</a:t>
+              </a:r>
+            </a:p>
+          </p:txBody>
+        </p:sp>
+      </p:grpSp>
+      <p:cxnSp>
+        <p:nvCxnSpPr>
+          <p:cNvPr id="8" name="Straight Connector 7">
+            <a:extLst>
+              <a:ext uri="{FF2B5EF4-FFF2-40B4-BE49-F238E27FC236}">
+                <a16:creationId xmlns:a16="http://schemas.microsoft.com/office/drawing/2014/main" id="{B1CE1C68-C736-2F42-AD3D-29FCB9A69CAD}"/>
+              </a:ext>
+            </a:extLst>
+          </p:cNvPr>
+          <p:cNvCxnSpPr>
+            <a:cxnSpLocks/>
+          </p:cNvCxnSpPr>
+          <p:nvPr/>
+        </p:nvCxnSpPr>
+        <p:spPr>
+          <a:xfrm>
+            <a:off x="228600" y="1066800"/>
+            <a:ext cx="2209800" cy="0"/>
+          </a:xfrm>
+          <a:prstGeom prst="line">
+            <a:avLst/>
+          </a:prstGeom>
+          <a:ln w="76200">
+            <a:solidFill>
+              <a:srgbClr val="009EC0"/>
+            </a:solidFill>
+          </a:ln>
+        </p:spPr>
+        <p:style>
+          <a:lnRef idx="1">
+            <a:schemeClr val="dk1"/>
+          </a:lnRef>
+          <a:fillRef idx="0">
+            <a:schemeClr val="dk1"/>
+          </a:fillRef>
+          <a:effectRef idx="0">
+            <a:schemeClr val="dk1"/>
+          </a:effectRef>
+          <a:fontRef idx="minor">
+            <a:schemeClr val="tx1"/>
+          </a:fontRef>
+        </p:style>
+      </p:cxnSp>
+      <p:graphicFrame>
+        <p:nvGraphicFramePr>
+          <p:cNvPr id="11" name="Table 10">
+            <a:extLst>
+              <a:ext uri="{FF2B5EF4-FFF2-40B4-BE49-F238E27FC236}">
+                <a16:creationId xmlns:a16="http://schemas.microsoft.com/office/drawing/2014/main" id="{ED050BF4-E2C9-094B-A264-CEBAD9ADF305}"/>
+              </a:ext>
+            </a:extLst>
+          </p:cNvPr>
+          <p:cNvGraphicFramePr>
+            <a:graphicFrameLocks noGrp="1"/>
+          </p:cNvGraphicFramePr>
+          <p:nvPr>
+            <p:extLst>
+              <p:ext uri="{D42A27DB-BD31-4B8C-83A1-F6EECF244321}">
+                <p14:modId xmlns:p14="http://schemas.microsoft.com/office/powerpoint/2010/main" val="2896373005"/>
+              </p:ext>
+            </p:extLst>
+          </p:nvPr>
+        </p:nvGraphicFramePr>
+        <p:xfrm>
+          <a:off x="1600200" y="2874049"/>
+          <a:ext cx="7162800" cy="822960"/>
+        </p:xfrm>
+        <a:graphic>
+          <a:graphicData uri="http://schemas.openxmlformats.org/drawingml/2006/table">
+            <a:tbl>
+              <a:tblPr firstRow="1" bandRow="1">
+                <a:tableStyleId>{2D5ABB26-0587-4C30-8999-92F81FD0307C}</a:tableStyleId>
+              </a:tblPr>
+              <a:tblGrid>
+                <a:gridCol w="7162800">
+                  <a:extLst>
+                    <a:ext uri="{9D8B030D-6E8A-4147-A177-3AD203B41FA5}">
+                      <a16:colId xmlns:a16="http://schemas.microsoft.com/office/drawing/2014/main" val="1107341750"/>
+                    </a:ext>
+                  </a:extLst>
+                </a:gridCol>
+              </a:tblGrid>
+              <a:tr h="370840">
+                <a:tc>
+                  <a:txBody>
+                    <a:bodyPr/>
+                    <a:lstStyle/>
+                    <a:p>
+                      <a:r>
+                        <a:rPr lang="en-US" sz="2400" dirty="0"/>
+                        <a:t>All of the apocryphal “Gospels” are second century or later (too late to be eyewitness testimony)</a:t>
+                      </a:r>
+                      <a:endParaRPr lang="en-US" sz="2400" b="0" dirty="0"/>
+                    </a:p>
+                  </a:txBody>
+                  <a:tcPr marL="182880">
+                    <a:lnL w="57150" cap="flat" cmpd="sng" algn="ctr">
+                      <a:solidFill>
+                        <a:schemeClr val="bg1">
+                          <a:lumMod val="75000"/>
+                          <a:lumOff val="25000"/>
+                        </a:schemeClr>
+                      </a:solidFill>
+                      <a:prstDash val="solid"/>
+                      <a:round/>
+                      <a:headEnd type="none" w="med" len="med"/>
+                      <a:tailEnd type="none" w="med" len="med"/>
+                    </a:lnL>
+                    <a:lnR>
+                      <a:noFill/>
+                    </a:lnR>
+                    <a:lnT>
+                      <a:noFill/>
+                    </a:lnT>
+                    <a:lnB>
+                      <a:noFill/>
+                    </a:lnB>
+                    <a:lnTlToBr w="12700" cmpd="sng">
+                      <a:noFill/>
+                      <a:prstDash val="solid"/>
+                    </a:lnTlToBr>
+                    <a:lnBlToTr w="12700" cmpd="sng">
+                      <a:noFill/>
+                      <a:prstDash val="solid"/>
+                    </a:lnBlToTr>
+                  </a:tcPr>
+                </a:tc>
+                <a:extLst>
+                  <a:ext uri="{0D108BD9-81ED-4DB2-BD59-A6C34878D82A}">
+                    <a16:rowId xmlns:a16="http://schemas.microsoft.com/office/drawing/2014/main" val="1984863204"/>
+                  </a:ext>
+                </a:extLst>
+              </a:tr>
+            </a:tbl>
+          </a:graphicData>
+        </a:graphic>
+      </p:graphicFrame>
+      <p:graphicFrame>
+        <p:nvGraphicFramePr>
+          <p:cNvPr id="20" name="Table 19">
+            <a:extLst>
+              <a:ext uri="{FF2B5EF4-FFF2-40B4-BE49-F238E27FC236}">
+                <a16:creationId xmlns:a16="http://schemas.microsoft.com/office/drawing/2014/main" id="{EF48FFC8-475C-D347-8F3E-77A67D2BC0C9}"/>
+              </a:ext>
+            </a:extLst>
+          </p:cNvPr>
+          <p:cNvGraphicFramePr>
+            <a:graphicFrameLocks noGrp="1"/>
+          </p:cNvGraphicFramePr>
+          <p:nvPr>
+            <p:extLst>
+              <p:ext uri="{D42A27DB-BD31-4B8C-83A1-F6EECF244321}">
+                <p14:modId xmlns:p14="http://schemas.microsoft.com/office/powerpoint/2010/main" val="3018187854"/>
+              </p:ext>
+            </p:extLst>
+          </p:nvPr>
+        </p:nvGraphicFramePr>
+        <p:xfrm>
+          <a:off x="1600200" y="4051993"/>
+          <a:ext cx="7162800" cy="822960"/>
+        </p:xfrm>
+        <a:graphic>
+          <a:graphicData uri="http://schemas.openxmlformats.org/drawingml/2006/table">
+            <a:tbl>
+              <a:tblPr firstRow="1" bandRow="1">
+                <a:tableStyleId>{2D5ABB26-0587-4C30-8999-92F81FD0307C}</a:tableStyleId>
+              </a:tblPr>
+              <a:tblGrid>
+                <a:gridCol w="7162800">
+                  <a:extLst>
+                    <a:ext uri="{9D8B030D-6E8A-4147-A177-3AD203B41FA5}">
+                      <a16:colId xmlns:a16="http://schemas.microsoft.com/office/drawing/2014/main" val="1107341750"/>
+                    </a:ext>
+                  </a:extLst>
+                </a:gridCol>
+              </a:tblGrid>
+              <a:tr h="370840">
+                <a:tc>
+                  <a:txBody>
+                    <a:bodyPr/>
+                    <a:lstStyle/>
+                    <a:p>
+                      <a:r>
+                        <a:rPr lang="en-US" sz="2400" dirty="0"/>
+                        <a:t>Only one Christian document from the first century isn’t in the New Testament is 1</a:t>
+                      </a:r>
+                      <a:r>
+                        <a:rPr lang="en-US" sz="2400" baseline="30000" dirty="0"/>
+                        <a:t>st</a:t>
+                      </a:r>
+                      <a:r>
+                        <a:rPr lang="en-US" sz="2400" dirty="0"/>
+                        <a:t> Clement (96 A.D.)</a:t>
+                      </a:r>
+                      <a:endParaRPr lang="en-US" sz="2400" b="0" dirty="0"/>
+                    </a:p>
+                  </a:txBody>
+                  <a:tcPr marL="182880">
+                    <a:lnL w="57150" cap="flat" cmpd="sng" algn="ctr">
+                      <a:solidFill>
+                        <a:schemeClr val="bg1">
+                          <a:lumMod val="75000"/>
+                          <a:lumOff val="25000"/>
+                        </a:schemeClr>
+                      </a:solidFill>
+                      <a:prstDash val="solid"/>
+                      <a:round/>
+                      <a:headEnd type="none" w="med" len="med"/>
+                      <a:tailEnd type="none" w="med" len="med"/>
+                    </a:lnL>
+                    <a:lnR>
+                      <a:noFill/>
+                    </a:lnR>
+                    <a:lnT>
+                      <a:noFill/>
+                    </a:lnT>
+                    <a:lnB>
+                      <a:noFill/>
+                    </a:lnB>
+                    <a:lnTlToBr w="12700" cmpd="sng">
+                      <a:noFill/>
+                      <a:prstDash val="solid"/>
+                    </a:lnTlToBr>
+                    <a:lnBlToTr w="12700" cmpd="sng">
+                      <a:noFill/>
+                      <a:prstDash val="solid"/>
+                    </a:lnBlToTr>
+                  </a:tcPr>
+                </a:tc>
+                <a:extLst>
+                  <a:ext uri="{0D108BD9-81ED-4DB2-BD59-A6C34878D82A}">
+                    <a16:rowId xmlns:a16="http://schemas.microsoft.com/office/drawing/2014/main" val="1984863204"/>
+                  </a:ext>
+                </a:extLst>
+              </a:tr>
+            </a:tbl>
+          </a:graphicData>
+        </a:graphic>
+      </p:graphicFrame>
+    </p:spTree>
+    <p:extLst>
+      <p:ext uri="{BB962C8B-B14F-4D97-AF65-F5344CB8AC3E}">
+        <p14:creationId xmlns:p14="http://schemas.microsoft.com/office/powerpoint/2010/main" val="2020240582"/>
+      </p:ext>
+    </p:extLst>
+  </p:cSld>
+  <p:clrMapOvr>
+    <a:masterClrMapping/>
+  </p:clrMapOvr>
+  <p:timing>
+    <p:tnLst>
+      <p:par>
+        <p:cTn id="1" dur="indefinite" restart="never" nodeType="tmRoot">
+          <p:childTnLst>
+            <p:seq concurrent="1" nextAc="seek">
+              <p:cTn id="2" dur="indefinite" nodeType="mainSeq">
+                <p:childTnLst>
+                  <p:par>
+                    <p:cTn id="3" fill="hold">
+                      <p:stCondLst>
+                        <p:cond delay="indefinite"/>
+                      </p:stCondLst>
+                      <p:childTnLst>
+                        <p:par>
+                          <p:cTn id="4" fill="hold">
+                            <p:stCondLst>
+                              <p:cond delay="0"/>
+                            </p:stCondLst>
+                            <p:childTnLst>
+                              <p:par>
+                                <p:cTn id="5" presetID="10" presetClass="entr" presetSubtype="0" fill="hold" nodeType="clickEffect">
+                                  <p:stCondLst>
+                                    <p:cond delay="0"/>
+                                  </p:stCondLst>
+                                  <p:childTnLst>
+                                    <p:set>
+                                      <p:cBhvr>
+                                        <p:cTn id="6" dur="1" fill="hold">
+                                          <p:stCondLst>
+                                            <p:cond delay="0"/>
+                                          </p:stCondLst>
+                                        </p:cTn>
+                                        <p:tgtEl>
+                                          <p:spTgt spid="11"/>
+                                        </p:tgtEl>
+                                        <p:attrNameLst>
+                                          <p:attrName>style.visibility</p:attrName>
+                                        </p:attrNameLst>
+                                      </p:cBhvr>
+                                      <p:to>
+                                        <p:strVal val="visible"/>
+                                      </p:to>
+                                    </p:set>
+                                    <p:animEffect transition="in" filter="fade">
+                                      <p:cBhvr>
+                                        <p:cTn id="7" dur="250"/>
+                                        <p:tgtEl>
+                                          <p:spTgt spid="11"/>
+                                        </p:tgtEl>
+                                      </p:cBhvr>
+                                    </p:animEffect>
+                                  </p:childTnLst>
+                                </p:cTn>
+                              </p:par>
+                            </p:childTnLst>
+                          </p:cTn>
+                        </p:par>
+                      </p:childTnLst>
+                    </p:cTn>
+                  </p:par>
+                  <p:par>
+                    <p:cTn id="8" fill="hold">
+                      <p:stCondLst>
+                        <p:cond delay="indefinite"/>
+                      </p:stCondLst>
+                      <p:childTnLst>
+                        <p:par>
+                          <p:cTn id="9" fill="hold">
+                            <p:stCondLst>
+                              <p:cond delay="0"/>
+                            </p:stCondLst>
+                            <p:childTnLst>
+                              <p:par>
+                                <p:cTn id="10" presetID="10" presetClass="entr" presetSubtype="0" fill="hold" nodeType="clickEffect">
+                                  <p:stCondLst>
+                                    <p:cond delay="0"/>
+                                  </p:stCondLst>
+                                  <p:childTnLst>
+                                    <p:set>
+                                      <p:cBhvr>
+                                        <p:cTn id="11" dur="1" fill="hold">
+                                          <p:stCondLst>
+                                            <p:cond delay="0"/>
+                                          </p:stCondLst>
+                                        </p:cTn>
+                                        <p:tgtEl>
+                                          <p:spTgt spid="20"/>
+                                        </p:tgtEl>
+                                        <p:attrNameLst>
+                                          <p:attrName>style.visibility</p:attrName>
+                                        </p:attrNameLst>
+                                      </p:cBhvr>
+                                      <p:to>
+                                        <p:strVal val="visible"/>
+                                      </p:to>
+                                    </p:set>
+                                    <p:animEffect transition="in" filter="fade">
+                                      <p:cBhvr>
+                                        <p:cTn id="12" dur="250"/>
+                                        <p:tgtEl>
+                                          <p:spTgt spid="20"/>
+                                        </p:tgtEl>
+                                      </p:cBhvr>
+                                    </p:animEffect>
+                                  </p:childTnLst>
+                                </p:cTn>
+                              </p:par>
+                            </p:childTnLst>
+                          </p:cTn>
+                        </p:par>
+                      </p:childTnLst>
+                    </p:cTn>
+                  </p:par>
+                </p:childTnLst>
+              </p:cTn>
+              <p:prevCondLst>
+                <p:cond evt="onPrev" delay="0">
+                  <p:tgtEl>
+                    <p:sldTgt/>
+                  </p:tgtEl>
+                </p:cond>
+              </p:prevCondLst>
+              <p:nextCondLst>
+                <p:cond evt="onNext" delay="0">
+                  <p:tgtEl>
+                    <p:sldTgt/>
+                  </p:tgtEl>
+                </p:cond>
+              </p:nextCondLst>
+            </p:seq>
+          </p:childTnLst>
+        </p:cTn>
+      </p:par>
+    </p:tnLst>
+  </p:timing>
+</p:sld>
+</file>
+
+<file path=ppt/slides/slide11.xml><?xml version="1.0" encoding="utf-8"?>
+<p:sld xmlns:a="http://schemas.openxmlformats.org/drawingml/2006/main" xmlns:r="http://schemas.openxmlformats.org/officeDocument/2006/relationships" xmlns:p="http://schemas.openxmlformats.org/presentationml/2006/main">
+  <p:cSld>
+    <p:spTree>
+      <p:nvGrpSpPr>
+        <p:cNvPr id="1" name=""/>
+        <p:cNvGrpSpPr/>
+        <p:nvPr/>
+      </p:nvGrpSpPr>
+      <p:grpSpPr>
+        <a:xfrm>
+          <a:off x="0" y="0"/>
+          <a:ext cx="0" cy="0"/>
+          <a:chOff x="0" y="0"/>
+          <a:chExt cx="0" cy="0"/>
+        </a:xfrm>
+      </p:grpSpPr>
+      <p:grpSp>
+        <p:nvGrpSpPr>
+          <p:cNvPr id="19" name="Group 18">
+            <a:extLst>
+              <a:ext uri="{FF2B5EF4-FFF2-40B4-BE49-F238E27FC236}">
+                <a16:creationId xmlns:a16="http://schemas.microsoft.com/office/drawing/2014/main" id="{04E26363-E7DC-C841-82F3-22E0683E4EAD}"/>
+              </a:ext>
+            </a:extLst>
+          </p:cNvPr>
+          <p:cNvGrpSpPr/>
+          <p:nvPr/>
+        </p:nvGrpSpPr>
+        <p:grpSpPr>
+          <a:xfrm>
+            <a:off x="8184345" y="3352800"/>
+            <a:ext cx="1236084" cy="737175"/>
+            <a:chOff x="8184345" y="3352800"/>
+            <a:chExt cx="1236084" cy="737175"/>
+          </a:xfrm>
+        </p:grpSpPr>
+        <p:cxnSp>
+          <p:nvCxnSpPr>
+            <p:cNvPr id="43" name="Elbow Connector 42">
+              <a:extLst>
+                <a:ext uri="{FF2B5EF4-FFF2-40B4-BE49-F238E27FC236}">
+                  <a16:creationId xmlns:a16="http://schemas.microsoft.com/office/drawing/2014/main" id="{02926E9E-B605-354E-AFC6-2B2A5B337C44}"/>
+                </a:ext>
+              </a:extLst>
+            </p:cNvPr>
+            <p:cNvCxnSpPr>
+              <a:cxnSpLocks/>
+              <a:stCxn id="42" idx="1"/>
+            </p:cNvCxnSpPr>
+            <p:nvPr/>
+          </p:nvCxnSpPr>
+          <p:spPr>
+            <a:xfrm rot="10800000">
+              <a:off x="8184345" y="3352800"/>
+              <a:ext cx="150258" cy="444788"/>
+            </a:xfrm>
+            <a:prstGeom prst="bentConnector2">
+              <a:avLst/>
+            </a:prstGeom>
+            <a:ln>
+              <a:solidFill>
+                <a:srgbClr val="C00002"/>
+              </a:solidFill>
+            </a:ln>
+          </p:spPr>
+          <p:style>
+            <a:lnRef idx="1">
+              <a:schemeClr val="accent1"/>
+            </a:lnRef>
+            <a:fillRef idx="0">
+              <a:schemeClr val="accent1"/>
+            </a:fillRef>
+            <a:effectRef idx="0">
+              <a:schemeClr val="accent1"/>
+            </a:effectRef>
+            <a:fontRef idx="minor">
+              <a:schemeClr val="tx1"/>
+            </a:fontRef>
+          </p:style>
+        </p:cxnSp>
+        <p:sp>
+          <p:nvSpPr>
+            <p:cNvPr id="42" name="TextBox 41">
+              <a:extLst>
+                <a:ext uri="{FF2B5EF4-FFF2-40B4-BE49-F238E27FC236}">
+                  <a16:creationId xmlns:a16="http://schemas.microsoft.com/office/drawing/2014/main" id="{D52310CD-A57A-134B-B22B-2538138D3AE8}"/>
+                </a:ext>
+              </a:extLst>
+            </p:cNvPr>
+            <p:cNvSpPr txBox="1"/>
+            <p:nvPr/>
+          </p:nvSpPr>
+          <p:spPr>
+            <a:xfrm>
+              <a:off x="8334603" y="3505200"/>
+              <a:ext cx="1085826" cy="584775"/>
+            </a:xfrm>
+            <a:prstGeom prst="rect">
+              <a:avLst/>
+            </a:prstGeom>
+            <a:noFill/>
+          </p:spPr>
+          <p:txBody>
+            <a:bodyPr wrap="square" rtlCol="0">
+              <a:spAutoFit/>
+            </a:bodyPr>
+            <a:lstStyle/>
+            <a:p>
+              <a:r>
+                <a:rPr lang="en-US" sz="1600" dirty="0">
+                  <a:solidFill>
+                    <a:srgbClr val="D7D7D7"/>
+                  </a:solidFill>
+                </a:rPr>
+                <a:t>1</a:t>
+              </a:r>
+              <a:r>
+                <a:rPr lang="en-US" sz="1600" baseline="30000" dirty="0">
+                  <a:solidFill>
+                    <a:srgbClr val="D7D7D7"/>
+                  </a:solidFill>
+                </a:rPr>
+                <a:t>st</a:t>
+              </a:r>
+              <a:r>
+                <a:rPr lang="en-US" sz="1600" dirty="0">
+                  <a:solidFill>
+                    <a:srgbClr val="D7D7D7"/>
+                  </a:solidFill>
+                </a:rPr>
+                <a:t> Clement</a:t>
+              </a:r>
+            </a:p>
+          </p:txBody>
+        </p:sp>
+      </p:grpSp>
+      <p:grpSp>
+        <p:nvGrpSpPr>
+          <p:cNvPr id="27" name="Group 26">
+            <a:extLst>
+              <a:ext uri="{FF2B5EF4-FFF2-40B4-BE49-F238E27FC236}">
+                <a16:creationId xmlns:a16="http://schemas.microsoft.com/office/drawing/2014/main" id="{2C622D7D-3B93-F84B-A0F8-6EF8C8500D0F}"/>
+              </a:ext>
+            </a:extLst>
+          </p:cNvPr>
+          <p:cNvGrpSpPr/>
+          <p:nvPr/>
+        </p:nvGrpSpPr>
+        <p:grpSpPr>
+          <a:xfrm>
+            <a:off x="4401704" y="3351240"/>
+            <a:ext cx="3673354" cy="2501498"/>
+            <a:chOff x="4401704" y="3351240"/>
+            <a:chExt cx="3673354" cy="2501498"/>
+          </a:xfrm>
+        </p:grpSpPr>
+        <p:sp>
+          <p:nvSpPr>
+            <p:cNvPr id="49" name="Rectangle 48">
+              <a:extLst>
+                <a:ext uri="{FF2B5EF4-FFF2-40B4-BE49-F238E27FC236}">
+                  <a16:creationId xmlns:a16="http://schemas.microsoft.com/office/drawing/2014/main" id="{DE5DA8E8-807A-C04E-9D3F-392BB3FFDBB4}"/>
+                </a:ext>
+              </a:extLst>
+            </p:cNvPr>
+            <p:cNvSpPr/>
+            <p:nvPr/>
+          </p:nvSpPr>
+          <p:spPr>
+            <a:xfrm>
+              <a:off x="4401706" y="5523908"/>
+              <a:ext cx="3673352" cy="328830"/>
+            </a:xfrm>
+            <a:prstGeom prst="rect">
+              <a:avLst/>
+            </a:prstGeom>
+            <a:solidFill>
+              <a:srgbClr val="CB5B0E"/>
+            </a:solidFill>
+            <a:ln>
+              <a:noFill/>
+            </a:ln>
+            <a:effectLst/>
+          </p:spPr>
+          <p:style>
+            <a:lnRef idx="1">
+              <a:schemeClr val="accent1"/>
+            </a:lnRef>
+            <a:fillRef idx="3">
+              <a:schemeClr val="accent1"/>
+            </a:fillRef>
+            <a:effectRef idx="2">
+              <a:schemeClr val="accent1"/>
+            </a:effectRef>
+            <a:fontRef idx="minor">
+              <a:schemeClr val="lt1"/>
+            </a:fontRef>
+          </p:style>
+          <p:txBody>
+            <a:bodyPr rtlCol="0" anchor="ctr"/>
+            <a:lstStyle/>
+            <a:p>
+              <a:pPr algn="ctr"/>
+              <a:endParaRPr lang="en-US"/>
+            </a:p>
+          </p:txBody>
+        </p:sp>
+        <p:grpSp>
+          <p:nvGrpSpPr>
+            <p:cNvPr id="50" name="Group 49">
+              <a:extLst>
+                <a:ext uri="{FF2B5EF4-FFF2-40B4-BE49-F238E27FC236}">
+                  <a16:creationId xmlns:a16="http://schemas.microsoft.com/office/drawing/2014/main" id="{447BE02C-41BD-CF4C-B68E-2EFB9897ADA0}"/>
+                </a:ext>
+              </a:extLst>
+            </p:cNvPr>
+            <p:cNvGrpSpPr/>
+            <p:nvPr/>
+          </p:nvGrpSpPr>
+          <p:grpSpPr>
+            <a:xfrm>
+              <a:off x="4401704" y="3351240"/>
+              <a:ext cx="3666851" cy="2501496"/>
+              <a:chOff x="2905051" y="3351941"/>
+              <a:chExt cx="1898915" cy="1932023"/>
+            </a:xfrm>
+          </p:grpSpPr>
+          <p:sp>
+            <p:nvSpPr>
+              <p:cNvPr id="52" name="Rectangle 51">
+                <a:extLst>
+                  <a:ext uri="{FF2B5EF4-FFF2-40B4-BE49-F238E27FC236}">
+                    <a16:creationId xmlns:a16="http://schemas.microsoft.com/office/drawing/2014/main" id="{421C0AE6-8A7C-E049-B276-14E0C690B4E9}"/>
+                  </a:ext>
+                </a:extLst>
+              </p:cNvPr>
+              <p:cNvSpPr/>
+              <p:nvPr/>
+            </p:nvSpPr>
+            <p:spPr>
+              <a:xfrm>
+                <a:off x="2908419" y="3351941"/>
+                <a:ext cx="1895547" cy="1914911"/>
+              </a:xfrm>
+              <a:prstGeom prst="rect">
+                <a:avLst/>
+              </a:prstGeom>
+              <a:noFill/>
+              <a:ln w="12700">
+                <a:solidFill>
+                  <a:srgbClr val="CB5B0E"/>
+                </a:solidFill>
+              </a:ln>
+            </p:spPr>
+            <p:style>
+              <a:lnRef idx="2">
+                <a:schemeClr val="accent1">
+                  <a:shade val="50000"/>
+                </a:schemeClr>
+              </a:lnRef>
+              <a:fillRef idx="1">
+                <a:schemeClr val="accent1"/>
+              </a:fillRef>
+              <a:effectRef idx="0">
+                <a:schemeClr val="accent1"/>
+              </a:effectRef>
+              <a:fontRef idx="minor">
+                <a:schemeClr val="lt1"/>
+              </a:fontRef>
+            </p:style>
+            <p:txBody>
+              <a:bodyPr rtlCol="0" anchor="ctr"/>
+              <a:lstStyle/>
+              <a:p>
+                <a:pPr algn="ctr"/>
+                <a:endParaRPr lang="en-US"/>
+              </a:p>
+            </p:txBody>
+          </p:sp>
+          <p:sp>
+            <p:nvSpPr>
+              <p:cNvPr id="54" name="TextBox 53">
+                <a:extLst>
+                  <a:ext uri="{FF2B5EF4-FFF2-40B4-BE49-F238E27FC236}">
+                    <a16:creationId xmlns:a16="http://schemas.microsoft.com/office/drawing/2014/main" id="{AA1E3D78-E645-BD4F-B9DC-A8B7C9AF72FE}"/>
+                  </a:ext>
+                </a:extLst>
+              </p:cNvPr>
+              <p:cNvSpPr txBox="1"/>
+              <p:nvPr/>
+            </p:nvSpPr>
+            <p:spPr>
+              <a:xfrm>
+                <a:off x="2905051" y="5046253"/>
+                <a:ext cx="1895547" cy="237711"/>
+              </a:xfrm>
+              <a:prstGeom prst="rect">
+                <a:avLst/>
+              </a:prstGeom>
+              <a:noFill/>
+            </p:spPr>
+            <p:txBody>
+              <a:bodyPr wrap="square" rtlCol="0">
+                <a:spAutoFit/>
+              </a:bodyPr>
+              <a:lstStyle/>
+              <a:p>
+                <a:pPr algn="ctr"/>
+                <a:r>
+                  <a:rPr lang="en-US" sz="1400" b="1" dirty="0">
+                    <a:solidFill>
+                      <a:schemeClr val="bg1"/>
+                    </a:solidFill>
+                  </a:rPr>
+                  <a:t>Earliest Christian Documents (New Testament)</a:t>
+                </a:r>
+                <a:endParaRPr lang="en-US" sz="1200" b="1" dirty="0">
+                  <a:solidFill>
+                    <a:schemeClr val="bg1"/>
+                  </a:solidFill>
+                </a:endParaRPr>
+              </a:p>
+            </p:txBody>
+          </p:sp>
+        </p:grpSp>
+      </p:grpSp>
+      <p:grpSp>
+        <p:nvGrpSpPr>
+          <p:cNvPr id="26" name="Group 25">
+            <a:extLst>
+              <a:ext uri="{FF2B5EF4-FFF2-40B4-BE49-F238E27FC236}">
+                <a16:creationId xmlns:a16="http://schemas.microsoft.com/office/drawing/2014/main" id="{1FA8C76B-CD9D-2841-8811-9E41A81D561F}"/>
+              </a:ext>
+            </a:extLst>
+          </p:cNvPr>
+          <p:cNvGrpSpPr/>
+          <p:nvPr/>
+        </p:nvGrpSpPr>
+        <p:grpSpPr>
+          <a:xfrm>
+            <a:off x="2902798" y="1419196"/>
+            <a:ext cx="1904303" cy="1933604"/>
+            <a:chOff x="2902798" y="3343248"/>
+            <a:chExt cx="1904303" cy="1933604"/>
+          </a:xfrm>
+        </p:grpSpPr>
+        <p:sp>
+          <p:nvSpPr>
+            <p:cNvPr id="40" name="Rectangle 39">
+              <a:extLst>
+                <a:ext uri="{FF2B5EF4-FFF2-40B4-BE49-F238E27FC236}">
+                  <a16:creationId xmlns:a16="http://schemas.microsoft.com/office/drawing/2014/main" id="{2ABAC20C-8568-6C44-B3CA-D5906376B57A}"/>
+                </a:ext>
+              </a:extLst>
+            </p:cNvPr>
+            <p:cNvSpPr/>
+            <p:nvPr/>
+          </p:nvSpPr>
+          <p:spPr>
+            <a:xfrm>
+              <a:off x="2902798" y="3352350"/>
+              <a:ext cx="1895547" cy="298675"/>
+            </a:xfrm>
+            <a:prstGeom prst="rect">
+              <a:avLst/>
+            </a:prstGeom>
+            <a:solidFill>
+              <a:srgbClr val="CB5B0E"/>
+            </a:solidFill>
+            <a:ln>
+              <a:noFill/>
+            </a:ln>
+            <a:effectLst/>
+          </p:spPr>
+          <p:style>
+            <a:lnRef idx="1">
+              <a:schemeClr val="accent1"/>
+            </a:lnRef>
+            <a:fillRef idx="3">
+              <a:schemeClr val="accent1"/>
+            </a:fillRef>
+            <a:effectRef idx="2">
+              <a:schemeClr val="accent1"/>
+            </a:effectRef>
+            <a:fontRef idx="minor">
+              <a:schemeClr val="lt1"/>
+            </a:fontRef>
+          </p:style>
+          <p:txBody>
+            <a:bodyPr rtlCol="0" anchor="ctr"/>
+            <a:lstStyle/>
+            <a:p>
+              <a:pPr algn="ctr"/>
+              <a:endParaRPr lang="en-US"/>
+            </a:p>
+          </p:txBody>
+        </p:sp>
+        <p:grpSp>
+          <p:nvGrpSpPr>
+            <p:cNvPr id="25" name="Group 24">
+              <a:extLst>
+                <a:ext uri="{FF2B5EF4-FFF2-40B4-BE49-F238E27FC236}">
+                  <a16:creationId xmlns:a16="http://schemas.microsoft.com/office/drawing/2014/main" id="{D22BF0FC-AD57-2940-A6A4-9C0584B0708F}"/>
+                </a:ext>
+              </a:extLst>
+            </p:cNvPr>
+            <p:cNvGrpSpPr/>
+            <p:nvPr/>
+          </p:nvGrpSpPr>
+          <p:grpSpPr>
+            <a:xfrm>
+              <a:off x="2905052" y="3343248"/>
+              <a:ext cx="1902049" cy="1933604"/>
+              <a:chOff x="2905052" y="3343248"/>
+              <a:chExt cx="1902049" cy="1933604"/>
+            </a:xfrm>
+          </p:grpSpPr>
+          <p:sp>
+            <p:nvSpPr>
+              <p:cNvPr id="20" name="Rectangle 19">
+                <a:extLst>
+                  <a:ext uri="{FF2B5EF4-FFF2-40B4-BE49-F238E27FC236}">
+                    <a16:creationId xmlns:a16="http://schemas.microsoft.com/office/drawing/2014/main" id="{CA50193E-BCCA-7B44-A238-4E76B711A278}"/>
+                  </a:ext>
+                </a:extLst>
+              </p:cNvPr>
+              <p:cNvSpPr/>
+              <p:nvPr/>
+            </p:nvSpPr>
+            <p:spPr>
+              <a:xfrm>
+                <a:off x="2905052" y="3354323"/>
+                <a:ext cx="1895547" cy="1922529"/>
+              </a:xfrm>
+              <a:prstGeom prst="rect">
+                <a:avLst/>
+              </a:prstGeom>
+              <a:noFill/>
+              <a:ln w="12700">
+                <a:solidFill>
+                  <a:srgbClr val="CB5B0E"/>
+                </a:solidFill>
+              </a:ln>
+            </p:spPr>
+            <p:style>
+              <a:lnRef idx="2">
+                <a:schemeClr val="accent1">
+                  <a:shade val="50000"/>
+                </a:schemeClr>
+              </a:lnRef>
+              <a:fillRef idx="1">
+                <a:schemeClr val="accent1"/>
+              </a:fillRef>
+              <a:effectRef idx="0">
+                <a:schemeClr val="accent1"/>
+              </a:effectRef>
+              <a:fontRef idx="minor">
+                <a:schemeClr val="lt1"/>
+              </a:fontRef>
+            </p:style>
+            <p:txBody>
+              <a:bodyPr rtlCol="0" anchor="ctr"/>
+              <a:lstStyle/>
+              <a:p>
+                <a:pPr algn="ctr"/>
+                <a:endParaRPr lang="en-US"/>
+              </a:p>
+            </p:txBody>
+          </p:sp>
+          <p:sp>
+            <p:nvSpPr>
+              <p:cNvPr id="53" name="TextBox 52">
+                <a:extLst>
+                  <a:ext uri="{FF2B5EF4-FFF2-40B4-BE49-F238E27FC236}">
+                    <a16:creationId xmlns:a16="http://schemas.microsoft.com/office/drawing/2014/main" id="{E780E784-070E-2840-96AD-0C64545D54CC}"/>
+                  </a:ext>
+                </a:extLst>
+              </p:cNvPr>
+              <p:cNvSpPr txBox="1"/>
+              <p:nvPr/>
+            </p:nvSpPr>
+            <p:spPr>
+              <a:xfrm>
+                <a:off x="2905052" y="3343248"/>
+                <a:ext cx="1902049" cy="307777"/>
+              </a:xfrm>
+              <a:prstGeom prst="rect">
+                <a:avLst/>
+              </a:prstGeom>
+              <a:noFill/>
+            </p:spPr>
+            <p:txBody>
+              <a:bodyPr wrap="square" rtlCol="0">
+                <a:spAutoFit/>
+              </a:bodyPr>
+              <a:lstStyle/>
+              <a:p>
+                <a:pPr algn="ctr"/>
+                <a:r>
+                  <a:rPr lang="en-US" sz="1400" b="1" dirty="0">
+                    <a:solidFill>
+                      <a:schemeClr val="bg1"/>
+                    </a:solidFill>
+                  </a:rPr>
+                  <a:t>Gospels as oral history</a:t>
+                </a:r>
+                <a:endParaRPr lang="en-US" sz="1200" b="1" dirty="0">
+                  <a:solidFill>
+                    <a:schemeClr val="bg1"/>
+                  </a:solidFill>
+                </a:endParaRPr>
+              </a:p>
+            </p:txBody>
+          </p:sp>
+        </p:grpSp>
+      </p:grpSp>
+      <p:grpSp>
+        <p:nvGrpSpPr>
+          <p:cNvPr id="7" name="Group 6"/>
+          <p:cNvGrpSpPr/>
+          <p:nvPr/>
+        </p:nvGrpSpPr>
+        <p:grpSpPr>
+          <a:xfrm>
+            <a:off x="0" y="4039543"/>
+            <a:ext cx="8846611" cy="378893"/>
+            <a:chOff x="0" y="4551909"/>
+            <a:chExt cx="8846611" cy="378893"/>
+          </a:xfrm>
+        </p:grpSpPr>
+        <p:sp>
+          <p:nvSpPr>
+            <p:cNvPr id="8" name="TextBox 7"/>
+            <p:cNvSpPr txBox="1"/>
+            <p:nvPr/>
+          </p:nvSpPr>
+          <p:spPr>
+            <a:xfrm>
+              <a:off x="0" y="4551909"/>
+              <a:ext cx="537565" cy="369332"/>
+            </a:xfrm>
+            <a:prstGeom prst="rect">
+              <a:avLst/>
+            </a:prstGeom>
+            <a:noFill/>
+          </p:spPr>
+          <p:txBody>
+            <a:bodyPr wrap="none" rtlCol="0">
+              <a:spAutoFit/>
+            </a:bodyPr>
+            <a:lstStyle/>
+            <a:p>
+              <a:r>
+                <a:rPr lang="en-US" dirty="0"/>
+                <a:t>0 </a:t>
+              </a:r>
+              <a:r>
+                <a:rPr lang="en-US" sz="1200" dirty="0"/>
+                <a:t>AD</a:t>
+              </a:r>
+            </a:p>
+          </p:txBody>
+        </p:sp>
+        <p:sp>
+          <p:nvSpPr>
+            <p:cNvPr id="9" name="TextBox 8"/>
+            <p:cNvSpPr txBox="1"/>
+            <p:nvPr/>
+          </p:nvSpPr>
+          <p:spPr>
+            <a:xfrm>
+              <a:off x="8075058" y="4551909"/>
+              <a:ext cx="771553" cy="369332"/>
+            </a:xfrm>
+            <a:prstGeom prst="rect">
+              <a:avLst/>
+            </a:prstGeom>
+            <a:noFill/>
+          </p:spPr>
+          <p:txBody>
+            <a:bodyPr wrap="none" rtlCol="0">
+              <a:spAutoFit/>
+            </a:bodyPr>
+            <a:lstStyle/>
+            <a:p>
+              <a:r>
+                <a:rPr lang="en-US" dirty="0"/>
+                <a:t>100 </a:t>
+              </a:r>
+              <a:r>
+                <a:rPr lang="en-US" sz="1200" dirty="0"/>
+                <a:t>AD</a:t>
+              </a:r>
+            </a:p>
+          </p:txBody>
+        </p:sp>
+        <p:sp>
+          <p:nvSpPr>
+            <p:cNvPr id="10" name="TextBox 9"/>
+            <p:cNvSpPr txBox="1"/>
+            <p:nvPr/>
+          </p:nvSpPr>
+          <p:spPr>
+            <a:xfrm>
+              <a:off x="4293817" y="4561470"/>
+              <a:ext cx="654559" cy="369332"/>
+            </a:xfrm>
+            <a:prstGeom prst="rect">
+              <a:avLst/>
+            </a:prstGeom>
+            <a:noFill/>
+          </p:spPr>
+          <p:txBody>
+            <a:bodyPr wrap="none" rtlCol="0">
+              <a:spAutoFit/>
+            </a:bodyPr>
+            <a:lstStyle/>
+            <a:p>
+              <a:r>
+                <a:rPr lang="en-US" dirty="0"/>
+                <a:t>50 </a:t>
+              </a:r>
+              <a:r>
+                <a:rPr lang="en-US" sz="1200" dirty="0"/>
+                <a:t>AD</a:t>
+              </a:r>
+            </a:p>
+          </p:txBody>
+        </p:sp>
+      </p:grpSp>
+      <p:grpSp>
+        <p:nvGrpSpPr>
+          <p:cNvPr id="6" name="Group 5">
+            <a:extLst>
+              <a:ext uri="{FF2B5EF4-FFF2-40B4-BE49-F238E27FC236}">
+                <a16:creationId xmlns:a16="http://schemas.microsoft.com/office/drawing/2014/main" id="{48207BBE-92D6-9940-B8DD-0349B89190C0}"/>
+              </a:ext>
+            </a:extLst>
+          </p:cNvPr>
+          <p:cNvGrpSpPr/>
+          <p:nvPr/>
+        </p:nvGrpSpPr>
+        <p:grpSpPr>
+          <a:xfrm>
+            <a:off x="4807101" y="3105022"/>
+            <a:ext cx="3124200" cy="276999"/>
+            <a:chOff x="4800600" y="3314719"/>
+            <a:chExt cx="3124200" cy="276999"/>
+          </a:xfrm>
+        </p:grpSpPr>
+        <p:sp>
+          <p:nvSpPr>
+            <p:cNvPr id="5" name="Rectangle 4"/>
+            <p:cNvSpPr/>
+            <p:nvPr/>
+          </p:nvSpPr>
+          <p:spPr>
+            <a:xfrm>
+              <a:off x="4800600" y="3366566"/>
+              <a:ext cx="3124200" cy="178508"/>
+            </a:xfrm>
+            <a:prstGeom prst="rect">
+              <a:avLst/>
+            </a:prstGeom>
+            <a:solidFill>
+              <a:srgbClr val="009EC0"/>
+            </a:solidFill>
+            <a:ln>
+              <a:solidFill>
+                <a:srgbClr val="009EC0"/>
+              </a:solidFill>
+            </a:ln>
+            <a:effectLst/>
+          </p:spPr>
+          <p:style>
+            <a:lnRef idx="1">
+              <a:schemeClr val="accent1"/>
+            </a:lnRef>
+            <a:fillRef idx="3">
+              <a:schemeClr val="accent1"/>
+            </a:fillRef>
+            <a:effectRef idx="2">
+              <a:schemeClr val="accent1"/>
+            </a:effectRef>
+            <a:fontRef idx="minor">
+              <a:schemeClr val="lt1"/>
+            </a:fontRef>
+          </p:style>
+          <p:txBody>
+            <a:bodyPr rtlCol="0" anchor="ctr"/>
+            <a:lstStyle/>
+            <a:p>
+              <a:pPr algn="ctr"/>
+              <a:endParaRPr lang="en-US"/>
+            </a:p>
+          </p:txBody>
+        </p:sp>
+        <p:sp>
+          <p:nvSpPr>
+            <p:cNvPr id="11" name="TextBox 10"/>
+            <p:cNvSpPr txBox="1"/>
+            <p:nvPr/>
+          </p:nvSpPr>
+          <p:spPr>
+            <a:xfrm>
+              <a:off x="4814069" y="3314719"/>
+              <a:ext cx="1705138" cy="276999"/>
+            </a:xfrm>
+            <a:prstGeom prst="rect">
+              <a:avLst/>
+            </a:prstGeom>
+            <a:noFill/>
+          </p:spPr>
+          <p:txBody>
+            <a:bodyPr wrap="square" rtlCol="0">
+              <a:spAutoFit/>
+            </a:bodyPr>
+            <a:lstStyle/>
+            <a:p>
+              <a:r>
+                <a:rPr lang="en-US" sz="1200" dirty="0">
+                  <a:solidFill>
+                    <a:schemeClr val="bg1"/>
+                  </a:solidFill>
+                </a:rPr>
+                <a:t>Gospels recorded</a:t>
+              </a:r>
+            </a:p>
+          </p:txBody>
+        </p:sp>
+      </p:grpSp>
+      <p:grpSp>
+        <p:nvGrpSpPr>
+          <p:cNvPr id="22" name="Group 21">
+            <a:extLst>
+              <a:ext uri="{FF2B5EF4-FFF2-40B4-BE49-F238E27FC236}">
+                <a16:creationId xmlns:a16="http://schemas.microsoft.com/office/drawing/2014/main" id="{9B084BC8-02DA-634A-8A55-3842CC90536D}"/>
+              </a:ext>
+            </a:extLst>
+          </p:cNvPr>
+          <p:cNvGrpSpPr/>
+          <p:nvPr/>
+        </p:nvGrpSpPr>
+        <p:grpSpPr>
+          <a:xfrm>
+            <a:off x="249504" y="3107897"/>
+            <a:ext cx="2655548" cy="276999"/>
+            <a:chOff x="238246" y="3307176"/>
+            <a:chExt cx="2655548" cy="276999"/>
+          </a:xfrm>
+        </p:grpSpPr>
+        <p:sp>
+          <p:nvSpPr>
+            <p:cNvPr id="21" name="Rectangle 20"/>
+            <p:cNvSpPr/>
+            <p:nvPr/>
+          </p:nvSpPr>
+          <p:spPr>
+            <a:xfrm>
+              <a:off x="238246" y="3366995"/>
+              <a:ext cx="2655548" cy="157362"/>
+            </a:xfrm>
+            <a:prstGeom prst="rect">
+              <a:avLst/>
+            </a:prstGeom>
+            <a:solidFill>
+              <a:srgbClr val="009EC0"/>
+            </a:solidFill>
+            <a:ln>
+              <a:solidFill>
+                <a:srgbClr val="009EC0"/>
+              </a:solidFill>
+            </a:ln>
+            <a:effectLst/>
+          </p:spPr>
+          <p:style>
+            <a:lnRef idx="1">
+              <a:schemeClr val="accent1"/>
+            </a:lnRef>
+            <a:fillRef idx="3">
+              <a:schemeClr val="accent1"/>
+            </a:fillRef>
+            <a:effectRef idx="2">
+              <a:schemeClr val="accent1"/>
+            </a:effectRef>
+            <a:fontRef idx="minor">
+              <a:schemeClr val="lt1"/>
+            </a:fontRef>
+          </p:style>
+          <p:txBody>
+            <a:bodyPr rtlCol="0" anchor="ctr"/>
+            <a:lstStyle/>
+            <a:p>
+              <a:pPr algn="ctr"/>
+              <a:endParaRPr lang="en-US"/>
+            </a:p>
+          </p:txBody>
+        </p:sp>
+        <p:sp>
+          <p:nvSpPr>
+            <p:cNvPr id="23" name="TextBox 22"/>
+            <p:cNvSpPr txBox="1"/>
+            <p:nvPr/>
+          </p:nvSpPr>
+          <p:spPr>
+            <a:xfrm>
+              <a:off x="249504" y="3307176"/>
+              <a:ext cx="2146300" cy="276999"/>
+            </a:xfrm>
+            <a:prstGeom prst="rect">
+              <a:avLst/>
+            </a:prstGeom>
+            <a:noFill/>
+          </p:spPr>
+          <p:txBody>
+            <a:bodyPr wrap="square" rtlCol="0">
+              <a:spAutoFit/>
+            </a:bodyPr>
+            <a:lstStyle/>
+            <a:p>
+              <a:r>
+                <a:rPr lang="en-US" sz="1200" dirty="0">
+                  <a:solidFill>
+                    <a:schemeClr val="bg1"/>
+                  </a:solidFill>
+                </a:rPr>
+                <a:t>Jesus’ Life</a:t>
+              </a:r>
+              <a:endParaRPr lang="en-US" sz="1100" dirty="0">
+                <a:solidFill>
+                  <a:schemeClr val="bg1"/>
+                </a:solidFill>
+              </a:endParaRPr>
+            </a:p>
+          </p:txBody>
+        </p:sp>
+      </p:grpSp>
+      <p:sp>
+        <p:nvSpPr>
+          <p:cNvPr id="46" name="TextBox 45"/>
+          <p:cNvSpPr txBox="1"/>
+          <p:nvPr/>
+        </p:nvSpPr>
+        <p:spPr>
+          <a:xfrm>
+            <a:off x="228600" y="152400"/>
+            <a:ext cx="8610600" cy="769441"/>
+          </a:xfrm>
+          <a:prstGeom prst="rect">
+            <a:avLst/>
+          </a:prstGeom>
+          <a:noFill/>
+        </p:spPr>
+        <p:txBody>
+          <a:bodyPr wrap="square" rtlCol="0">
+            <a:spAutoFit/>
+          </a:bodyPr>
+          <a:lstStyle/>
+          <a:p>
+            <a:r>
+              <a:rPr lang="en-US" sz="4400" b="1" dirty="0"/>
+              <a:t>New Testament Timeline</a:t>
+            </a:r>
+          </a:p>
+        </p:txBody>
+      </p:sp>
+      <p:sp>
+        <p:nvSpPr>
+          <p:cNvPr id="47" name="TextBox 46"/>
+          <p:cNvSpPr txBox="1"/>
+          <p:nvPr/>
+        </p:nvSpPr>
+        <p:spPr>
+          <a:xfrm>
+            <a:off x="228600" y="762000"/>
+            <a:ext cx="8610600" cy="461665"/>
+          </a:xfrm>
+          <a:prstGeom prst="rect">
+            <a:avLst/>
+          </a:prstGeom>
+          <a:noFill/>
+        </p:spPr>
+        <p:txBody>
+          <a:bodyPr wrap="square" rtlCol="0">
+            <a:spAutoFit/>
+          </a:bodyPr>
+          <a:lstStyle/>
+          <a:p>
+            <a:endParaRPr lang="en-US" sz="2400" b="1" dirty="0">
+              <a:solidFill>
+                <a:schemeClr val="bg1">
+                  <a:lumMod val="50000"/>
+                  <a:lumOff val="50000"/>
+                </a:schemeClr>
+              </a:solidFill>
+            </a:endParaRPr>
+          </a:p>
+        </p:txBody>
+      </p:sp>
+      <p:grpSp>
+        <p:nvGrpSpPr>
+          <p:cNvPr id="15" name="Group 14">
+            <a:extLst>
+              <a:ext uri="{FF2B5EF4-FFF2-40B4-BE49-F238E27FC236}">
+                <a16:creationId xmlns:a16="http://schemas.microsoft.com/office/drawing/2014/main" id="{00A4AABC-77CE-7549-98CE-E3420AFFE0D3}"/>
+              </a:ext>
+            </a:extLst>
+          </p:cNvPr>
+          <p:cNvGrpSpPr/>
+          <p:nvPr/>
+        </p:nvGrpSpPr>
+        <p:grpSpPr>
+          <a:xfrm>
+            <a:off x="4401704" y="3304401"/>
+            <a:ext cx="2146300" cy="276999"/>
+            <a:chOff x="4401704" y="3103485"/>
+            <a:chExt cx="2146300" cy="276999"/>
+          </a:xfrm>
+        </p:grpSpPr>
+        <p:sp>
+          <p:nvSpPr>
+            <p:cNvPr id="71" name="Rectangle 70">
+              <a:extLst>
+                <a:ext uri="{FF2B5EF4-FFF2-40B4-BE49-F238E27FC236}">
+                  <a16:creationId xmlns:a16="http://schemas.microsoft.com/office/drawing/2014/main" id="{D7511B0E-3692-7249-9392-75B0752C2B04}"/>
+                </a:ext>
+              </a:extLst>
+            </p:cNvPr>
+            <p:cNvSpPr/>
+            <p:nvPr/>
+          </p:nvSpPr>
+          <p:spPr>
+            <a:xfrm>
+              <a:off x="4401704" y="3155332"/>
+              <a:ext cx="2146300" cy="168396"/>
+            </a:xfrm>
+            <a:prstGeom prst="rect">
+              <a:avLst/>
+            </a:prstGeom>
+            <a:solidFill>
+              <a:srgbClr val="009EC0"/>
+            </a:solidFill>
+            <a:ln>
+              <a:solidFill>
+                <a:srgbClr val="009EC0"/>
+              </a:solidFill>
+            </a:ln>
+            <a:effectLst/>
+          </p:spPr>
+          <p:style>
+            <a:lnRef idx="1">
+              <a:schemeClr val="accent1"/>
+            </a:lnRef>
+            <a:fillRef idx="3">
+              <a:schemeClr val="accent1"/>
+            </a:fillRef>
+            <a:effectRef idx="2">
+              <a:schemeClr val="accent1"/>
+            </a:effectRef>
+            <a:fontRef idx="minor">
+              <a:schemeClr val="lt1"/>
+            </a:fontRef>
+          </p:style>
+          <p:txBody>
+            <a:bodyPr rtlCol="0" anchor="ctr"/>
+            <a:lstStyle/>
+            <a:p>
+              <a:pPr algn="ctr"/>
+              <a:endParaRPr lang="en-US"/>
+            </a:p>
+          </p:txBody>
+        </p:sp>
+        <p:sp>
+          <p:nvSpPr>
+            <p:cNvPr id="72" name="TextBox 71">
+              <a:extLst>
+                <a:ext uri="{FF2B5EF4-FFF2-40B4-BE49-F238E27FC236}">
+                  <a16:creationId xmlns:a16="http://schemas.microsoft.com/office/drawing/2014/main" id="{F91784E8-07DD-034A-A540-B75555D743A4}"/>
+                </a:ext>
+              </a:extLst>
+            </p:cNvPr>
+            <p:cNvSpPr txBox="1"/>
+            <p:nvPr/>
+          </p:nvSpPr>
+          <p:spPr>
+            <a:xfrm>
+              <a:off x="4415172" y="3103485"/>
+              <a:ext cx="1528428" cy="276999"/>
+            </a:xfrm>
+            <a:prstGeom prst="rect">
+              <a:avLst/>
+            </a:prstGeom>
+            <a:noFill/>
+          </p:spPr>
+          <p:txBody>
+            <a:bodyPr wrap="square" rtlCol="0">
+              <a:spAutoFit/>
+            </a:bodyPr>
+            <a:lstStyle/>
+            <a:p>
+              <a:r>
+                <a:rPr lang="en-US" sz="1200" dirty="0">
+                  <a:solidFill>
+                    <a:schemeClr val="bg1"/>
+                  </a:solidFill>
+                </a:rPr>
+                <a:t>Paul’s Epistles</a:t>
+              </a:r>
+            </a:p>
+          </p:txBody>
+        </p:sp>
+      </p:grpSp>
+      <p:grpSp>
+        <p:nvGrpSpPr>
+          <p:cNvPr id="17" name="Group 16">
+            <a:extLst>
+              <a:ext uri="{FF2B5EF4-FFF2-40B4-BE49-F238E27FC236}">
+                <a16:creationId xmlns:a16="http://schemas.microsoft.com/office/drawing/2014/main" id="{5D8CF05C-B4E3-F54E-8A69-7EF11E3643D4}"/>
+              </a:ext>
+            </a:extLst>
+          </p:cNvPr>
+          <p:cNvGrpSpPr/>
+          <p:nvPr/>
+        </p:nvGrpSpPr>
+        <p:grpSpPr>
+          <a:xfrm>
+            <a:off x="8075058" y="2386232"/>
+            <a:ext cx="1175990" cy="937495"/>
+            <a:chOff x="5292909" y="909674"/>
+            <a:chExt cx="1175990" cy="937495"/>
+          </a:xfrm>
+        </p:grpSpPr>
+        <p:sp>
+          <p:nvSpPr>
+            <p:cNvPr id="39" name="TextBox 38">
+              <a:extLst>
+                <a:ext uri="{FF2B5EF4-FFF2-40B4-BE49-F238E27FC236}">
+                  <a16:creationId xmlns:a16="http://schemas.microsoft.com/office/drawing/2014/main" id="{11579103-7FB3-C24E-B8C6-ADB3B33B2E8D}"/>
+                </a:ext>
+              </a:extLst>
+            </p:cNvPr>
+            <p:cNvSpPr txBox="1"/>
+            <p:nvPr/>
+          </p:nvSpPr>
+          <p:spPr>
+            <a:xfrm>
+              <a:off x="5383073" y="909674"/>
+              <a:ext cx="1085826" cy="338554"/>
+            </a:xfrm>
+            <a:prstGeom prst="rect">
+              <a:avLst/>
+            </a:prstGeom>
+            <a:noFill/>
+          </p:spPr>
+          <p:txBody>
+            <a:bodyPr wrap="square" rtlCol="0">
+              <a:spAutoFit/>
+            </a:bodyPr>
+            <a:lstStyle/>
+            <a:p>
+              <a:r>
+                <a:rPr lang="en-US" sz="1600" dirty="0">
+                  <a:solidFill>
+                    <a:srgbClr val="D7D7D7"/>
+                  </a:solidFill>
+                </a:rPr>
+                <a:t>Revelation</a:t>
+              </a:r>
+            </a:p>
+          </p:txBody>
+        </p:sp>
+        <p:cxnSp>
+          <p:nvCxnSpPr>
+            <p:cNvPr id="41" name="Elbow Connector 40">
+              <a:extLst>
+                <a:ext uri="{FF2B5EF4-FFF2-40B4-BE49-F238E27FC236}">
+                  <a16:creationId xmlns:a16="http://schemas.microsoft.com/office/drawing/2014/main" id="{22E0624A-6652-4D47-A03D-99562E3F9053}"/>
+                </a:ext>
+              </a:extLst>
+            </p:cNvPr>
+            <p:cNvCxnSpPr>
+              <a:cxnSpLocks/>
+              <a:stCxn id="39" idx="1"/>
+            </p:cNvCxnSpPr>
+            <p:nvPr/>
+          </p:nvCxnSpPr>
+          <p:spPr>
+            <a:xfrm rot="10800000" flipV="1">
+              <a:off x="5292909" y="1078950"/>
+              <a:ext cx="90164" cy="768219"/>
+            </a:xfrm>
+            <a:prstGeom prst="bentConnector2">
+              <a:avLst/>
+            </a:prstGeom>
+            <a:ln>
+              <a:solidFill>
+                <a:srgbClr val="009EC0"/>
+              </a:solidFill>
+            </a:ln>
+          </p:spPr>
+          <p:style>
+            <a:lnRef idx="1">
+              <a:schemeClr val="accent1"/>
+            </a:lnRef>
+            <a:fillRef idx="0">
+              <a:schemeClr val="accent1"/>
+            </a:fillRef>
+            <a:effectRef idx="0">
+              <a:schemeClr val="accent1"/>
+            </a:effectRef>
+            <a:fontRef idx="minor">
+              <a:schemeClr val="tx1"/>
+            </a:fontRef>
+          </p:style>
+        </p:cxnSp>
+      </p:grpSp>
+      <p:cxnSp>
+        <p:nvCxnSpPr>
+          <p:cNvPr id="24" name="Straight Connector 23"/>
+          <p:cNvCxnSpPr/>
+          <p:nvPr/>
+        </p:nvCxnSpPr>
+        <p:spPr>
+          <a:xfrm>
+            <a:off x="71581" y="3353744"/>
+            <a:ext cx="8714896" cy="0"/>
+          </a:xfrm>
+          <a:prstGeom prst="line">
+            <a:avLst/>
+          </a:prstGeom>
+          <a:ln>
+            <a:solidFill>
+              <a:srgbClr val="D7D7D7"/>
+            </a:solidFill>
+          </a:ln>
+          <a:effectLst/>
+        </p:spPr>
+        <p:style>
+          <a:lnRef idx="2">
+            <a:schemeClr val="accent1"/>
+          </a:lnRef>
+          <a:fillRef idx="0">
+            <a:schemeClr val="accent1"/>
+          </a:fillRef>
+          <a:effectRef idx="1">
+            <a:schemeClr val="accent1"/>
+          </a:effectRef>
+          <a:fontRef idx="minor">
+            <a:schemeClr val="tx1"/>
+          </a:fontRef>
+        </p:style>
+      </p:cxnSp>
+    </p:spTree>
+    <p:extLst>
+      <p:ext uri="{BB962C8B-B14F-4D97-AF65-F5344CB8AC3E}">
+        <p14:creationId xmlns:p14="http://schemas.microsoft.com/office/powerpoint/2010/main" val="2328471992"/>
+      </p:ext>
+    </p:extLst>
+  </p:cSld>
+  <p:clrMapOvr>
+    <a:masterClrMapping/>
+  </p:clrMapOvr>
+  <p:timing>
+    <p:tnLst>
+      <p:par>
+        <p:cTn id="1" dur="indefinite" restart="never" nodeType="tmRoot">
+          <p:childTnLst>
+            <p:seq concurrent="1" nextAc="seek">
+              <p:cTn id="2" dur="indefinite" nodeType="mainSeq">
+                <p:childTnLst>
+                  <p:par>
+                    <p:cTn id="3" fill="hold">
+                      <p:stCondLst>
+                        <p:cond delay="indefinite"/>
+                      </p:stCondLst>
+                      <p:childTnLst>
+                        <p:par>
+                          <p:cTn id="4" fill="hold">
+                            <p:stCondLst>
+                              <p:cond delay="0"/>
+                            </p:stCondLst>
+                            <p:childTnLst>
+                              <p:par>
+                                <p:cTn id="5" presetID="10" presetClass="entr" presetSubtype="0" fill="hold" nodeType="clickEffect">
+                                  <p:stCondLst>
+                                    <p:cond delay="0"/>
+                                  </p:stCondLst>
+                                  <p:childTnLst>
+                                    <p:set>
+                                      <p:cBhvr>
+                                        <p:cTn id="6" dur="1" fill="hold">
+                                          <p:stCondLst>
+                                            <p:cond delay="0"/>
+                                          </p:stCondLst>
+                                        </p:cTn>
+                                        <p:tgtEl>
+                                          <p:spTgt spid="22"/>
+                                        </p:tgtEl>
+                                        <p:attrNameLst>
+                                          <p:attrName>style.visibility</p:attrName>
+                                        </p:attrNameLst>
+                                      </p:cBhvr>
+                                      <p:to>
+                                        <p:strVal val="visible"/>
+                                      </p:to>
+                                    </p:set>
+                                    <p:animEffect transition="in" filter="fade">
+                                      <p:cBhvr>
+                                        <p:cTn id="7" dur="500"/>
+                                        <p:tgtEl>
+                                          <p:spTgt spid="22"/>
+                                        </p:tgtEl>
+                                      </p:cBhvr>
+                                    </p:animEffect>
+                                  </p:childTnLst>
+                                </p:cTn>
+                              </p:par>
+                            </p:childTnLst>
+                          </p:cTn>
+                        </p:par>
+                      </p:childTnLst>
+                    </p:cTn>
+                  </p:par>
+                  <p:par>
+                    <p:cTn id="8" fill="hold">
+                      <p:stCondLst>
+                        <p:cond delay="indefinite"/>
+                      </p:stCondLst>
+                      <p:childTnLst>
+                        <p:par>
+                          <p:cTn id="9" fill="hold">
+                            <p:stCondLst>
+                              <p:cond delay="0"/>
+                            </p:stCondLst>
+                            <p:childTnLst>
+                              <p:par>
+                                <p:cTn id="10" presetID="10" presetClass="entr" presetSubtype="0" fill="hold" nodeType="clickEffect">
+                                  <p:stCondLst>
+                                    <p:cond delay="0"/>
+                                  </p:stCondLst>
+                                  <p:childTnLst>
+                                    <p:set>
+                                      <p:cBhvr>
+                                        <p:cTn id="11" dur="1" fill="hold">
+                                          <p:stCondLst>
+                                            <p:cond delay="0"/>
+                                          </p:stCondLst>
+                                        </p:cTn>
+                                        <p:tgtEl>
+                                          <p:spTgt spid="15"/>
+                                        </p:tgtEl>
+                                        <p:attrNameLst>
+                                          <p:attrName>style.visibility</p:attrName>
+                                        </p:attrNameLst>
+                                      </p:cBhvr>
+                                      <p:to>
+                                        <p:strVal val="visible"/>
+                                      </p:to>
+                                    </p:set>
+                                    <p:animEffect transition="in" filter="fade">
+                                      <p:cBhvr>
+                                        <p:cTn id="12" dur="500"/>
+                                        <p:tgtEl>
+                                          <p:spTgt spid="15"/>
+                                        </p:tgtEl>
+                                      </p:cBhvr>
+                                    </p:animEffect>
+                                  </p:childTnLst>
+                                </p:cTn>
+                              </p:par>
+                            </p:childTnLst>
+                          </p:cTn>
+                        </p:par>
+                      </p:childTnLst>
+                    </p:cTn>
+                  </p:par>
+                  <p:par>
+                    <p:cTn id="13" fill="hold">
+                      <p:stCondLst>
+                        <p:cond delay="indefinite"/>
+                      </p:stCondLst>
+                      <p:childTnLst>
+                        <p:par>
+                          <p:cTn id="14" fill="hold">
+                            <p:stCondLst>
+                              <p:cond delay="0"/>
+                            </p:stCondLst>
+                            <p:childTnLst>
+                              <p:par>
+                                <p:cTn id="15" presetID="10" presetClass="entr" presetSubtype="0" fill="hold" nodeType="clickEffect">
+                                  <p:stCondLst>
+                                    <p:cond delay="0"/>
+                                  </p:stCondLst>
+                                  <p:childTnLst>
+                                    <p:set>
+                                      <p:cBhvr>
+                                        <p:cTn id="16" dur="1" fill="hold">
+                                          <p:stCondLst>
+                                            <p:cond delay="0"/>
+                                          </p:stCondLst>
+                                        </p:cTn>
+                                        <p:tgtEl>
+                                          <p:spTgt spid="6"/>
+                                        </p:tgtEl>
+                                        <p:attrNameLst>
+                                          <p:attrName>style.visibility</p:attrName>
+                                        </p:attrNameLst>
+                                      </p:cBhvr>
+                                      <p:to>
+                                        <p:strVal val="visible"/>
+                                      </p:to>
+                                    </p:set>
+                                    <p:animEffect transition="in" filter="fade">
+                                      <p:cBhvr>
+                                        <p:cTn id="17" dur="500"/>
+                                        <p:tgtEl>
+                                          <p:spTgt spid="6"/>
+                                        </p:tgtEl>
+                                      </p:cBhvr>
+                                    </p:animEffect>
+                                  </p:childTnLst>
+                                </p:cTn>
+                              </p:par>
+                            </p:childTnLst>
+                          </p:cTn>
+                        </p:par>
+                      </p:childTnLst>
+                    </p:cTn>
+                  </p:par>
+                  <p:par>
+                    <p:cTn id="18" fill="hold">
+                      <p:stCondLst>
+                        <p:cond delay="indefinite"/>
+                      </p:stCondLst>
+                      <p:childTnLst>
+                        <p:par>
+                          <p:cTn id="19" fill="hold">
+                            <p:stCondLst>
+                              <p:cond delay="0"/>
+                            </p:stCondLst>
+                            <p:childTnLst>
+                              <p:par>
+                                <p:cTn id="20" presetID="10" presetClass="entr" presetSubtype="0" fill="hold" nodeType="clickEffect">
+                                  <p:stCondLst>
+                                    <p:cond delay="0"/>
+                                  </p:stCondLst>
+                                  <p:childTnLst>
+                                    <p:set>
+                                      <p:cBhvr>
+                                        <p:cTn id="21" dur="1" fill="hold">
+                                          <p:stCondLst>
+                                            <p:cond delay="0"/>
+                                          </p:stCondLst>
+                                        </p:cTn>
+                                        <p:tgtEl>
+                                          <p:spTgt spid="26"/>
+                                        </p:tgtEl>
+                                        <p:attrNameLst>
+                                          <p:attrName>style.visibility</p:attrName>
+                                        </p:attrNameLst>
+                                      </p:cBhvr>
+                                      <p:to>
+                                        <p:strVal val="visible"/>
+                                      </p:to>
+                                    </p:set>
+                                    <p:animEffect transition="in" filter="fade">
+                                      <p:cBhvr>
+                                        <p:cTn id="22" dur="500"/>
+                                        <p:tgtEl>
+                                          <p:spTgt spid="26"/>
+                                        </p:tgtEl>
+                                      </p:cBhvr>
+                                    </p:animEffect>
+                                  </p:childTnLst>
+                                </p:cTn>
+                              </p:par>
+                            </p:childTnLst>
+                          </p:cTn>
+                        </p:par>
+                      </p:childTnLst>
+                    </p:cTn>
+                  </p:par>
+                  <p:par>
+                    <p:cTn id="23" fill="hold">
+                      <p:stCondLst>
+                        <p:cond delay="indefinite"/>
+                      </p:stCondLst>
+                      <p:childTnLst>
+                        <p:par>
+                          <p:cTn id="24" fill="hold">
+                            <p:stCondLst>
+                              <p:cond delay="0"/>
+                            </p:stCondLst>
+                            <p:childTnLst>
+                              <p:par>
+                                <p:cTn id="25" presetID="10" presetClass="entr" presetSubtype="0" fill="hold" nodeType="clickEffect">
+                                  <p:stCondLst>
+                                    <p:cond delay="0"/>
+                                  </p:stCondLst>
+                                  <p:childTnLst>
+                                    <p:set>
+                                      <p:cBhvr>
+                                        <p:cTn id="26" dur="1" fill="hold">
+                                          <p:stCondLst>
+                                            <p:cond delay="0"/>
+                                          </p:stCondLst>
+                                        </p:cTn>
+                                        <p:tgtEl>
+                                          <p:spTgt spid="17"/>
+                                        </p:tgtEl>
+                                        <p:attrNameLst>
+                                          <p:attrName>style.visibility</p:attrName>
+                                        </p:attrNameLst>
+                                      </p:cBhvr>
+                                      <p:to>
+                                        <p:strVal val="visible"/>
+                                      </p:to>
+                                    </p:set>
+                                    <p:animEffect transition="in" filter="fade">
+                                      <p:cBhvr>
+                                        <p:cTn id="27" dur="500"/>
+                                        <p:tgtEl>
+                                          <p:spTgt spid="17"/>
+                                        </p:tgtEl>
+                                      </p:cBhvr>
+                                    </p:animEffect>
+                                  </p:childTnLst>
+                                </p:cTn>
+                              </p:par>
+                            </p:childTnLst>
+                          </p:cTn>
+                        </p:par>
+                      </p:childTnLst>
+                    </p:cTn>
+                  </p:par>
+                  <p:par>
+                    <p:cTn id="28" fill="hold">
+                      <p:stCondLst>
+                        <p:cond delay="indefinite"/>
+                      </p:stCondLst>
+                      <p:childTnLst>
+                        <p:par>
+                          <p:cTn id="29" fill="hold">
+                            <p:stCondLst>
+                              <p:cond delay="0"/>
+                            </p:stCondLst>
+                            <p:childTnLst>
+                              <p:par>
+                                <p:cTn id="30" presetID="10" presetClass="entr" presetSubtype="0" fill="hold" nodeType="clickEffect">
+                                  <p:stCondLst>
+                                    <p:cond delay="0"/>
+                                  </p:stCondLst>
+                                  <p:childTnLst>
+                                    <p:set>
+                                      <p:cBhvr>
+                                        <p:cTn id="31" dur="1" fill="hold">
+                                          <p:stCondLst>
+                                            <p:cond delay="0"/>
+                                          </p:stCondLst>
+                                        </p:cTn>
+                                        <p:tgtEl>
+                                          <p:spTgt spid="27"/>
+                                        </p:tgtEl>
+                                        <p:attrNameLst>
+                                          <p:attrName>style.visibility</p:attrName>
+                                        </p:attrNameLst>
+                                      </p:cBhvr>
+                                      <p:to>
+                                        <p:strVal val="visible"/>
+                                      </p:to>
+                                    </p:set>
+                                    <p:animEffect transition="in" filter="fade">
+                                      <p:cBhvr>
+                                        <p:cTn id="32" dur="500"/>
+                                        <p:tgtEl>
+                                          <p:spTgt spid="27"/>
+                                        </p:tgtEl>
+                                      </p:cBhvr>
+                                    </p:animEffect>
+                                  </p:childTnLst>
+                                </p:cTn>
+                              </p:par>
+                            </p:childTnLst>
+                          </p:cTn>
+                        </p:par>
+                      </p:childTnLst>
+                    </p:cTn>
+                  </p:par>
+                  <p:par>
+                    <p:cTn id="33" fill="hold">
+                      <p:stCondLst>
+                        <p:cond delay="indefinite"/>
+                      </p:stCondLst>
+                      <p:childTnLst>
+                        <p:par>
+                          <p:cTn id="34" fill="hold">
+                            <p:stCondLst>
+                              <p:cond delay="0"/>
+                            </p:stCondLst>
+                            <p:childTnLst>
+                              <p:par>
+                                <p:cTn id="35" presetID="10" presetClass="entr" presetSubtype="0" fill="hold" nodeType="clickEffect">
+                                  <p:stCondLst>
+                                    <p:cond delay="0"/>
+                                  </p:stCondLst>
+                                  <p:childTnLst>
+                                    <p:set>
+                                      <p:cBhvr>
+                                        <p:cTn id="36" dur="1" fill="hold">
+                                          <p:stCondLst>
+                                            <p:cond delay="0"/>
+                                          </p:stCondLst>
+                                        </p:cTn>
+                                        <p:tgtEl>
+                                          <p:spTgt spid="19"/>
+                                        </p:tgtEl>
+                                        <p:attrNameLst>
+                                          <p:attrName>style.visibility</p:attrName>
+                                        </p:attrNameLst>
+                                      </p:cBhvr>
+                                      <p:to>
+                                        <p:strVal val="visible"/>
+                                      </p:to>
+                                    </p:set>
+                                    <p:animEffect transition="in" filter="fade">
+                                      <p:cBhvr>
+                                        <p:cTn id="37" dur="500"/>
+                                        <p:tgtEl>
+                                          <p:spTgt spid="19"/>
+                                        </p:tgtEl>
+                                      </p:cBhvr>
+                                    </p:animEffect>
+                                  </p:childTnLst>
+                                </p:cTn>
+                              </p:par>
+                            </p:childTnLst>
+                          </p:cTn>
+                        </p:par>
+                      </p:childTnLst>
+                    </p:cTn>
+                  </p:par>
+                </p:childTnLst>
+              </p:cTn>
+              <p:prevCondLst>
+                <p:cond evt="onPrev" delay="0">
+                  <p:tgtEl>
+                    <p:sldTgt/>
+                  </p:tgtEl>
+                </p:cond>
+              </p:prevCondLst>
+              <p:nextCondLst>
+                <p:cond evt="onNext" delay="0">
+                  <p:tgtEl>
+                    <p:sldTgt/>
+                  </p:tgtEl>
+                </p:cond>
+              </p:nextCondLst>
+            </p:seq>
+          </p:childTnLst>
+        </p:cTn>
+      </p:par>
+    </p:tnLst>
+  </p:timing>
+</p:sld>
+</file>
+
+<file path=ppt/slides/slide12.xml><?xml version="1.0" encoding="utf-8"?>
+<p:sld xmlns:a="http://schemas.openxmlformats.org/drawingml/2006/main" xmlns:r="http://schemas.openxmlformats.org/officeDocument/2006/relationships" xmlns:p="http://schemas.openxmlformats.org/presentationml/2006/main">
+  <p:cSld>
+    <p:spTree>
+      <p:nvGrpSpPr>
+        <p:cNvPr id="1" name=""/>
+        <p:cNvGrpSpPr/>
+        <p:nvPr/>
+      </p:nvGrpSpPr>
+      <p:grpSpPr>
+        <a:xfrm>
+          <a:off x="0" y="0"/>
+          <a:ext cx="0" cy="0"/>
+          <a:chOff x="0" y="0"/>
+          <a:chExt cx="0" cy="0"/>
+        </a:xfrm>
+      </p:grpSpPr>
+      <p:sp>
+        <p:nvSpPr>
+          <p:cNvPr id="6" name="TextBox 5"/>
+          <p:cNvSpPr txBox="1"/>
+          <p:nvPr/>
+        </p:nvSpPr>
+        <p:spPr>
+          <a:xfrm>
+            <a:off x="228600" y="152400"/>
+            <a:ext cx="8610600" cy="677108"/>
+          </a:xfrm>
+          <a:prstGeom prst="rect">
+            <a:avLst/>
+          </a:prstGeom>
+          <a:noFill/>
+        </p:spPr>
+        <p:txBody>
+          <a:bodyPr wrap="square" rtlCol="0">
+            <a:spAutoFit/>
+          </a:bodyPr>
+          <a:lstStyle/>
+          <a:p>
+            <a:r>
+              <a:rPr lang="en-US" sz="3800" b="1" dirty="0"/>
+              <a:t>Why the 27 Books of the New Testament?</a:t>
+            </a:r>
+          </a:p>
+        </p:txBody>
+      </p:sp>
+      <p:grpSp>
+        <p:nvGrpSpPr>
+          <p:cNvPr id="9" name="Group 8">
+            <a:extLst>
+              <a:ext uri="{FF2B5EF4-FFF2-40B4-BE49-F238E27FC236}">
+                <a16:creationId xmlns:a16="http://schemas.microsoft.com/office/drawing/2014/main" id="{55676BE1-B42E-AD44-9DD5-FF20BEB47F36}"/>
+              </a:ext>
+            </a:extLst>
+          </p:cNvPr>
+          <p:cNvGrpSpPr/>
+          <p:nvPr/>
+        </p:nvGrpSpPr>
+        <p:grpSpPr>
+          <a:xfrm>
+            <a:off x="533400" y="1833265"/>
+            <a:ext cx="8001000" cy="685800"/>
+            <a:chOff x="533400" y="1833265"/>
+            <a:chExt cx="8001000" cy="685800"/>
+          </a:xfrm>
+        </p:grpSpPr>
+        <p:sp>
+          <p:nvSpPr>
+            <p:cNvPr id="2" name="Oval 1">
+              <a:extLst>
+                <a:ext uri="{FF2B5EF4-FFF2-40B4-BE49-F238E27FC236}">
+                  <a16:creationId xmlns:a16="http://schemas.microsoft.com/office/drawing/2014/main" id="{876D5A54-0C8D-804B-88A0-6609A2C1405C}"/>
+                </a:ext>
+              </a:extLst>
+            </p:cNvPr>
+            <p:cNvSpPr/>
+            <p:nvPr/>
+          </p:nvSpPr>
+          <p:spPr>
+            <a:xfrm>
+              <a:off x="533400" y="1833265"/>
+              <a:ext cx="685800" cy="685800"/>
+            </a:xfrm>
+            <a:prstGeom prst="ellipse">
+              <a:avLst/>
+            </a:prstGeom>
+            <a:solidFill>
+              <a:srgbClr val="009EC0"/>
+            </a:solidFill>
+            <a:ln>
+              <a:noFill/>
+            </a:ln>
+          </p:spPr>
+          <p:style>
+            <a:lnRef idx="2">
+              <a:schemeClr val="accent1">
+                <a:shade val="50000"/>
+              </a:schemeClr>
+            </a:lnRef>
+            <a:fillRef idx="1">
+              <a:schemeClr val="accent1"/>
+            </a:fillRef>
+            <a:effectRef idx="0">
+              <a:schemeClr val="accent1"/>
+            </a:effectRef>
+            <a:fontRef idx="minor">
+              <a:schemeClr val="lt1"/>
+            </a:fontRef>
+          </p:style>
+          <p:txBody>
+            <a:bodyPr rtlCol="0" anchor="ctr"/>
+            <a:lstStyle/>
+            <a:p>
+              <a:pPr algn="ctr"/>
+              <a:r>
+                <a:rPr lang="en-US" sz="2800" dirty="0">
+                  <a:solidFill>
+                    <a:schemeClr val="tx1"/>
+                  </a:solidFill>
+                </a:rPr>
+                <a:t>2</a:t>
+              </a:r>
+            </a:p>
+          </p:txBody>
+        </p:sp>
+        <p:sp>
+          <p:nvSpPr>
+            <p:cNvPr id="10" name="Rectangle 9">
+              <a:extLst>
+                <a:ext uri="{FF2B5EF4-FFF2-40B4-BE49-F238E27FC236}">
+                  <a16:creationId xmlns:a16="http://schemas.microsoft.com/office/drawing/2014/main" id="{312C2DC5-5653-DC4B-98A2-76A0B8F08883}"/>
+                </a:ext>
+              </a:extLst>
+            </p:cNvPr>
+            <p:cNvSpPr/>
+            <p:nvPr/>
+          </p:nvSpPr>
+          <p:spPr>
+            <a:xfrm>
+              <a:off x="1447800" y="1833265"/>
+              <a:ext cx="7086600" cy="685800"/>
+            </a:xfrm>
+            <a:prstGeom prst="rect">
+              <a:avLst/>
+            </a:prstGeom>
+            <a:noFill/>
+            <a:ln>
+              <a:noFill/>
+            </a:ln>
+          </p:spPr>
+          <p:style>
+            <a:lnRef idx="2">
+              <a:schemeClr val="accent1">
+                <a:shade val="50000"/>
+              </a:schemeClr>
+            </a:lnRef>
+            <a:fillRef idx="1">
+              <a:schemeClr val="accent1"/>
+            </a:fillRef>
+            <a:effectRef idx="0">
+              <a:schemeClr val="accent1"/>
+            </a:effectRef>
+            <a:fontRef idx="minor">
+              <a:schemeClr val="lt1"/>
+            </a:fontRef>
+          </p:style>
+          <p:txBody>
+            <a:bodyPr rtlCol="0" anchor="ctr"/>
+            <a:lstStyle/>
+            <a:p>
+              <a:r>
+                <a:rPr lang="en-US" sz="2400" dirty="0">
+                  <a:solidFill>
+                    <a:schemeClr val="tx1"/>
+                  </a:solidFill>
+                </a:rPr>
+                <a:t>New Testament documents are </a:t>
+              </a:r>
+              <a:r>
+                <a:rPr lang="en-US" sz="2400" dirty="0">
+                  <a:solidFill>
+                    <a:schemeClr val="tx1"/>
+                  </a:solidFill>
+                  <a:highlight>
+                    <a:srgbClr val="C00002"/>
+                  </a:highlight>
+                </a:rPr>
+                <a:t> </a:t>
+              </a:r>
+              <a:r>
+                <a:rPr lang="en-US" sz="2400" b="1" dirty="0">
+                  <a:solidFill>
+                    <a:schemeClr val="tx1"/>
+                  </a:solidFill>
+                  <a:highlight>
+                    <a:srgbClr val="C00002"/>
+                  </a:highlight>
+                </a:rPr>
+                <a:t>Apostolic.</a:t>
+              </a:r>
+              <a:endParaRPr lang="en-US" sz="2400" dirty="0">
+                <a:solidFill>
+                  <a:schemeClr val="tx1"/>
+                </a:solidFill>
+              </a:endParaRPr>
+            </a:p>
+          </p:txBody>
+        </p:sp>
+      </p:grpSp>
+      <p:cxnSp>
+        <p:nvCxnSpPr>
+          <p:cNvPr id="8" name="Straight Connector 7">
+            <a:extLst>
+              <a:ext uri="{FF2B5EF4-FFF2-40B4-BE49-F238E27FC236}">
+                <a16:creationId xmlns:a16="http://schemas.microsoft.com/office/drawing/2014/main" id="{B1CE1C68-C736-2F42-AD3D-29FCB9A69CAD}"/>
+              </a:ext>
+            </a:extLst>
+          </p:cNvPr>
+          <p:cNvCxnSpPr>
+            <a:cxnSpLocks/>
+          </p:cNvCxnSpPr>
+          <p:nvPr/>
+        </p:nvCxnSpPr>
+        <p:spPr>
+          <a:xfrm>
+            <a:off x="228600" y="1066800"/>
+            <a:ext cx="2209800" cy="0"/>
+          </a:xfrm>
+          <a:prstGeom prst="line">
+            <a:avLst/>
+          </a:prstGeom>
+          <a:ln w="76200">
+            <a:solidFill>
+              <a:srgbClr val="009EC0"/>
+            </a:solidFill>
+          </a:ln>
+        </p:spPr>
+        <p:style>
+          <a:lnRef idx="1">
+            <a:schemeClr val="dk1"/>
+          </a:lnRef>
+          <a:fillRef idx="0">
+            <a:schemeClr val="dk1"/>
+          </a:fillRef>
+          <a:effectRef idx="0">
+            <a:schemeClr val="dk1"/>
+          </a:effectRef>
+          <a:fontRef idx="minor">
+            <a:schemeClr val="tx1"/>
+          </a:fontRef>
+        </p:style>
+      </p:cxnSp>
+      <p:graphicFrame>
+        <p:nvGraphicFramePr>
+          <p:cNvPr id="20" name="Table 19">
+            <a:extLst>
+              <a:ext uri="{FF2B5EF4-FFF2-40B4-BE49-F238E27FC236}">
+                <a16:creationId xmlns:a16="http://schemas.microsoft.com/office/drawing/2014/main" id="{3FF75A05-DD24-FC4F-8BF4-07A1E294715C}"/>
+              </a:ext>
+            </a:extLst>
+          </p:cNvPr>
+          <p:cNvGraphicFramePr>
+            <a:graphicFrameLocks noGrp="1"/>
+          </p:cNvGraphicFramePr>
+          <p:nvPr>
+            <p:extLst>
+              <p:ext uri="{D42A27DB-BD31-4B8C-83A1-F6EECF244321}">
+                <p14:modId xmlns:p14="http://schemas.microsoft.com/office/powerpoint/2010/main" val="2717152206"/>
+              </p:ext>
+            </p:extLst>
+          </p:nvPr>
+        </p:nvGraphicFramePr>
+        <p:xfrm>
+          <a:off x="1600200" y="2874049"/>
+          <a:ext cx="7162800" cy="822960"/>
+        </p:xfrm>
+        <a:graphic>
+          <a:graphicData uri="http://schemas.openxmlformats.org/drawingml/2006/table">
+            <a:tbl>
+              <a:tblPr firstRow="1" bandRow="1">
+                <a:tableStyleId>{2D5ABB26-0587-4C30-8999-92F81FD0307C}</a:tableStyleId>
+              </a:tblPr>
+              <a:tblGrid>
+                <a:gridCol w="7162800">
+                  <a:extLst>
+                    <a:ext uri="{9D8B030D-6E8A-4147-A177-3AD203B41FA5}">
+                      <a16:colId xmlns:a16="http://schemas.microsoft.com/office/drawing/2014/main" val="1107341750"/>
+                    </a:ext>
+                  </a:extLst>
+                </a:gridCol>
+              </a:tblGrid>
+              <a:tr h="370840">
+                <a:tc>
+                  <a:txBody>
+                    <a:bodyPr/>
+                    <a:lstStyle/>
+                    <a:p>
+                      <a:r>
+                        <a:rPr lang="en-US" sz="2400" dirty="0"/>
+                        <a:t>The documents were understood to be connected to the Apostles</a:t>
+                      </a:r>
+                      <a:endParaRPr lang="en-US" sz="2400" b="0" dirty="0"/>
+                    </a:p>
+                  </a:txBody>
+                  <a:tcPr marL="182880">
+                    <a:lnL w="57150" cap="flat" cmpd="sng" algn="ctr">
+                      <a:solidFill>
+                        <a:schemeClr val="bg1">
+                          <a:lumMod val="75000"/>
+                          <a:lumOff val="25000"/>
+                        </a:schemeClr>
+                      </a:solidFill>
+                      <a:prstDash val="solid"/>
+                      <a:round/>
+                      <a:headEnd type="none" w="med" len="med"/>
+                      <a:tailEnd type="none" w="med" len="med"/>
+                    </a:lnL>
+                    <a:lnR>
+                      <a:noFill/>
+                    </a:lnR>
+                    <a:lnT>
+                      <a:noFill/>
+                    </a:lnT>
+                    <a:lnB>
+                      <a:noFill/>
+                    </a:lnB>
+                    <a:lnTlToBr w="12700" cmpd="sng">
+                      <a:noFill/>
+                      <a:prstDash val="solid"/>
+                    </a:lnTlToBr>
+                    <a:lnBlToTr w="12700" cmpd="sng">
+                      <a:noFill/>
+                      <a:prstDash val="solid"/>
+                    </a:lnBlToTr>
+                  </a:tcPr>
+                </a:tc>
+                <a:extLst>
+                  <a:ext uri="{0D108BD9-81ED-4DB2-BD59-A6C34878D82A}">
+                    <a16:rowId xmlns:a16="http://schemas.microsoft.com/office/drawing/2014/main" val="1984863204"/>
+                  </a:ext>
+                </a:extLst>
+              </a:tr>
+            </a:tbl>
+          </a:graphicData>
+        </a:graphic>
+      </p:graphicFrame>
+      <p:graphicFrame>
+        <p:nvGraphicFramePr>
+          <p:cNvPr id="21" name="Table 20">
+            <a:extLst>
+              <a:ext uri="{FF2B5EF4-FFF2-40B4-BE49-F238E27FC236}">
+                <a16:creationId xmlns:a16="http://schemas.microsoft.com/office/drawing/2014/main" id="{FD5AF588-5BE5-1B4C-A7CB-F6FFF7F0279E}"/>
+              </a:ext>
+            </a:extLst>
+          </p:cNvPr>
+          <p:cNvGraphicFramePr>
+            <a:graphicFrameLocks noGrp="1"/>
+          </p:cNvGraphicFramePr>
+          <p:nvPr>
+            <p:extLst>
+              <p:ext uri="{D42A27DB-BD31-4B8C-83A1-F6EECF244321}">
+                <p14:modId xmlns:p14="http://schemas.microsoft.com/office/powerpoint/2010/main" val="1176883443"/>
+              </p:ext>
+            </p:extLst>
+          </p:nvPr>
+        </p:nvGraphicFramePr>
+        <p:xfrm>
+          <a:off x="1600200" y="5229937"/>
+          <a:ext cx="7162800" cy="457200"/>
+        </p:xfrm>
+        <a:graphic>
+          <a:graphicData uri="http://schemas.openxmlformats.org/drawingml/2006/table">
+            <a:tbl>
+              <a:tblPr firstRow="1" bandRow="1">
+                <a:tableStyleId>{2D5ABB26-0587-4C30-8999-92F81FD0307C}</a:tableStyleId>
+              </a:tblPr>
+              <a:tblGrid>
+                <a:gridCol w="7162800">
+                  <a:extLst>
+                    <a:ext uri="{9D8B030D-6E8A-4147-A177-3AD203B41FA5}">
+                      <a16:colId xmlns:a16="http://schemas.microsoft.com/office/drawing/2014/main" val="1107341750"/>
+                    </a:ext>
+                  </a:extLst>
+                </a:gridCol>
+              </a:tblGrid>
+              <a:tr h="370840">
+                <a:tc>
+                  <a:txBody>
+                    <a:bodyPr/>
+                    <a:lstStyle/>
+                    <a:p>
+                      <a:r>
+                        <a:rPr lang="en-US" sz="2400" dirty="0"/>
+                        <a:t>The authors claimed to be writing scripture</a:t>
+                      </a:r>
+                      <a:endParaRPr lang="en-US" sz="2400" b="0" dirty="0"/>
+                    </a:p>
+                  </a:txBody>
+                  <a:tcPr marL="182880">
+                    <a:lnL w="57150" cap="flat" cmpd="sng" algn="ctr">
+                      <a:solidFill>
+                        <a:schemeClr val="bg1">
+                          <a:lumMod val="75000"/>
+                          <a:lumOff val="25000"/>
+                        </a:schemeClr>
+                      </a:solidFill>
+                      <a:prstDash val="solid"/>
+                      <a:round/>
+                      <a:headEnd type="none" w="med" len="med"/>
+                      <a:tailEnd type="none" w="med" len="med"/>
+                    </a:lnL>
+                    <a:lnR>
+                      <a:noFill/>
+                    </a:lnR>
+                    <a:lnT>
+                      <a:noFill/>
+                    </a:lnT>
+                    <a:lnB>
+                      <a:noFill/>
+                    </a:lnB>
+                    <a:lnTlToBr w="12700" cmpd="sng">
+                      <a:noFill/>
+                      <a:prstDash val="solid"/>
+                    </a:lnTlToBr>
+                    <a:lnBlToTr w="12700" cmpd="sng">
+                      <a:noFill/>
+                      <a:prstDash val="solid"/>
+                    </a:lnBlToTr>
+                  </a:tcPr>
+                </a:tc>
+                <a:extLst>
+                  <a:ext uri="{0D108BD9-81ED-4DB2-BD59-A6C34878D82A}">
+                    <a16:rowId xmlns:a16="http://schemas.microsoft.com/office/drawing/2014/main" val="1984863204"/>
+                  </a:ext>
+                </a:extLst>
+              </a:tr>
+            </a:tbl>
+          </a:graphicData>
+        </a:graphic>
+      </p:graphicFrame>
+      <p:graphicFrame>
+        <p:nvGraphicFramePr>
+          <p:cNvPr id="22" name="Table 21">
+            <a:extLst>
+              <a:ext uri="{FF2B5EF4-FFF2-40B4-BE49-F238E27FC236}">
+                <a16:creationId xmlns:a16="http://schemas.microsoft.com/office/drawing/2014/main" id="{308B93AF-B49C-1D40-BFE9-A2651115FB10}"/>
+              </a:ext>
+            </a:extLst>
+          </p:cNvPr>
+          <p:cNvGraphicFramePr>
+            <a:graphicFrameLocks noGrp="1"/>
+          </p:cNvGraphicFramePr>
+          <p:nvPr>
+            <p:extLst>
+              <p:ext uri="{D42A27DB-BD31-4B8C-83A1-F6EECF244321}">
+                <p14:modId xmlns:p14="http://schemas.microsoft.com/office/powerpoint/2010/main" val="3866446490"/>
+              </p:ext>
+            </p:extLst>
+          </p:nvPr>
+        </p:nvGraphicFramePr>
+        <p:xfrm>
+          <a:off x="1600200" y="4051993"/>
+          <a:ext cx="7162800" cy="822960"/>
+        </p:xfrm>
+        <a:graphic>
+          <a:graphicData uri="http://schemas.openxmlformats.org/drawingml/2006/table">
+            <a:tbl>
+              <a:tblPr firstRow="1" bandRow="1">
+                <a:tableStyleId>{2D5ABB26-0587-4C30-8999-92F81FD0307C}</a:tableStyleId>
+              </a:tblPr>
+              <a:tblGrid>
+                <a:gridCol w="7162800">
+                  <a:extLst>
+                    <a:ext uri="{9D8B030D-6E8A-4147-A177-3AD203B41FA5}">
+                      <a16:colId xmlns:a16="http://schemas.microsoft.com/office/drawing/2014/main" val="1107341750"/>
+                    </a:ext>
+                  </a:extLst>
+                </a:gridCol>
+              </a:tblGrid>
+              <a:tr h="370840">
+                <a:tc>
+                  <a:txBody>
+                    <a:bodyPr/>
+                    <a:lstStyle/>
+                    <a:p>
+                      <a:r>
+                        <a:rPr lang="en-US" sz="2400" dirty="0"/>
+                        <a:t>The authors of the Gospels are consistent and early (and don’t make sense to be made up)</a:t>
+                      </a:r>
+                      <a:endParaRPr lang="en-US" sz="2400" b="0" dirty="0"/>
+                    </a:p>
+                  </a:txBody>
+                  <a:tcPr marL="182880">
+                    <a:lnL w="57150" cap="flat" cmpd="sng" algn="ctr">
+                      <a:solidFill>
+                        <a:schemeClr val="bg1">
+                          <a:lumMod val="75000"/>
+                          <a:lumOff val="25000"/>
+                        </a:schemeClr>
+                      </a:solidFill>
+                      <a:prstDash val="solid"/>
+                      <a:round/>
+                      <a:headEnd type="none" w="med" len="med"/>
+                      <a:tailEnd type="none" w="med" len="med"/>
+                    </a:lnL>
+                    <a:lnR>
+                      <a:noFill/>
+                    </a:lnR>
+                    <a:lnT>
+                      <a:noFill/>
+                    </a:lnT>
+                    <a:lnB>
+                      <a:noFill/>
+                    </a:lnB>
+                    <a:lnTlToBr w="12700" cmpd="sng">
+                      <a:noFill/>
+                      <a:prstDash val="solid"/>
+                    </a:lnTlToBr>
+                    <a:lnBlToTr w="12700" cmpd="sng">
+                      <a:noFill/>
+                      <a:prstDash val="solid"/>
+                    </a:lnBlToTr>
+                  </a:tcPr>
+                </a:tc>
+                <a:extLst>
+                  <a:ext uri="{0D108BD9-81ED-4DB2-BD59-A6C34878D82A}">
+                    <a16:rowId xmlns:a16="http://schemas.microsoft.com/office/drawing/2014/main" val="1984863204"/>
+                  </a:ext>
+                </a:extLst>
+              </a:tr>
+            </a:tbl>
+          </a:graphicData>
+        </a:graphic>
+      </p:graphicFrame>
+    </p:spTree>
+    <p:extLst>
+      <p:ext uri="{BB962C8B-B14F-4D97-AF65-F5344CB8AC3E}">
+        <p14:creationId xmlns:p14="http://schemas.microsoft.com/office/powerpoint/2010/main" val="1176168195"/>
+      </p:ext>
+    </p:extLst>
+  </p:cSld>
+  <p:clrMapOvr>
+    <a:masterClrMapping/>
+  </p:clrMapOvr>
+  <p:timing>
+    <p:tnLst>
+      <p:par>
+        <p:cTn id="1" dur="indefinite" restart="never" nodeType="tmRoot">
+          <p:childTnLst>
+            <p:seq concurrent="1" nextAc="seek">
+              <p:cTn id="2" dur="indefinite" nodeType="mainSeq">
+                <p:childTnLst>
+                  <p:par>
+                    <p:cTn id="3" fill="hold">
+                      <p:stCondLst>
+                        <p:cond delay="indefinite"/>
+                      </p:stCondLst>
+                      <p:childTnLst>
+                        <p:par>
+                          <p:cTn id="4" fill="hold">
+                            <p:stCondLst>
+                              <p:cond delay="0"/>
+                            </p:stCondLst>
+                            <p:childTnLst>
+                              <p:par>
+                                <p:cTn id="5" presetID="10" presetClass="entr" presetSubtype="0" fill="hold" nodeType="clickEffect">
+                                  <p:stCondLst>
+                                    <p:cond delay="0"/>
+                                  </p:stCondLst>
+                                  <p:childTnLst>
+                                    <p:set>
+                                      <p:cBhvr>
+                                        <p:cTn id="6" dur="1" fill="hold">
+                                          <p:stCondLst>
+                                            <p:cond delay="0"/>
+                                          </p:stCondLst>
+                                        </p:cTn>
+                                        <p:tgtEl>
+                                          <p:spTgt spid="9"/>
+                                        </p:tgtEl>
+                                        <p:attrNameLst>
+                                          <p:attrName>style.visibility</p:attrName>
+                                        </p:attrNameLst>
+                                      </p:cBhvr>
+                                      <p:to>
+                                        <p:strVal val="visible"/>
+                                      </p:to>
+                                    </p:set>
+                                    <p:animEffect transition="in" filter="fade">
+                                      <p:cBhvr>
+                                        <p:cTn id="7" dur="250"/>
+                                        <p:tgtEl>
+                                          <p:spTgt spid="9"/>
+                                        </p:tgtEl>
+                                      </p:cBhvr>
+                                    </p:animEffect>
+                                  </p:childTnLst>
+                                </p:cTn>
+                              </p:par>
+                            </p:childTnLst>
+                          </p:cTn>
+                        </p:par>
+                      </p:childTnLst>
+                    </p:cTn>
+                  </p:par>
+                  <p:par>
+                    <p:cTn id="8" fill="hold">
+                      <p:stCondLst>
+                        <p:cond delay="indefinite"/>
+                      </p:stCondLst>
+                      <p:childTnLst>
+                        <p:par>
+                          <p:cTn id="9" fill="hold">
+                            <p:stCondLst>
+                              <p:cond delay="0"/>
+                            </p:stCondLst>
+                            <p:childTnLst>
+                              <p:par>
+                                <p:cTn id="10" presetID="10" presetClass="entr" presetSubtype="0" fill="hold" nodeType="clickEffect">
+                                  <p:stCondLst>
+                                    <p:cond delay="0"/>
+                                  </p:stCondLst>
+                                  <p:childTnLst>
+                                    <p:set>
+                                      <p:cBhvr>
+                                        <p:cTn id="11" dur="1" fill="hold">
+                                          <p:stCondLst>
+                                            <p:cond delay="0"/>
+                                          </p:stCondLst>
+                                        </p:cTn>
+                                        <p:tgtEl>
+                                          <p:spTgt spid="20"/>
+                                        </p:tgtEl>
+                                        <p:attrNameLst>
+                                          <p:attrName>style.visibility</p:attrName>
+                                        </p:attrNameLst>
+                                      </p:cBhvr>
+                                      <p:to>
+                                        <p:strVal val="visible"/>
+                                      </p:to>
+                                    </p:set>
+                                    <p:animEffect transition="in" filter="fade">
+                                      <p:cBhvr>
+                                        <p:cTn id="12" dur="250"/>
+                                        <p:tgtEl>
+                                          <p:spTgt spid="20"/>
+                                        </p:tgtEl>
+                                      </p:cBhvr>
+                                    </p:animEffect>
+                                  </p:childTnLst>
+                                </p:cTn>
+                              </p:par>
+                            </p:childTnLst>
+                          </p:cTn>
+                        </p:par>
+                      </p:childTnLst>
+                    </p:cTn>
+                  </p:par>
+                  <p:par>
+                    <p:cTn id="13" fill="hold">
+                      <p:stCondLst>
+                        <p:cond delay="indefinite"/>
+                      </p:stCondLst>
+                      <p:childTnLst>
+                        <p:par>
+                          <p:cTn id="14" fill="hold">
+                            <p:stCondLst>
+                              <p:cond delay="0"/>
+                            </p:stCondLst>
+                            <p:childTnLst>
+                              <p:par>
+                                <p:cTn id="15" presetID="10" presetClass="entr" presetSubtype="0" fill="hold" nodeType="clickEffect">
+                                  <p:stCondLst>
+                                    <p:cond delay="0"/>
+                                  </p:stCondLst>
+                                  <p:childTnLst>
+                                    <p:set>
+                                      <p:cBhvr>
+                                        <p:cTn id="16" dur="1" fill="hold">
+                                          <p:stCondLst>
+                                            <p:cond delay="0"/>
+                                          </p:stCondLst>
+                                        </p:cTn>
+                                        <p:tgtEl>
+                                          <p:spTgt spid="22"/>
+                                        </p:tgtEl>
+                                        <p:attrNameLst>
+                                          <p:attrName>style.visibility</p:attrName>
+                                        </p:attrNameLst>
+                                      </p:cBhvr>
+                                      <p:to>
+                                        <p:strVal val="visible"/>
+                                      </p:to>
+                                    </p:set>
+                                    <p:animEffect transition="in" filter="fade">
+                                      <p:cBhvr>
+                                        <p:cTn id="17" dur="250"/>
+                                        <p:tgtEl>
+                                          <p:spTgt spid="22"/>
+                                        </p:tgtEl>
+                                      </p:cBhvr>
+                                    </p:animEffect>
+                                  </p:childTnLst>
+                                </p:cTn>
+                              </p:par>
+                            </p:childTnLst>
+                          </p:cTn>
+                        </p:par>
+                      </p:childTnLst>
+                    </p:cTn>
+                  </p:par>
+                  <p:par>
+                    <p:cTn id="18" fill="hold">
+                      <p:stCondLst>
+                        <p:cond delay="indefinite"/>
+                      </p:stCondLst>
+                      <p:childTnLst>
+                        <p:par>
+                          <p:cTn id="19" fill="hold">
+                            <p:stCondLst>
+                              <p:cond delay="0"/>
+                            </p:stCondLst>
+                            <p:childTnLst>
+                              <p:par>
+                                <p:cTn id="20" presetID="10" presetClass="entr" presetSubtype="0" fill="hold" nodeType="clickEffect">
+                                  <p:stCondLst>
+                                    <p:cond delay="0"/>
+                                  </p:stCondLst>
+                                  <p:childTnLst>
+                                    <p:set>
+                                      <p:cBhvr>
+                                        <p:cTn id="21" dur="1" fill="hold">
+                                          <p:stCondLst>
+                                            <p:cond delay="0"/>
+                                          </p:stCondLst>
+                                        </p:cTn>
+                                        <p:tgtEl>
+                                          <p:spTgt spid="21"/>
+                                        </p:tgtEl>
+                                        <p:attrNameLst>
+                                          <p:attrName>style.visibility</p:attrName>
+                                        </p:attrNameLst>
+                                      </p:cBhvr>
+                                      <p:to>
+                                        <p:strVal val="visible"/>
+                                      </p:to>
+                                    </p:set>
+                                    <p:animEffect transition="in" filter="fade">
+                                      <p:cBhvr>
+                                        <p:cTn id="22" dur="250"/>
+                                        <p:tgtEl>
+                                          <p:spTgt spid="21"/>
+                                        </p:tgtEl>
+                                      </p:cBhvr>
+                                    </p:animEffect>
+                                  </p:childTnLst>
+                                </p:cTn>
+                              </p:par>
+                            </p:childTnLst>
+                          </p:cTn>
+                        </p:par>
+                      </p:childTnLst>
+                    </p:cTn>
+                  </p:par>
+                </p:childTnLst>
+              </p:cTn>
+              <p:prevCondLst>
+                <p:cond evt="onPrev" delay="0">
+                  <p:tgtEl>
+                    <p:sldTgt/>
+                  </p:tgtEl>
+                </p:cond>
+              </p:prevCondLst>
+              <p:nextCondLst>
+                <p:cond evt="onNext" delay="0">
+                  <p:tgtEl>
+                    <p:sldTgt/>
+                  </p:tgtEl>
+                </p:cond>
+              </p:nextCondLst>
+            </p:seq>
+          </p:childTnLst>
+        </p:cTn>
+      </p:par>
+    </p:tnLst>
+  </p:timing>
+</p:sld>
+</file>
+
+<file path=ppt/slides/slide13.xml><?xml version="1.0" encoding="utf-8"?>
 <p:sld xmlns:a="http://schemas.openxmlformats.org/drawingml/2006/main" xmlns:r="http://schemas.openxmlformats.org/officeDocument/2006/relationships" xmlns:p="http://schemas.openxmlformats.org/presentationml/2006/main">
   <p:cSld>
     <p:spTree>
@@ -7116,7 +10083,7 @@
 </p:sld>
 </file>
 
-<file path=ppt/slides/slide11.xml><?xml version="1.0" encoding="utf-8"?>
+<file path=ppt/slides/slide14.xml><?xml version="1.0" encoding="utf-8"?>
 <p:sld xmlns:a="http://schemas.openxmlformats.org/drawingml/2006/main" xmlns:r="http://schemas.openxmlformats.org/officeDocument/2006/relationships" xmlns:p="http://schemas.openxmlformats.org/presentationml/2006/main">
   <p:cSld>
     <p:spTree>
@@ -7237,7 +10204,7 @@
 </p:sld>
 </file>
 
-<file path=ppt/slides/slide12.xml><?xml version="1.0" encoding="utf-8"?>
+<file path=ppt/slides/slide15.xml><?xml version="1.0" encoding="utf-8"?>
 <p:sld xmlns:a="http://schemas.openxmlformats.org/drawingml/2006/main" xmlns:r="http://schemas.openxmlformats.org/officeDocument/2006/relationships" xmlns:p="http://schemas.openxmlformats.org/presentationml/2006/main">
   <p:cSld>
     <p:spTree>
@@ -7786,7 +10753,7 @@
 </p:sld>
 </file>
 
-<file path=ppt/slides/slide13.xml><?xml version="1.0" encoding="utf-8"?>
+<file path=ppt/slides/slide16.xml><?xml version="1.0" encoding="utf-8"?>
 <p:sld xmlns:a="http://schemas.openxmlformats.org/drawingml/2006/main" xmlns:r="http://schemas.openxmlformats.org/officeDocument/2006/relationships" xmlns:p="http://schemas.openxmlformats.org/presentationml/2006/main">
   <p:cSld>
     <p:spTree>
@@ -8103,7 +11070,7 @@
 </p:sld>
 </file>
 
-<file path=ppt/slides/slide14.xml><?xml version="1.0" encoding="utf-8"?>
+<file path=ppt/slides/slide17.xml><?xml version="1.0" encoding="utf-8"?>
 <p:sld xmlns:a="http://schemas.openxmlformats.org/drawingml/2006/main" xmlns:r="http://schemas.openxmlformats.org/officeDocument/2006/relationships" xmlns:p="http://schemas.openxmlformats.org/presentationml/2006/main">
   <p:cSld>
     <p:spTree>
@@ -8199,7 +11166,7 @@
 </p:sld>
 </file>
 
-<file path=ppt/slides/slide15.xml><?xml version="1.0" encoding="utf-8"?>
+<file path=ppt/slides/slide18.xml><?xml version="1.0" encoding="utf-8"?>
 <p:sld xmlns:a="http://schemas.openxmlformats.org/drawingml/2006/main" xmlns:r="http://schemas.openxmlformats.org/officeDocument/2006/relationships" xmlns:p="http://schemas.openxmlformats.org/presentationml/2006/main">
   <p:cSld>
     <p:spTree>
@@ -8705,7 +11672,7 @@
 </p:sld>
 </file>
 
-<file path=ppt/slides/slide16.xml><?xml version="1.0" encoding="utf-8"?>
+<file path=ppt/slides/slide19.xml><?xml version="1.0" encoding="utf-8"?>
 <p:sld xmlns:a="http://schemas.openxmlformats.org/drawingml/2006/main" xmlns:r="http://schemas.openxmlformats.org/officeDocument/2006/relationships" xmlns:p="http://schemas.openxmlformats.org/presentationml/2006/main">
   <p:cSld>
     <p:spTree>
@@ -8931,56 +11898,55 @@
           <a:chExt cx="0" cy="0"/>
         </a:xfrm>
       </p:grpSpPr>
-      <p:sp>
-        <p:nvSpPr>
-          <p:cNvPr id="2" name="Title 1"/>
-          <p:cNvSpPr>
-            <a:spLocks noGrp="1"/>
-          </p:cNvSpPr>
-          <p:nvPr>
-            <p:ph type="title"/>
-          </p:nvPr>
-        </p:nvSpPr>
-        <p:spPr/>
-        <p:txBody>
-          <a:bodyPr>
-            <a:normAutofit fontScale="90000"/>
-          </a:bodyPr>
-          <a:lstStyle/>
-          <a:p>
-            <a:r>
-              <a:rPr lang="en-US" dirty="0"/>
-              <a:t>Write down some observations regarding the following verses regarding Jesus’ authority</a:t>
-            </a:r>
-          </a:p>
-        </p:txBody>
-      </p:sp>
-      <p:sp>
-        <p:nvSpPr>
-          <p:cNvPr id="3" name="Text Placeholder 2"/>
-          <p:cNvSpPr>
-            <a:spLocks noGrp="1"/>
-          </p:cNvSpPr>
-          <p:nvPr>
-            <p:ph type="body" sz="quarter" idx="13"/>
-          </p:nvPr>
-        </p:nvSpPr>
-        <p:spPr/>
-        <p:txBody>
-          <a:bodyPr/>
-          <a:lstStyle/>
-          <a:p>
-            <a:r>
-              <a:rPr lang="en-US" dirty="0"/>
-              <a:t>1</a:t>
-            </a:r>
-          </a:p>
-        </p:txBody>
-      </p:sp>
+      <p:pic>
+        <p:nvPicPr>
+          <p:cNvPr id="3074" name="Picture 2">
+            <a:extLst>
+              <a:ext uri="{FF2B5EF4-FFF2-40B4-BE49-F238E27FC236}">
+                <a16:creationId xmlns:a16="http://schemas.microsoft.com/office/drawing/2014/main" id="{E11D6CA3-F4A1-F140-93AA-3150049DD1D1}"/>
+              </a:ext>
+            </a:extLst>
+          </p:cNvPr>
+          <p:cNvPicPr>
+            <a:picLocks noChangeAspect="1" noChangeArrowheads="1"/>
+          </p:cNvPicPr>
+          <p:nvPr/>
+        </p:nvPicPr>
+        <p:blipFill>
+          <a:blip r:embed="rId2">
+            <a:extLst>
+              <a:ext uri="{28A0092B-C50C-407E-A947-70E740481C1C}">
+                <a14:useLocalDpi xmlns:a14="http://schemas.microsoft.com/office/drawing/2010/main" val="0"/>
+              </a:ext>
+            </a:extLst>
+          </a:blip>
+          <a:srcRect/>
+          <a:stretch/>
+        </p:blipFill>
+        <p:spPr bwMode="auto">
+          <a:xfrm>
+            <a:off x="1981200" y="219287"/>
+            <a:ext cx="5181600" cy="6419426"/>
+          </a:xfrm>
+          <a:prstGeom prst="rect">
+            <a:avLst/>
+          </a:prstGeom>
+          <a:noFill/>
+          <a:extLst>
+            <a:ext uri="{909E8E84-426E-40DD-AFC4-6F175D3DCCD1}">
+              <a14:hiddenFill xmlns:a14="http://schemas.microsoft.com/office/drawing/2010/main">
+                <a:solidFill>
+                  <a:srgbClr val="FFFFFF"/>
+                </a:solidFill>
+              </a14:hiddenFill>
+            </a:ext>
+          </a:extLst>
+        </p:spPr>
+      </p:pic>
     </p:spTree>
     <p:extLst>
       <p:ext uri="{BB962C8B-B14F-4D97-AF65-F5344CB8AC3E}">
-        <p14:creationId xmlns:p14="http://schemas.microsoft.com/office/powerpoint/2010/main" val="2094317165"/>
+        <p14:creationId xmlns:p14="http://schemas.microsoft.com/office/powerpoint/2010/main" val="2852092003"/>
       </p:ext>
     </p:extLst>
   </p:cSld>
@@ -8991,6 +11957,158 @@
 </file>
 
 <file path=ppt/slides/slide3.xml><?xml version="1.0" encoding="utf-8"?>
+<p:sld xmlns:a="http://schemas.openxmlformats.org/drawingml/2006/main" xmlns:r="http://schemas.openxmlformats.org/officeDocument/2006/relationships" xmlns:p="http://schemas.openxmlformats.org/presentationml/2006/main">
+  <p:cSld>
+    <p:spTree>
+      <p:nvGrpSpPr>
+        <p:cNvPr id="1" name=""/>
+        <p:cNvGrpSpPr/>
+        <p:nvPr/>
+      </p:nvGrpSpPr>
+      <p:grpSpPr>
+        <a:xfrm>
+          <a:off x="0" y="0"/>
+          <a:ext cx="0" cy="0"/>
+          <a:chOff x="0" y="0"/>
+          <a:chExt cx="0" cy="0"/>
+        </a:xfrm>
+      </p:grpSpPr>
+      <p:pic>
+        <p:nvPicPr>
+          <p:cNvPr id="1026" name="Picture 2" descr="Forgotten Scriptures: The Selection and Rejection of Early Religious  Writings: McDonald, Lee Martin: 9780664233570: Amazon.com: Books">
+            <a:extLst>
+              <a:ext uri="{FF2B5EF4-FFF2-40B4-BE49-F238E27FC236}">
+                <a16:creationId xmlns:a16="http://schemas.microsoft.com/office/drawing/2014/main" id="{6007CDC8-332A-3144-A9BE-72F62F7193AC}"/>
+              </a:ext>
+            </a:extLst>
+          </p:cNvPr>
+          <p:cNvPicPr>
+            <a:picLocks noChangeAspect="1" noChangeArrowheads="1"/>
+          </p:cNvPicPr>
+          <p:nvPr/>
+        </p:nvPicPr>
+        <p:blipFill>
+          <a:blip r:embed="rId2">
+            <a:extLst>
+              <a:ext uri="{28A0092B-C50C-407E-A947-70E740481C1C}">
+                <a14:useLocalDpi xmlns:a14="http://schemas.microsoft.com/office/drawing/2010/main" val="0"/>
+              </a:ext>
+            </a:extLst>
+          </a:blip>
+          <a:srcRect/>
+          <a:stretch>
+            <a:fillRect/>
+          </a:stretch>
+        </p:blipFill>
+        <p:spPr bwMode="auto">
+          <a:xfrm>
+            <a:off x="2457450" y="260350"/>
+            <a:ext cx="4229100" cy="6337300"/>
+          </a:xfrm>
+          <a:prstGeom prst="rect">
+            <a:avLst/>
+          </a:prstGeom>
+          <a:noFill/>
+          <a:extLst>
+            <a:ext uri="{909E8E84-426E-40DD-AFC4-6F175D3DCCD1}">
+              <a14:hiddenFill xmlns:a14="http://schemas.microsoft.com/office/drawing/2010/main">
+                <a:solidFill>
+                  <a:srgbClr val="FFFFFF"/>
+                </a:solidFill>
+              </a14:hiddenFill>
+            </a:ext>
+          </a:extLst>
+        </p:spPr>
+      </p:pic>
+    </p:spTree>
+    <p:extLst>
+      <p:ext uri="{BB962C8B-B14F-4D97-AF65-F5344CB8AC3E}">
+        <p14:creationId xmlns:p14="http://schemas.microsoft.com/office/powerpoint/2010/main" val="3818021693"/>
+      </p:ext>
+    </p:extLst>
+  </p:cSld>
+  <p:clrMapOvr>
+    <a:masterClrMapping/>
+  </p:clrMapOvr>
+</p:sld>
+</file>
+
+<file path=ppt/slides/slide4.xml><?xml version="1.0" encoding="utf-8"?>
+<p:sld xmlns:a="http://schemas.openxmlformats.org/drawingml/2006/main" xmlns:r="http://schemas.openxmlformats.org/officeDocument/2006/relationships" xmlns:p="http://schemas.openxmlformats.org/presentationml/2006/main">
+  <p:cSld>
+    <p:spTree>
+      <p:nvGrpSpPr>
+        <p:cNvPr id="1" name=""/>
+        <p:cNvGrpSpPr/>
+        <p:nvPr/>
+      </p:nvGrpSpPr>
+      <p:grpSpPr>
+        <a:xfrm>
+          <a:off x="0" y="0"/>
+          <a:ext cx="0" cy="0"/>
+          <a:chOff x="0" y="0"/>
+          <a:chExt cx="0" cy="0"/>
+        </a:xfrm>
+      </p:grpSpPr>
+      <p:pic>
+        <p:nvPicPr>
+          <p:cNvPr id="4098" name="Picture 2" descr="Books – Page 3 – Zaytuna College Bookstore">
+            <a:extLst>
+              <a:ext uri="{FF2B5EF4-FFF2-40B4-BE49-F238E27FC236}">
+                <a16:creationId xmlns:a16="http://schemas.microsoft.com/office/drawing/2014/main" id="{52DB597D-268D-2D4D-A443-0D5BDED05556}"/>
+              </a:ext>
+            </a:extLst>
+          </p:cNvPr>
+          <p:cNvPicPr>
+            <a:picLocks noChangeAspect="1" noChangeArrowheads="1"/>
+          </p:cNvPicPr>
+          <p:nvPr/>
+        </p:nvPicPr>
+        <p:blipFill rotWithShape="1">
+          <a:blip r:embed="rId2">
+            <a:extLst>
+              <a:ext uri="{28A0092B-C50C-407E-A947-70E740481C1C}">
+                <a14:useLocalDpi xmlns:a14="http://schemas.microsoft.com/office/drawing/2010/main" val="0"/>
+              </a:ext>
+            </a:extLst>
+          </a:blip>
+          <a:srcRect l="17778" r="17778"/>
+          <a:stretch/>
+        </p:blipFill>
+        <p:spPr bwMode="auto">
+          <a:xfrm>
+            <a:off x="2362200" y="0"/>
+            <a:ext cx="4419600" cy="6858000"/>
+          </a:xfrm>
+          <a:prstGeom prst="rect">
+            <a:avLst/>
+          </a:prstGeom>
+          <a:noFill/>
+          <a:extLst>
+            <a:ext uri="{909E8E84-426E-40DD-AFC4-6F175D3DCCD1}">
+              <a14:hiddenFill xmlns:a14="http://schemas.microsoft.com/office/drawing/2010/main">
+                <a:solidFill>
+                  <a:srgbClr val="FFFFFF"/>
+                </a:solidFill>
+              </a14:hiddenFill>
+            </a:ext>
+          </a:extLst>
+        </p:spPr>
+      </p:pic>
+    </p:spTree>
+    <p:extLst>
+      <p:ext uri="{BB962C8B-B14F-4D97-AF65-F5344CB8AC3E}">
+        <p14:creationId xmlns:p14="http://schemas.microsoft.com/office/powerpoint/2010/main" val="754819667"/>
+      </p:ext>
+    </p:extLst>
+  </p:cSld>
+  <p:clrMapOvr>
+    <a:masterClrMapping/>
+  </p:clrMapOvr>
+</p:sld>
+</file>
+
+<file path=ppt/slides/slide5.xml><?xml version="1.0" encoding="utf-8"?>
 <p:sld xmlns:a="http://schemas.openxmlformats.org/drawingml/2006/main" xmlns:r="http://schemas.openxmlformats.org/officeDocument/2006/relationships" xmlns:p="http://schemas.openxmlformats.org/presentationml/2006/main">
   <p:cSld>
     <p:spTree>
@@ -9026,7 +12144,7 @@
           <a:p>
             <a:r>
               <a:rPr lang="en-US" dirty="0"/>
-              <a:t>Write down some observations regarding the following verses regarding the Apostles’ authority</a:t>
+              <a:t>Write down some observations regarding the following verses regarding Jesus’ authority</a:t>
             </a:r>
           </a:p>
         </p:txBody>
@@ -9048,7 +12166,7 @@
           <a:p>
             <a:r>
               <a:rPr lang="en-US" dirty="0"/>
-              <a:t>2</a:t>
+              <a:t>1</a:t>
             </a:r>
           </a:p>
         </p:txBody>
@@ -9056,7 +12174,7 @@
     </p:spTree>
     <p:extLst>
       <p:ext uri="{BB962C8B-B14F-4D97-AF65-F5344CB8AC3E}">
-        <p14:creationId xmlns:p14="http://schemas.microsoft.com/office/powerpoint/2010/main" val="1460304235"/>
+        <p14:creationId xmlns:p14="http://schemas.microsoft.com/office/powerpoint/2010/main" val="2094317165"/>
       </p:ext>
     </p:extLst>
   </p:cSld>
@@ -9066,7 +12184,7 @@
 </p:sld>
 </file>
 
-<file path=ppt/slides/slide4.xml><?xml version="1.0" encoding="utf-8"?>
+<file path=ppt/slides/slide6.xml><?xml version="1.0" encoding="utf-8"?>
 <p:sld xmlns:a="http://schemas.openxmlformats.org/drawingml/2006/main" xmlns:r="http://schemas.openxmlformats.org/officeDocument/2006/relationships" xmlns:p="http://schemas.openxmlformats.org/presentationml/2006/main">
   <p:cSld>
     <p:spTree>
@@ -9102,7 +12220,7 @@
           <a:p>
             <a:r>
               <a:rPr lang="en-US" dirty="0"/>
-              <a:t>Write down some observations regarding the authority of the Apostles’ writing</a:t>
+              <a:t>Write down some observations regarding the following verses regarding the Apostles’ authority</a:t>
             </a:r>
           </a:p>
         </p:txBody>
@@ -9124,6 +12242,82 @@
           <a:p>
             <a:r>
               <a:rPr lang="en-US" dirty="0"/>
+              <a:t>2</a:t>
+            </a:r>
+          </a:p>
+        </p:txBody>
+      </p:sp>
+    </p:spTree>
+    <p:extLst>
+      <p:ext uri="{BB962C8B-B14F-4D97-AF65-F5344CB8AC3E}">
+        <p14:creationId xmlns:p14="http://schemas.microsoft.com/office/powerpoint/2010/main" val="1460304235"/>
+      </p:ext>
+    </p:extLst>
+  </p:cSld>
+  <p:clrMapOvr>
+    <a:masterClrMapping/>
+  </p:clrMapOvr>
+</p:sld>
+</file>
+
+<file path=ppt/slides/slide7.xml><?xml version="1.0" encoding="utf-8"?>
+<p:sld xmlns:a="http://schemas.openxmlformats.org/drawingml/2006/main" xmlns:r="http://schemas.openxmlformats.org/officeDocument/2006/relationships" xmlns:p="http://schemas.openxmlformats.org/presentationml/2006/main">
+  <p:cSld>
+    <p:spTree>
+      <p:nvGrpSpPr>
+        <p:cNvPr id="1" name=""/>
+        <p:cNvGrpSpPr/>
+        <p:nvPr/>
+      </p:nvGrpSpPr>
+      <p:grpSpPr>
+        <a:xfrm>
+          <a:off x="0" y="0"/>
+          <a:ext cx="0" cy="0"/>
+          <a:chOff x="0" y="0"/>
+          <a:chExt cx="0" cy="0"/>
+        </a:xfrm>
+      </p:grpSpPr>
+      <p:sp>
+        <p:nvSpPr>
+          <p:cNvPr id="2" name="Title 1"/>
+          <p:cNvSpPr>
+            <a:spLocks noGrp="1"/>
+          </p:cNvSpPr>
+          <p:nvPr>
+            <p:ph type="title"/>
+          </p:nvPr>
+        </p:nvSpPr>
+        <p:spPr/>
+        <p:txBody>
+          <a:bodyPr>
+            <a:normAutofit fontScale="90000"/>
+          </a:bodyPr>
+          <a:lstStyle/>
+          <a:p>
+            <a:r>
+              <a:rPr lang="en-US" dirty="0"/>
+              <a:t>Write down some observations regarding the authority of the Apostles’ writing</a:t>
+            </a:r>
+          </a:p>
+        </p:txBody>
+      </p:sp>
+      <p:sp>
+        <p:nvSpPr>
+          <p:cNvPr id="3" name="Text Placeholder 2"/>
+          <p:cNvSpPr>
+            <a:spLocks noGrp="1"/>
+          </p:cNvSpPr>
+          <p:nvPr>
+            <p:ph type="body" sz="quarter" idx="13"/>
+          </p:nvPr>
+        </p:nvSpPr>
+        <p:spPr/>
+        <p:txBody>
+          <a:bodyPr/>
+          <a:lstStyle/>
+          <a:p>
+            <a:r>
+              <a:rPr lang="en-US" dirty="0"/>
               <a:t>3</a:t>
             </a:r>
           </a:p>
@@ -9142,7 +12336,7 @@
 </p:sld>
 </file>
 
-<file path=ppt/slides/slide5.xml><?xml version="1.0" encoding="utf-8"?>
+<file path=ppt/slides/slide8.xml><?xml version="1.0" encoding="utf-8"?>
 <p:sld xmlns:a="http://schemas.openxmlformats.org/drawingml/2006/main" xmlns:r="http://schemas.openxmlformats.org/officeDocument/2006/relationships" xmlns:p="http://schemas.openxmlformats.org/presentationml/2006/main">
   <p:cSld>
     <p:spTree>
@@ -9851,7 +13045,7 @@
 </p:sld>
 </file>
 
-<file path=ppt/slides/slide6.xml><?xml version="1.0" encoding="utf-8"?>
+<file path=ppt/slides/slide9.xml><?xml version="1.0" encoding="utf-8"?>
 <p:sld xmlns:a="http://schemas.openxmlformats.org/drawingml/2006/main" xmlns:r="http://schemas.openxmlformats.org/officeDocument/2006/relationships" xmlns:p="http://schemas.openxmlformats.org/presentationml/2006/main">
   <p:cSld>
     <p:spTree>
@@ -10987,2970 +14181,6 @@
     <p:bldLst>
       <p:bldP spid="6" grpId="0"/>
     </p:bldLst>
-  </p:timing>
-</p:sld>
-</file>
-
-<file path=ppt/slides/slide7.xml><?xml version="1.0" encoding="utf-8"?>
-<p:sld xmlns:a="http://schemas.openxmlformats.org/drawingml/2006/main" xmlns:r="http://schemas.openxmlformats.org/officeDocument/2006/relationships" xmlns:p="http://schemas.openxmlformats.org/presentationml/2006/main">
-  <p:cSld>
-    <p:spTree>
-      <p:nvGrpSpPr>
-        <p:cNvPr id="1" name=""/>
-        <p:cNvGrpSpPr/>
-        <p:nvPr/>
-      </p:nvGrpSpPr>
-      <p:grpSpPr>
-        <a:xfrm>
-          <a:off x="0" y="0"/>
-          <a:ext cx="0" cy="0"/>
-          <a:chOff x="0" y="0"/>
-          <a:chExt cx="0" cy="0"/>
-        </a:xfrm>
-      </p:grpSpPr>
-      <p:sp>
-        <p:nvSpPr>
-          <p:cNvPr id="6" name="TextBox 5"/>
-          <p:cNvSpPr txBox="1"/>
-          <p:nvPr/>
-        </p:nvSpPr>
-        <p:spPr>
-          <a:xfrm>
-            <a:off x="228600" y="152400"/>
-            <a:ext cx="8610600" cy="677108"/>
-          </a:xfrm>
-          <a:prstGeom prst="rect">
-            <a:avLst/>
-          </a:prstGeom>
-          <a:noFill/>
-        </p:spPr>
-        <p:txBody>
-          <a:bodyPr wrap="square" rtlCol="0">
-            <a:spAutoFit/>
-          </a:bodyPr>
-          <a:lstStyle/>
-          <a:p>
-            <a:r>
-              <a:rPr lang="en-US" sz="3800" b="1" dirty="0"/>
-              <a:t>Why the 27 Books of the New Testament?</a:t>
-            </a:r>
-          </a:p>
-        </p:txBody>
-      </p:sp>
-      <p:grpSp>
-        <p:nvGrpSpPr>
-          <p:cNvPr id="9" name="Group 8">
-            <a:extLst>
-              <a:ext uri="{FF2B5EF4-FFF2-40B4-BE49-F238E27FC236}">
-                <a16:creationId xmlns:a16="http://schemas.microsoft.com/office/drawing/2014/main" id="{55676BE1-B42E-AD44-9DD5-FF20BEB47F36}"/>
-              </a:ext>
-            </a:extLst>
-          </p:cNvPr>
-          <p:cNvGrpSpPr/>
-          <p:nvPr/>
-        </p:nvGrpSpPr>
-        <p:grpSpPr>
-          <a:xfrm>
-            <a:off x="533400" y="1833265"/>
-            <a:ext cx="8001000" cy="685800"/>
-            <a:chOff x="533400" y="1833265"/>
-            <a:chExt cx="8001000" cy="685800"/>
-          </a:xfrm>
-        </p:grpSpPr>
-        <p:sp>
-          <p:nvSpPr>
-            <p:cNvPr id="2" name="Oval 1">
-              <a:extLst>
-                <a:ext uri="{FF2B5EF4-FFF2-40B4-BE49-F238E27FC236}">
-                  <a16:creationId xmlns:a16="http://schemas.microsoft.com/office/drawing/2014/main" id="{876D5A54-0C8D-804B-88A0-6609A2C1405C}"/>
-                </a:ext>
-              </a:extLst>
-            </p:cNvPr>
-            <p:cNvSpPr/>
-            <p:nvPr/>
-          </p:nvSpPr>
-          <p:spPr>
-            <a:xfrm>
-              <a:off x="533400" y="1833265"/>
-              <a:ext cx="685800" cy="685800"/>
-            </a:xfrm>
-            <a:prstGeom prst="ellipse">
-              <a:avLst/>
-            </a:prstGeom>
-            <a:solidFill>
-              <a:srgbClr val="009EC0"/>
-            </a:solidFill>
-            <a:ln>
-              <a:noFill/>
-            </a:ln>
-          </p:spPr>
-          <p:style>
-            <a:lnRef idx="2">
-              <a:schemeClr val="accent1">
-                <a:shade val="50000"/>
-              </a:schemeClr>
-            </a:lnRef>
-            <a:fillRef idx="1">
-              <a:schemeClr val="accent1"/>
-            </a:fillRef>
-            <a:effectRef idx="0">
-              <a:schemeClr val="accent1"/>
-            </a:effectRef>
-            <a:fontRef idx="minor">
-              <a:schemeClr val="lt1"/>
-            </a:fontRef>
-          </p:style>
-          <p:txBody>
-            <a:bodyPr rtlCol="0" anchor="ctr"/>
-            <a:lstStyle/>
-            <a:p>
-              <a:pPr algn="ctr"/>
-              <a:r>
-                <a:rPr lang="en-US" sz="2800" dirty="0">
-                  <a:solidFill>
-                    <a:schemeClr val="tx1"/>
-                  </a:solidFill>
-                </a:rPr>
-                <a:t>1</a:t>
-              </a:r>
-            </a:p>
-          </p:txBody>
-        </p:sp>
-        <p:sp>
-          <p:nvSpPr>
-            <p:cNvPr id="10" name="Rectangle 9">
-              <a:extLst>
-                <a:ext uri="{FF2B5EF4-FFF2-40B4-BE49-F238E27FC236}">
-                  <a16:creationId xmlns:a16="http://schemas.microsoft.com/office/drawing/2014/main" id="{312C2DC5-5653-DC4B-98A2-76A0B8F08883}"/>
-                </a:ext>
-              </a:extLst>
-            </p:cNvPr>
-            <p:cNvSpPr/>
-            <p:nvPr/>
-          </p:nvSpPr>
-          <p:spPr>
-            <a:xfrm>
-              <a:off x="1447800" y="1833265"/>
-              <a:ext cx="7086600" cy="685800"/>
-            </a:xfrm>
-            <a:prstGeom prst="rect">
-              <a:avLst/>
-            </a:prstGeom>
-            <a:noFill/>
-            <a:ln>
-              <a:noFill/>
-            </a:ln>
-          </p:spPr>
-          <p:style>
-            <a:lnRef idx="2">
-              <a:schemeClr val="accent1">
-                <a:shade val="50000"/>
-              </a:schemeClr>
-            </a:lnRef>
-            <a:fillRef idx="1">
-              <a:schemeClr val="accent1"/>
-            </a:fillRef>
-            <a:effectRef idx="0">
-              <a:schemeClr val="accent1"/>
-            </a:effectRef>
-            <a:fontRef idx="minor">
-              <a:schemeClr val="lt1"/>
-            </a:fontRef>
-          </p:style>
-          <p:txBody>
-            <a:bodyPr rtlCol="0" anchor="ctr"/>
-            <a:lstStyle/>
-            <a:p>
-              <a:r>
-                <a:rPr lang="en-US" sz="2400" dirty="0">
-                  <a:solidFill>
-                    <a:schemeClr val="tx1"/>
-                  </a:solidFill>
-                </a:rPr>
-                <a:t>New Testament documents are </a:t>
-              </a:r>
-              <a:r>
-                <a:rPr lang="en-US" sz="2400" dirty="0">
-                  <a:solidFill>
-                    <a:schemeClr val="tx1"/>
-                  </a:solidFill>
-                  <a:highlight>
-                    <a:srgbClr val="C00002"/>
-                  </a:highlight>
-                </a:rPr>
-                <a:t> </a:t>
-              </a:r>
-              <a:r>
-                <a:rPr lang="en-US" sz="2400" b="1" dirty="0">
-                  <a:solidFill>
-                    <a:schemeClr val="tx1"/>
-                  </a:solidFill>
-                  <a:highlight>
-                    <a:srgbClr val="C00002"/>
-                  </a:highlight>
-                </a:rPr>
-                <a:t>the earliest </a:t>
-              </a:r>
-              <a:r>
-                <a:rPr lang="en-US" sz="2400" b="1" dirty="0">
-                  <a:solidFill>
-                    <a:schemeClr val="tx1"/>
-                  </a:solidFill>
-                </a:rPr>
-                <a:t> </a:t>
-              </a:r>
-              <a:r>
-                <a:rPr lang="en-US" sz="2400" dirty="0">
-                  <a:solidFill>
-                    <a:schemeClr val="tx1"/>
-                  </a:solidFill>
-                </a:rPr>
-                <a:t>Christian writings we have.</a:t>
-              </a:r>
-            </a:p>
-          </p:txBody>
-        </p:sp>
-      </p:grpSp>
-      <p:cxnSp>
-        <p:nvCxnSpPr>
-          <p:cNvPr id="8" name="Straight Connector 7">
-            <a:extLst>
-              <a:ext uri="{FF2B5EF4-FFF2-40B4-BE49-F238E27FC236}">
-                <a16:creationId xmlns:a16="http://schemas.microsoft.com/office/drawing/2014/main" id="{B1CE1C68-C736-2F42-AD3D-29FCB9A69CAD}"/>
-              </a:ext>
-            </a:extLst>
-          </p:cNvPr>
-          <p:cNvCxnSpPr>
-            <a:cxnSpLocks/>
-          </p:cNvCxnSpPr>
-          <p:nvPr/>
-        </p:nvCxnSpPr>
-        <p:spPr>
-          <a:xfrm>
-            <a:off x="228600" y="1066800"/>
-            <a:ext cx="2209800" cy="0"/>
-          </a:xfrm>
-          <a:prstGeom prst="line">
-            <a:avLst/>
-          </a:prstGeom>
-          <a:ln w="76200">
-            <a:solidFill>
-              <a:srgbClr val="009EC0"/>
-            </a:solidFill>
-          </a:ln>
-        </p:spPr>
-        <p:style>
-          <a:lnRef idx="1">
-            <a:schemeClr val="dk1"/>
-          </a:lnRef>
-          <a:fillRef idx="0">
-            <a:schemeClr val="dk1"/>
-          </a:fillRef>
-          <a:effectRef idx="0">
-            <a:schemeClr val="dk1"/>
-          </a:effectRef>
-          <a:fontRef idx="minor">
-            <a:schemeClr val="tx1"/>
-          </a:fontRef>
-        </p:style>
-      </p:cxnSp>
-      <p:graphicFrame>
-        <p:nvGraphicFramePr>
-          <p:cNvPr id="11" name="Table 10">
-            <a:extLst>
-              <a:ext uri="{FF2B5EF4-FFF2-40B4-BE49-F238E27FC236}">
-                <a16:creationId xmlns:a16="http://schemas.microsoft.com/office/drawing/2014/main" id="{ED050BF4-E2C9-094B-A264-CEBAD9ADF305}"/>
-              </a:ext>
-            </a:extLst>
-          </p:cNvPr>
-          <p:cNvGraphicFramePr>
-            <a:graphicFrameLocks noGrp="1"/>
-          </p:cNvGraphicFramePr>
-          <p:nvPr>
-            <p:extLst>
-              <p:ext uri="{D42A27DB-BD31-4B8C-83A1-F6EECF244321}">
-                <p14:modId xmlns:p14="http://schemas.microsoft.com/office/powerpoint/2010/main" val="2896373005"/>
-              </p:ext>
-            </p:extLst>
-          </p:nvPr>
-        </p:nvGraphicFramePr>
-        <p:xfrm>
-          <a:off x="1600200" y="2874049"/>
-          <a:ext cx="7162800" cy="822960"/>
-        </p:xfrm>
-        <a:graphic>
-          <a:graphicData uri="http://schemas.openxmlformats.org/drawingml/2006/table">
-            <a:tbl>
-              <a:tblPr firstRow="1" bandRow="1">
-                <a:tableStyleId>{2D5ABB26-0587-4C30-8999-92F81FD0307C}</a:tableStyleId>
-              </a:tblPr>
-              <a:tblGrid>
-                <a:gridCol w="7162800">
-                  <a:extLst>
-                    <a:ext uri="{9D8B030D-6E8A-4147-A177-3AD203B41FA5}">
-                      <a16:colId xmlns:a16="http://schemas.microsoft.com/office/drawing/2014/main" val="1107341750"/>
-                    </a:ext>
-                  </a:extLst>
-                </a:gridCol>
-              </a:tblGrid>
-              <a:tr h="370840">
-                <a:tc>
-                  <a:txBody>
-                    <a:bodyPr/>
-                    <a:lstStyle/>
-                    <a:p>
-                      <a:r>
-                        <a:rPr lang="en-US" sz="2400" dirty="0"/>
-                        <a:t>All of the apocryphal “Gospels” are second century or later (too late to be eyewitness testimony)</a:t>
-                      </a:r>
-                      <a:endParaRPr lang="en-US" sz="2400" b="0" dirty="0"/>
-                    </a:p>
-                  </a:txBody>
-                  <a:tcPr marL="182880">
-                    <a:lnL w="57150" cap="flat" cmpd="sng" algn="ctr">
-                      <a:solidFill>
-                        <a:schemeClr val="bg1">
-                          <a:lumMod val="75000"/>
-                          <a:lumOff val="25000"/>
-                        </a:schemeClr>
-                      </a:solidFill>
-                      <a:prstDash val="solid"/>
-                      <a:round/>
-                      <a:headEnd type="none" w="med" len="med"/>
-                      <a:tailEnd type="none" w="med" len="med"/>
-                    </a:lnL>
-                    <a:lnR>
-                      <a:noFill/>
-                    </a:lnR>
-                    <a:lnT>
-                      <a:noFill/>
-                    </a:lnT>
-                    <a:lnB>
-                      <a:noFill/>
-                    </a:lnB>
-                    <a:lnTlToBr w="12700" cmpd="sng">
-                      <a:noFill/>
-                      <a:prstDash val="solid"/>
-                    </a:lnTlToBr>
-                    <a:lnBlToTr w="12700" cmpd="sng">
-                      <a:noFill/>
-                      <a:prstDash val="solid"/>
-                    </a:lnBlToTr>
-                  </a:tcPr>
-                </a:tc>
-                <a:extLst>
-                  <a:ext uri="{0D108BD9-81ED-4DB2-BD59-A6C34878D82A}">
-                    <a16:rowId xmlns:a16="http://schemas.microsoft.com/office/drawing/2014/main" val="1984863204"/>
-                  </a:ext>
-                </a:extLst>
-              </a:tr>
-            </a:tbl>
-          </a:graphicData>
-        </a:graphic>
-      </p:graphicFrame>
-      <p:graphicFrame>
-        <p:nvGraphicFramePr>
-          <p:cNvPr id="20" name="Table 19">
-            <a:extLst>
-              <a:ext uri="{FF2B5EF4-FFF2-40B4-BE49-F238E27FC236}">
-                <a16:creationId xmlns:a16="http://schemas.microsoft.com/office/drawing/2014/main" id="{EF48FFC8-475C-D347-8F3E-77A67D2BC0C9}"/>
-              </a:ext>
-            </a:extLst>
-          </p:cNvPr>
-          <p:cNvGraphicFramePr>
-            <a:graphicFrameLocks noGrp="1"/>
-          </p:cNvGraphicFramePr>
-          <p:nvPr>
-            <p:extLst>
-              <p:ext uri="{D42A27DB-BD31-4B8C-83A1-F6EECF244321}">
-                <p14:modId xmlns:p14="http://schemas.microsoft.com/office/powerpoint/2010/main" val="3018187854"/>
-              </p:ext>
-            </p:extLst>
-          </p:nvPr>
-        </p:nvGraphicFramePr>
-        <p:xfrm>
-          <a:off x="1600200" y="4051993"/>
-          <a:ext cx="7162800" cy="822960"/>
-        </p:xfrm>
-        <a:graphic>
-          <a:graphicData uri="http://schemas.openxmlformats.org/drawingml/2006/table">
-            <a:tbl>
-              <a:tblPr firstRow="1" bandRow="1">
-                <a:tableStyleId>{2D5ABB26-0587-4C30-8999-92F81FD0307C}</a:tableStyleId>
-              </a:tblPr>
-              <a:tblGrid>
-                <a:gridCol w="7162800">
-                  <a:extLst>
-                    <a:ext uri="{9D8B030D-6E8A-4147-A177-3AD203B41FA5}">
-                      <a16:colId xmlns:a16="http://schemas.microsoft.com/office/drawing/2014/main" val="1107341750"/>
-                    </a:ext>
-                  </a:extLst>
-                </a:gridCol>
-              </a:tblGrid>
-              <a:tr h="370840">
-                <a:tc>
-                  <a:txBody>
-                    <a:bodyPr/>
-                    <a:lstStyle/>
-                    <a:p>
-                      <a:r>
-                        <a:rPr lang="en-US" sz="2400" dirty="0"/>
-                        <a:t>Only one Christian document from the first century isn’t in the New Testament is 1</a:t>
-                      </a:r>
-                      <a:r>
-                        <a:rPr lang="en-US" sz="2400" baseline="30000" dirty="0"/>
-                        <a:t>st</a:t>
-                      </a:r>
-                      <a:r>
-                        <a:rPr lang="en-US" sz="2400" dirty="0"/>
-                        <a:t> Clement (96 A.D.)</a:t>
-                      </a:r>
-                      <a:endParaRPr lang="en-US" sz="2400" b="0" dirty="0"/>
-                    </a:p>
-                  </a:txBody>
-                  <a:tcPr marL="182880">
-                    <a:lnL w="57150" cap="flat" cmpd="sng" algn="ctr">
-                      <a:solidFill>
-                        <a:schemeClr val="bg1">
-                          <a:lumMod val="75000"/>
-                          <a:lumOff val="25000"/>
-                        </a:schemeClr>
-                      </a:solidFill>
-                      <a:prstDash val="solid"/>
-                      <a:round/>
-                      <a:headEnd type="none" w="med" len="med"/>
-                      <a:tailEnd type="none" w="med" len="med"/>
-                    </a:lnL>
-                    <a:lnR>
-                      <a:noFill/>
-                    </a:lnR>
-                    <a:lnT>
-                      <a:noFill/>
-                    </a:lnT>
-                    <a:lnB>
-                      <a:noFill/>
-                    </a:lnB>
-                    <a:lnTlToBr w="12700" cmpd="sng">
-                      <a:noFill/>
-                      <a:prstDash val="solid"/>
-                    </a:lnTlToBr>
-                    <a:lnBlToTr w="12700" cmpd="sng">
-                      <a:noFill/>
-                      <a:prstDash val="solid"/>
-                    </a:lnBlToTr>
-                  </a:tcPr>
-                </a:tc>
-                <a:extLst>
-                  <a:ext uri="{0D108BD9-81ED-4DB2-BD59-A6C34878D82A}">
-                    <a16:rowId xmlns:a16="http://schemas.microsoft.com/office/drawing/2014/main" val="1984863204"/>
-                  </a:ext>
-                </a:extLst>
-              </a:tr>
-            </a:tbl>
-          </a:graphicData>
-        </a:graphic>
-      </p:graphicFrame>
-    </p:spTree>
-    <p:extLst>
-      <p:ext uri="{BB962C8B-B14F-4D97-AF65-F5344CB8AC3E}">
-        <p14:creationId xmlns:p14="http://schemas.microsoft.com/office/powerpoint/2010/main" val="2020240582"/>
-      </p:ext>
-    </p:extLst>
-  </p:cSld>
-  <p:clrMapOvr>
-    <a:masterClrMapping/>
-  </p:clrMapOvr>
-  <p:timing>
-    <p:tnLst>
-      <p:par>
-        <p:cTn id="1" dur="indefinite" restart="never" nodeType="tmRoot">
-          <p:childTnLst>
-            <p:seq concurrent="1" nextAc="seek">
-              <p:cTn id="2" dur="indefinite" nodeType="mainSeq">
-                <p:childTnLst>
-                  <p:par>
-                    <p:cTn id="3" fill="hold">
-                      <p:stCondLst>
-                        <p:cond delay="indefinite"/>
-                      </p:stCondLst>
-                      <p:childTnLst>
-                        <p:par>
-                          <p:cTn id="4" fill="hold">
-                            <p:stCondLst>
-                              <p:cond delay="0"/>
-                            </p:stCondLst>
-                            <p:childTnLst>
-                              <p:par>
-                                <p:cTn id="5" presetID="10" presetClass="entr" presetSubtype="0" fill="hold" nodeType="clickEffect">
-                                  <p:stCondLst>
-                                    <p:cond delay="0"/>
-                                  </p:stCondLst>
-                                  <p:childTnLst>
-                                    <p:set>
-                                      <p:cBhvr>
-                                        <p:cTn id="6" dur="1" fill="hold">
-                                          <p:stCondLst>
-                                            <p:cond delay="0"/>
-                                          </p:stCondLst>
-                                        </p:cTn>
-                                        <p:tgtEl>
-                                          <p:spTgt spid="11"/>
-                                        </p:tgtEl>
-                                        <p:attrNameLst>
-                                          <p:attrName>style.visibility</p:attrName>
-                                        </p:attrNameLst>
-                                      </p:cBhvr>
-                                      <p:to>
-                                        <p:strVal val="visible"/>
-                                      </p:to>
-                                    </p:set>
-                                    <p:animEffect transition="in" filter="fade">
-                                      <p:cBhvr>
-                                        <p:cTn id="7" dur="250"/>
-                                        <p:tgtEl>
-                                          <p:spTgt spid="11"/>
-                                        </p:tgtEl>
-                                      </p:cBhvr>
-                                    </p:animEffect>
-                                  </p:childTnLst>
-                                </p:cTn>
-                              </p:par>
-                            </p:childTnLst>
-                          </p:cTn>
-                        </p:par>
-                      </p:childTnLst>
-                    </p:cTn>
-                  </p:par>
-                  <p:par>
-                    <p:cTn id="8" fill="hold">
-                      <p:stCondLst>
-                        <p:cond delay="indefinite"/>
-                      </p:stCondLst>
-                      <p:childTnLst>
-                        <p:par>
-                          <p:cTn id="9" fill="hold">
-                            <p:stCondLst>
-                              <p:cond delay="0"/>
-                            </p:stCondLst>
-                            <p:childTnLst>
-                              <p:par>
-                                <p:cTn id="10" presetID="10" presetClass="entr" presetSubtype="0" fill="hold" nodeType="clickEffect">
-                                  <p:stCondLst>
-                                    <p:cond delay="0"/>
-                                  </p:stCondLst>
-                                  <p:childTnLst>
-                                    <p:set>
-                                      <p:cBhvr>
-                                        <p:cTn id="11" dur="1" fill="hold">
-                                          <p:stCondLst>
-                                            <p:cond delay="0"/>
-                                          </p:stCondLst>
-                                        </p:cTn>
-                                        <p:tgtEl>
-                                          <p:spTgt spid="20"/>
-                                        </p:tgtEl>
-                                        <p:attrNameLst>
-                                          <p:attrName>style.visibility</p:attrName>
-                                        </p:attrNameLst>
-                                      </p:cBhvr>
-                                      <p:to>
-                                        <p:strVal val="visible"/>
-                                      </p:to>
-                                    </p:set>
-                                    <p:animEffect transition="in" filter="fade">
-                                      <p:cBhvr>
-                                        <p:cTn id="12" dur="250"/>
-                                        <p:tgtEl>
-                                          <p:spTgt spid="20"/>
-                                        </p:tgtEl>
-                                      </p:cBhvr>
-                                    </p:animEffect>
-                                  </p:childTnLst>
-                                </p:cTn>
-                              </p:par>
-                            </p:childTnLst>
-                          </p:cTn>
-                        </p:par>
-                      </p:childTnLst>
-                    </p:cTn>
-                  </p:par>
-                </p:childTnLst>
-              </p:cTn>
-              <p:prevCondLst>
-                <p:cond evt="onPrev" delay="0">
-                  <p:tgtEl>
-                    <p:sldTgt/>
-                  </p:tgtEl>
-                </p:cond>
-              </p:prevCondLst>
-              <p:nextCondLst>
-                <p:cond evt="onNext" delay="0">
-                  <p:tgtEl>
-                    <p:sldTgt/>
-                  </p:tgtEl>
-                </p:cond>
-              </p:nextCondLst>
-            </p:seq>
-          </p:childTnLst>
-        </p:cTn>
-      </p:par>
-    </p:tnLst>
-  </p:timing>
-</p:sld>
-</file>
-
-<file path=ppt/slides/slide8.xml><?xml version="1.0" encoding="utf-8"?>
-<p:sld xmlns:a="http://schemas.openxmlformats.org/drawingml/2006/main" xmlns:r="http://schemas.openxmlformats.org/officeDocument/2006/relationships" xmlns:p="http://schemas.openxmlformats.org/presentationml/2006/main">
-  <p:cSld>
-    <p:spTree>
-      <p:nvGrpSpPr>
-        <p:cNvPr id="1" name=""/>
-        <p:cNvGrpSpPr/>
-        <p:nvPr/>
-      </p:nvGrpSpPr>
-      <p:grpSpPr>
-        <a:xfrm>
-          <a:off x="0" y="0"/>
-          <a:ext cx="0" cy="0"/>
-          <a:chOff x="0" y="0"/>
-          <a:chExt cx="0" cy="0"/>
-        </a:xfrm>
-      </p:grpSpPr>
-      <p:grpSp>
-        <p:nvGrpSpPr>
-          <p:cNvPr id="19" name="Group 18">
-            <a:extLst>
-              <a:ext uri="{FF2B5EF4-FFF2-40B4-BE49-F238E27FC236}">
-                <a16:creationId xmlns:a16="http://schemas.microsoft.com/office/drawing/2014/main" id="{04E26363-E7DC-C841-82F3-22E0683E4EAD}"/>
-              </a:ext>
-            </a:extLst>
-          </p:cNvPr>
-          <p:cNvGrpSpPr/>
-          <p:nvPr/>
-        </p:nvGrpSpPr>
-        <p:grpSpPr>
-          <a:xfrm>
-            <a:off x="8184345" y="3352800"/>
-            <a:ext cx="1236084" cy="737175"/>
-            <a:chOff x="8184345" y="3352800"/>
-            <a:chExt cx="1236084" cy="737175"/>
-          </a:xfrm>
-        </p:grpSpPr>
-        <p:cxnSp>
-          <p:nvCxnSpPr>
-            <p:cNvPr id="43" name="Elbow Connector 42">
-              <a:extLst>
-                <a:ext uri="{FF2B5EF4-FFF2-40B4-BE49-F238E27FC236}">
-                  <a16:creationId xmlns:a16="http://schemas.microsoft.com/office/drawing/2014/main" id="{02926E9E-B605-354E-AFC6-2B2A5B337C44}"/>
-                </a:ext>
-              </a:extLst>
-            </p:cNvPr>
-            <p:cNvCxnSpPr>
-              <a:cxnSpLocks/>
-              <a:stCxn id="42" idx="1"/>
-            </p:cNvCxnSpPr>
-            <p:nvPr/>
-          </p:nvCxnSpPr>
-          <p:spPr>
-            <a:xfrm rot="10800000">
-              <a:off x="8184345" y="3352800"/>
-              <a:ext cx="150258" cy="444788"/>
-            </a:xfrm>
-            <a:prstGeom prst="bentConnector2">
-              <a:avLst/>
-            </a:prstGeom>
-            <a:ln>
-              <a:solidFill>
-                <a:srgbClr val="C00002"/>
-              </a:solidFill>
-            </a:ln>
-          </p:spPr>
-          <p:style>
-            <a:lnRef idx="1">
-              <a:schemeClr val="accent1"/>
-            </a:lnRef>
-            <a:fillRef idx="0">
-              <a:schemeClr val="accent1"/>
-            </a:fillRef>
-            <a:effectRef idx="0">
-              <a:schemeClr val="accent1"/>
-            </a:effectRef>
-            <a:fontRef idx="minor">
-              <a:schemeClr val="tx1"/>
-            </a:fontRef>
-          </p:style>
-        </p:cxnSp>
-        <p:sp>
-          <p:nvSpPr>
-            <p:cNvPr id="42" name="TextBox 41">
-              <a:extLst>
-                <a:ext uri="{FF2B5EF4-FFF2-40B4-BE49-F238E27FC236}">
-                  <a16:creationId xmlns:a16="http://schemas.microsoft.com/office/drawing/2014/main" id="{D52310CD-A57A-134B-B22B-2538138D3AE8}"/>
-                </a:ext>
-              </a:extLst>
-            </p:cNvPr>
-            <p:cNvSpPr txBox="1"/>
-            <p:nvPr/>
-          </p:nvSpPr>
-          <p:spPr>
-            <a:xfrm>
-              <a:off x="8334603" y="3505200"/>
-              <a:ext cx="1085826" cy="584775"/>
-            </a:xfrm>
-            <a:prstGeom prst="rect">
-              <a:avLst/>
-            </a:prstGeom>
-            <a:noFill/>
-          </p:spPr>
-          <p:txBody>
-            <a:bodyPr wrap="square" rtlCol="0">
-              <a:spAutoFit/>
-            </a:bodyPr>
-            <a:lstStyle/>
-            <a:p>
-              <a:r>
-                <a:rPr lang="en-US" sz="1600" dirty="0">
-                  <a:solidFill>
-                    <a:srgbClr val="D7D7D7"/>
-                  </a:solidFill>
-                </a:rPr>
-                <a:t>1</a:t>
-              </a:r>
-              <a:r>
-                <a:rPr lang="en-US" sz="1600" baseline="30000" dirty="0">
-                  <a:solidFill>
-                    <a:srgbClr val="D7D7D7"/>
-                  </a:solidFill>
-                </a:rPr>
-                <a:t>st</a:t>
-              </a:r>
-              <a:r>
-                <a:rPr lang="en-US" sz="1600" dirty="0">
-                  <a:solidFill>
-                    <a:srgbClr val="D7D7D7"/>
-                  </a:solidFill>
-                </a:rPr>
-                <a:t> Clement</a:t>
-              </a:r>
-            </a:p>
-          </p:txBody>
-        </p:sp>
-      </p:grpSp>
-      <p:grpSp>
-        <p:nvGrpSpPr>
-          <p:cNvPr id="27" name="Group 26">
-            <a:extLst>
-              <a:ext uri="{FF2B5EF4-FFF2-40B4-BE49-F238E27FC236}">
-                <a16:creationId xmlns:a16="http://schemas.microsoft.com/office/drawing/2014/main" id="{2C622D7D-3B93-F84B-A0F8-6EF8C8500D0F}"/>
-              </a:ext>
-            </a:extLst>
-          </p:cNvPr>
-          <p:cNvGrpSpPr/>
-          <p:nvPr/>
-        </p:nvGrpSpPr>
-        <p:grpSpPr>
-          <a:xfrm>
-            <a:off x="4401704" y="3351240"/>
-            <a:ext cx="3673354" cy="2501498"/>
-            <a:chOff x="4401704" y="3351240"/>
-            <a:chExt cx="3673354" cy="2501498"/>
-          </a:xfrm>
-        </p:grpSpPr>
-        <p:sp>
-          <p:nvSpPr>
-            <p:cNvPr id="49" name="Rectangle 48">
-              <a:extLst>
-                <a:ext uri="{FF2B5EF4-FFF2-40B4-BE49-F238E27FC236}">
-                  <a16:creationId xmlns:a16="http://schemas.microsoft.com/office/drawing/2014/main" id="{DE5DA8E8-807A-C04E-9D3F-392BB3FFDBB4}"/>
-                </a:ext>
-              </a:extLst>
-            </p:cNvPr>
-            <p:cNvSpPr/>
-            <p:nvPr/>
-          </p:nvSpPr>
-          <p:spPr>
-            <a:xfrm>
-              <a:off x="4401706" y="5523908"/>
-              <a:ext cx="3673352" cy="328830"/>
-            </a:xfrm>
-            <a:prstGeom prst="rect">
-              <a:avLst/>
-            </a:prstGeom>
-            <a:solidFill>
-              <a:srgbClr val="CB5B0E"/>
-            </a:solidFill>
-            <a:ln>
-              <a:noFill/>
-            </a:ln>
-            <a:effectLst/>
-          </p:spPr>
-          <p:style>
-            <a:lnRef idx="1">
-              <a:schemeClr val="accent1"/>
-            </a:lnRef>
-            <a:fillRef idx="3">
-              <a:schemeClr val="accent1"/>
-            </a:fillRef>
-            <a:effectRef idx="2">
-              <a:schemeClr val="accent1"/>
-            </a:effectRef>
-            <a:fontRef idx="minor">
-              <a:schemeClr val="lt1"/>
-            </a:fontRef>
-          </p:style>
-          <p:txBody>
-            <a:bodyPr rtlCol="0" anchor="ctr"/>
-            <a:lstStyle/>
-            <a:p>
-              <a:pPr algn="ctr"/>
-              <a:endParaRPr lang="en-US"/>
-            </a:p>
-          </p:txBody>
-        </p:sp>
-        <p:grpSp>
-          <p:nvGrpSpPr>
-            <p:cNvPr id="50" name="Group 49">
-              <a:extLst>
-                <a:ext uri="{FF2B5EF4-FFF2-40B4-BE49-F238E27FC236}">
-                  <a16:creationId xmlns:a16="http://schemas.microsoft.com/office/drawing/2014/main" id="{447BE02C-41BD-CF4C-B68E-2EFB9897ADA0}"/>
-                </a:ext>
-              </a:extLst>
-            </p:cNvPr>
-            <p:cNvGrpSpPr/>
-            <p:nvPr/>
-          </p:nvGrpSpPr>
-          <p:grpSpPr>
-            <a:xfrm>
-              <a:off x="4401704" y="3351240"/>
-              <a:ext cx="3666851" cy="2501496"/>
-              <a:chOff x="2905051" y="3351941"/>
-              <a:chExt cx="1898915" cy="1932023"/>
-            </a:xfrm>
-          </p:grpSpPr>
-          <p:sp>
-            <p:nvSpPr>
-              <p:cNvPr id="52" name="Rectangle 51">
-                <a:extLst>
-                  <a:ext uri="{FF2B5EF4-FFF2-40B4-BE49-F238E27FC236}">
-                    <a16:creationId xmlns:a16="http://schemas.microsoft.com/office/drawing/2014/main" id="{421C0AE6-8A7C-E049-B276-14E0C690B4E9}"/>
-                  </a:ext>
-                </a:extLst>
-              </p:cNvPr>
-              <p:cNvSpPr/>
-              <p:nvPr/>
-            </p:nvSpPr>
-            <p:spPr>
-              <a:xfrm>
-                <a:off x="2908419" y="3351941"/>
-                <a:ext cx="1895547" cy="1914911"/>
-              </a:xfrm>
-              <a:prstGeom prst="rect">
-                <a:avLst/>
-              </a:prstGeom>
-              <a:noFill/>
-              <a:ln w="12700">
-                <a:solidFill>
-                  <a:srgbClr val="CB5B0E"/>
-                </a:solidFill>
-              </a:ln>
-            </p:spPr>
-            <p:style>
-              <a:lnRef idx="2">
-                <a:schemeClr val="accent1">
-                  <a:shade val="50000"/>
-                </a:schemeClr>
-              </a:lnRef>
-              <a:fillRef idx="1">
-                <a:schemeClr val="accent1"/>
-              </a:fillRef>
-              <a:effectRef idx="0">
-                <a:schemeClr val="accent1"/>
-              </a:effectRef>
-              <a:fontRef idx="minor">
-                <a:schemeClr val="lt1"/>
-              </a:fontRef>
-            </p:style>
-            <p:txBody>
-              <a:bodyPr rtlCol="0" anchor="ctr"/>
-              <a:lstStyle/>
-              <a:p>
-                <a:pPr algn="ctr"/>
-                <a:endParaRPr lang="en-US"/>
-              </a:p>
-            </p:txBody>
-          </p:sp>
-          <p:sp>
-            <p:nvSpPr>
-              <p:cNvPr id="54" name="TextBox 53">
-                <a:extLst>
-                  <a:ext uri="{FF2B5EF4-FFF2-40B4-BE49-F238E27FC236}">
-                    <a16:creationId xmlns:a16="http://schemas.microsoft.com/office/drawing/2014/main" id="{AA1E3D78-E645-BD4F-B9DC-A8B7C9AF72FE}"/>
-                  </a:ext>
-                </a:extLst>
-              </p:cNvPr>
-              <p:cNvSpPr txBox="1"/>
-              <p:nvPr/>
-            </p:nvSpPr>
-            <p:spPr>
-              <a:xfrm>
-                <a:off x="2905051" y="5046253"/>
-                <a:ext cx="1895547" cy="237711"/>
-              </a:xfrm>
-              <a:prstGeom prst="rect">
-                <a:avLst/>
-              </a:prstGeom>
-              <a:noFill/>
-            </p:spPr>
-            <p:txBody>
-              <a:bodyPr wrap="square" rtlCol="0">
-                <a:spAutoFit/>
-              </a:bodyPr>
-              <a:lstStyle/>
-              <a:p>
-                <a:pPr algn="ctr"/>
-                <a:r>
-                  <a:rPr lang="en-US" sz="1400" b="1" dirty="0">
-                    <a:solidFill>
-                      <a:schemeClr val="bg1"/>
-                    </a:solidFill>
-                  </a:rPr>
-                  <a:t>Earliest Christian Documents (New Testament)</a:t>
-                </a:r>
-                <a:endParaRPr lang="en-US" sz="1200" b="1" dirty="0">
-                  <a:solidFill>
-                    <a:schemeClr val="bg1"/>
-                  </a:solidFill>
-                </a:endParaRPr>
-              </a:p>
-            </p:txBody>
-          </p:sp>
-        </p:grpSp>
-      </p:grpSp>
-      <p:grpSp>
-        <p:nvGrpSpPr>
-          <p:cNvPr id="26" name="Group 25">
-            <a:extLst>
-              <a:ext uri="{FF2B5EF4-FFF2-40B4-BE49-F238E27FC236}">
-                <a16:creationId xmlns:a16="http://schemas.microsoft.com/office/drawing/2014/main" id="{1FA8C76B-CD9D-2841-8811-9E41A81D561F}"/>
-              </a:ext>
-            </a:extLst>
-          </p:cNvPr>
-          <p:cNvGrpSpPr/>
-          <p:nvPr/>
-        </p:nvGrpSpPr>
-        <p:grpSpPr>
-          <a:xfrm>
-            <a:off x="2902798" y="1419196"/>
-            <a:ext cx="1904303" cy="1933604"/>
-            <a:chOff x="2902798" y="3343248"/>
-            <a:chExt cx="1904303" cy="1933604"/>
-          </a:xfrm>
-        </p:grpSpPr>
-        <p:sp>
-          <p:nvSpPr>
-            <p:cNvPr id="40" name="Rectangle 39">
-              <a:extLst>
-                <a:ext uri="{FF2B5EF4-FFF2-40B4-BE49-F238E27FC236}">
-                  <a16:creationId xmlns:a16="http://schemas.microsoft.com/office/drawing/2014/main" id="{2ABAC20C-8568-6C44-B3CA-D5906376B57A}"/>
-                </a:ext>
-              </a:extLst>
-            </p:cNvPr>
-            <p:cNvSpPr/>
-            <p:nvPr/>
-          </p:nvSpPr>
-          <p:spPr>
-            <a:xfrm>
-              <a:off x="2902798" y="3352350"/>
-              <a:ext cx="1895547" cy="298675"/>
-            </a:xfrm>
-            <a:prstGeom prst="rect">
-              <a:avLst/>
-            </a:prstGeom>
-            <a:solidFill>
-              <a:srgbClr val="CB5B0E"/>
-            </a:solidFill>
-            <a:ln>
-              <a:noFill/>
-            </a:ln>
-            <a:effectLst/>
-          </p:spPr>
-          <p:style>
-            <a:lnRef idx="1">
-              <a:schemeClr val="accent1"/>
-            </a:lnRef>
-            <a:fillRef idx="3">
-              <a:schemeClr val="accent1"/>
-            </a:fillRef>
-            <a:effectRef idx="2">
-              <a:schemeClr val="accent1"/>
-            </a:effectRef>
-            <a:fontRef idx="minor">
-              <a:schemeClr val="lt1"/>
-            </a:fontRef>
-          </p:style>
-          <p:txBody>
-            <a:bodyPr rtlCol="0" anchor="ctr"/>
-            <a:lstStyle/>
-            <a:p>
-              <a:pPr algn="ctr"/>
-              <a:endParaRPr lang="en-US"/>
-            </a:p>
-          </p:txBody>
-        </p:sp>
-        <p:grpSp>
-          <p:nvGrpSpPr>
-            <p:cNvPr id="25" name="Group 24">
-              <a:extLst>
-                <a:ext uri="{FF2B5EF4-FFF2-40B4-BE49-F238E27FC236}">
-                  <a16:creationId xmlns:a16="http://schemas.microsoft.com/office/drawing/2014/main" id="{D22BF0FC-AD57-2940-A6A4-9C0584B0708F}"/>
-                </a:ext>
-              </a:extLst>
-            </p:cNvPr>
-            <p:cNvGrpSpPr/>
-            <p:nvPr/>
-          </p:nvGrpSpPr>
-          <p:grpSpPr>
-            <a:xfrm>
-              <a:off x="2905052" y="3343248"/>
-              <a:ext cx="1902049" cy="1933604"/>
-              <a:chOff x="2905052" y="3343248"/>
-              <a:chExt cx="1902049" cy="1933604"/>
-            </a:xfrm>
-          </p:grpSpPr>
-          <p:sp>
-            <p:nvSpPr>
-              <p:cNvPr id="20" name="Rectangle 19">
-                <a:extLst>
-                  <a:ext uri="{FF2B5EF4-FFF2-40B4-BE49-F238E27FC236}">
-                    <a16:creationId xmlns:a16="http://schemas.microsoft.com/office/drawing/2014/main" id="{CA50193E-BCCA-7B44-A238-4E76B711A278}"/>
-                  </a:ext>
-                </a:extLst>
-              </p:cNvPr>
-              <p:cNvSpPr/>
-              <p:nvPr/>
-            </p:nvSpPr>
-            <p:spPr>
-              <a:xfrm>
-                <a:off x="2905052" y="3354323"/>
-                <a:ext cx="1895547" cy="1922529"/>
-              </a:xfrm>
-              <a:prstGeom prst="rect">
-                <a:avLst/>
-              </a:prstGeom>
-              <a:noFill/>
-              <a:ln w="12700">
-                <a:solidFill>
-                  <a:srgbClr val="CB5B0E"/>
-                </a:solidFill>
-              </a:ln>
-            </p:spPr>
-            <p:style>
-              <a:lnRef idx="2">
-                <a:schemeClr val="accent1">
-                  <a:shade val="50000"/>
-                </a:schemeClr>
-              </a:lnRef>
-              <a:fillRef idx="1">
-                <a:schemeClr val="accent1"/>
-              </a:fillRef>
-              <a:effectRef idx="0">
-                <a:schemeClr val="accent1"/>
-              </a:effectRef>
-              <a:fontRef idx="minor">
-                <a:schemeClr val="lt1"/>
-              </a:fontRef>
-            </p:style>
-            <p:txBody>
-              <a:bodyPr rtlCol="0" anchor="ctr"/>
-              <a:lstStyle/>
-              <a:p>
-                <a:pPr algn="ctr"/>
-                <a:endParaRPr lang="en-US"/>
-              </a:p>
-            </p:txBody>
-          </p:sp>
-          <p:sp>
-            <p:nvSpPr>
-              <p:cNvPr id="53" name="TextBox 52">
-                <a:extLst>
-                  <a:ext uri="{FF2B5EF4-FFF2-40B4-BE49-F238E27FC236}">
-                    <a16:creationId xmlns:a16="http://schemas.microsoft.com/office/drawing/2014/main" id="{E780E784-070E-2840-96AD-0C64545D54CC}"/>
-                  </a:ext>
-                </a:extLst>
-              </p:cNvPr>
-              <p:cNvSpPr txBox="1"/>
-              <p:nvPr/>
-            </p:nvSpPr>
-            <p:spPr>
-              <a:xfrm>
-                <a:off x="2905052" y="3343248"/>
-                <a:ext cx="1902049" cy="307777"/>
-              </a:xfrm>
-              <a:prstGeom prst="rect">
-                <a:avLst/>
-              </a:prstGeom>
-              <a:noFill/>
-            </p:spPr>
-            <p:txBody>
-              <a:bodyPr wrap="square" rtlCol="0">
-                <a:spAutoFit/>
-              </a:bodyPr>
-              <a:lstStyle/>
-              <a:p>
-                <a:pPr algn="ctr"/>
-                <a:r>
-                  <a:rPr lang="en-US" sz="1400" b="1" dirty="0">
-                    <a:solidFill>
-                      <a:schemeClr val="bg1"/>
-                    </a:solidFill>
-                  </a:rPr>
-                  <a:t>Gospels as oral history</a:t>
-                </a:r>
-                <a:endParaRPr lang="en-US" sz="1200" b="1" dirty="0">
-                  <a:solidFill>
-                    <a:schemeClr val="bg1"/>
-                  </a:solidFill>
-                </a:endParaRPr>
-              </a:p>
-            </p:txBody>
-          </p:sp>
-        </p:grpSp>
-      </p:grpSp>
-      <p:grpSp>
-        <p:nvGrpSpPr>
-          <p:cNvPr id="7" name="Group 6"/>
-          <p:cNvGrpSpPr/>
-          <p:nvPr/>
-        </p:nvGrpSpPr>
-        <p:grpSpPr>
-          <a:xfrm>
-            <a:off x="0" y="4039543"/>
-            <a:ext cx="8846611" cy="378893"/>
-            <a:chOff x="0" y="4551909"/>
-            <a:chExt cx="8846611" cy="378893"/>
-          </a:xfrm>
-        </p:grpSpPr>
-        <p:sp>
-          <p:nvSpPr>
-            <p:cNvPr id="8" name="TextBox 7"/>
-            <p:cNvSpPr txBox="1"/>
-            <p:nvPr/>
-          </p:nvSpPr>
-          <p:spPr>
-            <a:xfrm>
-              <a:off x="0" y="4551909"/>
-              <a:ext cx="537565" cy="369332"/>
-            </a:xfrm>
-            <a:prstGeom prst="rect">
-              <a:avLst/>
-            </a:prstGeom>
-            <a:noFill/>
-          </p:spPr>
-          <p:txBody>
-            <a:bodyPr wrap="none" rtlCol="0">
-              <a:spAutoFit/>
-            </a:bodyPr>
-            <a:lstStyle/>
-            <a:p>
-              <a:r>
-                <a:rPr lang="en-US" dirty="0"/>
-                <a:t>0 </a:t>
-              </a:r>
-              <a:r>
-                <a:rPr lang="en-US" sz="1200" dirty="0"/>
-                <a:t>AD</a:t>
-              </a:r>
-            </a:p>
-          </p:txBody>
-        </p:sp>
-        <p:sp>
-          <p:nvSpPr>
-            <p:cNvPr id="9" name="TextBox 8"/>
-            <p:cNvSpPr txBox="1"/>
-            <p:nvPr/>
-          </p:nvSpPr>
-          <p:spPr>
-            <a:xfrm>
-              <a:off x="8075058" y="4551909"/>
-              <a:ext cx="771553" cy="369332"/>
-            </a:xfrm>
-            <a:prstGeom prst="rect">
-              <a:avLst/>
-            </a:prstGeom>
-            <a:noFill/>
-          </p:spPr>
-          <p:txBody>
-            <a:bodyPr wrap="none" rtlCol="0">
-              <a:spAutoFit/>
-            </a:bodyPr>
-            <a:lstStyle/>
-            <a:p>
-              <a:r>
-                <a:rPr lang="en-US" dirty="0"/>
-                <a:t>100 </a:t>
-              </a:r>
-              <a:r>
-                <a:rPr lang="en-US" sz="1200" dirty="0"/>
-                <a:t>AD</a:t>
-              </a:r>
-            </a:p>
-          </p:txBody>
-        </p:sp>
-        <p:sp>
-          <p:nvSpPr>
-            <p:cNvPr id="10" name="TextBox 9"/>
-            <p:cNvSpPr txBox="1"/>
-            <p:nvPr/>
-          </p:nvSpPr>
-          <p:spPr>
-            <a:xfrm>
-              <a:off x="4293817" y="4561470"/>
-              <a:ext cx="654559" cy="369332"/>
-            </a:xfrm>
-            <a:prstGeom prst="rect">
-              <a:avLst/>
-            </a:prstGeom>
-            <a:noFill/>
-          </p:spPr>
-          <p:txBody>
-            <a:bodyPr wrap="none" rtlCol="0">
-              <a:spAutoFit/>
-            </a:bodyPr>
-            <a:lstStyle/>
-            <a:p>
-              <a:r>
-                <a:rPr lang="en-US" dirty="0"/>
-                <a:t>50 </a:t>
-              </a:r>
-              <a:r>
-                <a:rPr lang="en-US" sz="1200" dirty="0"/>
-                <a:t>AD</a:t>
-              </a:r>
-            </a:p>
-          </p:txBody>
-        </p:sp>
-      </p:grpSp>
-      <p:grpSp>
-        <p:nvGrpSpPr>
-          <p:cNvPr id="6" name="Group 5">
-            <a:extLst>
-              <a:ext uri="{FF2B5EF4-FFF2-40B4-BE49-F238E27FC236}">
-                <a16:creationId xmlns:a16="http://schemas.microsoft.com/office/drawing/2014/main" id="{48207BBE-92D6-9940-B8DD-0349B89190C0}"/>
-              </a:ext>
-            </a:extLst>
-          </p:cNvPr>
-          <p:cNvGrpSpPr/>
-          <p:nvPr/>
-        </p:nvGrpSpPr>
-        <p:grpSpPr>
-          <a:xfrm>
-            <a:off x="4807101" y="3105022"/>
-            <a:ext cx="3124200" cy="276999"/>
-            <a:chOff x="4800600" y="3314719"/>
-            <a:chExt cx="3124200" cy="276999"/>
-          </a:xfrm>
-        </p:grpSpPr>
-        <p:sp>
-          <p:nvSpPr>
-            <p:cNvPr id="5" name="Rectangle 4"/>
-            <p:cNvSpPr/>
-            <p:nvPr/>
-          </p:nvSpPr>
-          <p:spPr>
-            <a:xfrm>
-              <a:off x="4800600" y="3366566"/>
-              <a:ext cx="3124200" cy="178508"/>
-            </a:xfrm>
-            <a:prstGeom prst="rect">
-              <a:avLst/>
-            </a:prstGeom>
-            <a:solidFill>
-              <a:srgbClr val="009EC0"/>
-            </a:solidFill>
-            <a:ln>
-              <a:solidFill>
-                <a:srgbClr val="009EC0"/>
-              </a:solidFill>
-            </a:ln>
-            <a:effectLst/>
-          </p:spPr>
-          <p:style>
-            <a:lnRef idx="1">
-              <a:schemeClr val="accent1"/>
-            </a:lnRef>
-            <a:fillRef idx="3">
-              <a:schemeClr val="accent1"/>
-            </a:fillRef>
-            <a:effectRef idx="2">
-              <a:schemeClr val="accent1"/>
-            </a:effectRef>
-            <a:fontRef idx="minor">
-              <a:schemeClr val="lt1"/>
-            </a:fontRef>
-          </p:style>
-          <p:txBody>
-            <a:bodyPr rtlCol="0" anchor="ctr"/>
-            <a:lstStyle/>
-            <a:p>
-              <a:pPr algn="ctr"/>
-              <a:endParaRPr lang="en-US"/>
-            </a:p>
-          </p:txBody>
-        </p:sp>
-        <p:sp>
-          <p:nvSpPr>
-            <p:cNvPr id="11" name="TextBox 10"/>
-            <p:cNvSpPr txBox="1"/>
-            <p:nvPr/>
-          </p:nvSpPr>
-          <p:spPr>
-            <a:xfrm>
-              <a:off x="4814069" y="3314719"/>
-              <a:ext cx="1705138" cy="276999"/>
-            </a:xfrm>
-            <a:prstGeom prst="rect">
-              <a:avLst/>
-            </a:prstGeom>
-            <a:noFill/>
-          </p:spPr>
-          <p:txBody>
-            <a:bodyPr wrap="square" rtlCol="0">
-              <a:spAutoFit/>
-            </a:bodyPr>
-            <a:lstStyle/>
-            <a:p>
-              <a:r>
-                <a:rPr lang="en-US" sz="1200" dirty="0">
-                  <a:solidFill>
-                    <a:schemeClr val="bg1"/>
-                  </a:solidFill>
-                </a:rPr>
-                <a:t>Gospels recorded</a:t>
-              </a:r>
-            </a:p>
-          </p:txBody>
-        </p:sp>
-      </p:grpSp>
-      <p:grpSp>
-        <p:nvGrpSpPr>
-          <p:cNvPr id="22" name="Group 21">
-            <a:extLst>
-              <a:ext uri="{FF2B5EF4-FFF2-40B4-BE49-F238E27FC236}">
-                <a16:creationId xmlns:a16="http://schemas.microsoft.com/office/drawing/2014/main" id="{9B084BC8-02DA-634A-8A55-3842CC90536D}"/>
-              </a:ext>
-            </a:extLst>
-          </p:cNvPr>
-          <p:cNvGrpSpPr/>
-          <p:nvPr/>
-        </p:nvGrpSpPr>
-        <p:grpSpPr>
-          <a:xfrm>
-            <a:off x="249504" y="3107897"/>
-            <a:ext cx="2655548" cy="276999"/>
-            <a:chOff x="238246" y="3307176"/>
-            <a:chExt cx="2655548" cy="276999"/>
-          </a:xfrm>
-        </p:grpSpPr>
-        <p:sp>
-          <p:nvSpPr>
-            <p:cNvPr id="21" name="Rectangle 20"/>
-            <p:cNvSpPr/>
-            <p:nvPr/>
-          </p:nvSpPr>
-          <p:spPr>
-            <a:xfrm>
-              <a:off x="238246" y="3366995"/>
-              <a:ext cx="2655548" cy="157362"/>
-            </a:xfrm>
-            <a:prstGeom prst="rect">
-              <a:avLst/>
-            </a:prstGeom>
-            <a:solidFill>
-              <a:srgbClr val="009EC0"/>
-            </a:solidFill>
-            <a:ln>
-              <a:solidFill>
-                <a:srgbClr val="009EC0"/>
-              </a:solidFill>
-            </a:ln>
-            <a:effectLst/>
-          </p:spPr>
-          <p:style>
-            <a:lnRef idx="1">
-              <a:schemeClr val="accent1"/>
-            </a:lnRef>
-            <a:fillRef idx="3">
-              <a:schemeClr val="accent1"/>
-            </a:fillRef>
-            <a:effectRef idx="2">
-              <a:schemeClr val="accent1"/>
-            </a:effectRef>
-            <a:fontRef idx="minor">
-              <a:schemeClr val="lt1"/>
-            </a:fontRef>
-          </p:style>
-          <p:txBody>
-            <a:bodyPr rtlCol="0" anchor="ctr"/>
-            <a:lstStyle/>
-            <a:p>
-              <a:pPr algn="ctr"/>
-              <a:endParaRPr lang="en-US"/>
-            </a:p>
-          </p:txBody>
-        </p:sp>
-        <p:sp>
-          <p:nvSpPr>
-            <p:cNvPr id="23" name="TextBox 22"/>
-            <p:cNvSpPr txBox="1"/>
-            <p:nvPr/>
-          </p:nvSpPr>
-          <p:spPr>
-            <a:xfrm>
-              <a:off x="249504" y="3307176"/>
-              <a:ext cx="2146300" cy="276999"/>
-            </a:xfrm>
-            <a:prstGeom prst="rect">
-              <a:avLst/>
-            </a:prstGeom>
-            <a:noFill/>
-          </p:spPr>
-          <p:txBody>
-            <a:bodyPr wrap="square" rtlCol="0">
-              <a:spAutoFit/>
-            </a:bodyPr>
-            <a:lstStyle/>
-            <a:p>
-              <a:r>
-                <a:rPr lang="en-US" sz="1200" dirty="0">
-                  <a:solidFill>
-                    <a:schemeClr val="bg1"/>
-                  </a:solidFill>
-                </a:rPr>
-                <a:t>Jesus’ Life</a:t>
-              </a:r>
-              <a:endParaRPr lang="en-US" sz="1100" dirty="0">
-                <a:solidFill>
-                  <a:schemeClr val="bg1"/>
-                </a:solidFill>
-              </a:endParaRPr>
-            </a:p>
-          </p:txBody>
-        </p:sp>
-      </p:grpSp>
-      <p:sp>
-        <p:nvSpPr>
-          <p:cNvPr id="46" name="TextBox 45"/>
-          <p:cNvSpPr txBox="1"/>
-          <p:nvPr/>
-        </p:nvSpPr>
-        <p:spPr>
-          <a:xfrm>
-            <a:off x="228600" y="152400"/>
-            <a:ext cx="8610600" cy="769441"/>
-          </a:xfrm>
-          <a:prstGeom prst="rect">
-            <a:avLst/>
-          </a:prstGeom>
-          <a:noFill/>
-        </p:spPr>
-        <p:txBody>
-          <a:bodyPr wrap="square" rtlCol="0">
-            <a:spAutoFit/>
-          </a:bodyPr>
-          <a:lstStyle/>
-          <a:p>
-            <a:r>
-              <a:rPr lang="en-US" sz="4400" b="1" dirty="0"/>
-              <a:t>New Testament Timeline</a:t>
-            </a:r>
-          </a:p>
-        </p:txBody>
-      </p:sp>
-      <p:sp>
-        <p:nvSpPr>
-          <p:cNvPr id="47" name="TextBox 46"/>
-          <p:cNvSpPr txBox="1"/>
-          <p:nvPr/>
-        </p:nvSpPr>
-        <p:spPr>
-          <a:xfrm>
-            <a:off x="228600" y="762000"/>
-            <a:ext cx="8610600" cy="461665"/>
-          </a:xfrm>
-          <a:prstGeom prst="rect">
-            <a:avLst/>
-          </a:prstGeom>
-          <a:noFill/>
-        </p:spPr>
-        <p:txBody>
-          <a:bodyPr wrap="square" rtlCol="0">
-            <a:spAutoFit/>
-          </a:bodyPr>
-          <a:lstStyle/>
-          <a:p>
-            <a:endParaRPr lang="en-US" sz="2400" b="1" dirty="0">
-              <a:solidFill>
-                <a:schemeClr val="bg1">
-                  <a:lumMod val="50000"/>
-                  <a:lumOff val="50000"/>
-                </a:schemeClr>
-              </a:solidFill>
-            </a:endParaRPr>
-          </a:p>
-        </p:txBody>
-      </p:sp>
-      <p:grpSp>
-        <p:nvGrpSpPr>
-          <p:cNvPr id="15" name="Group 14">
-            <a:extLst>
-              <a:ext uri="{FF2B5EF4-FFF2-40B4-BE49-F238E27FC236}">
-                <a16:creationId xmlns:a16="http://schemas.microsoft.com/office/drawing/2014/main" id="{00A4AABC-77CE-7549-98CE-E3420AFFE0D3}"/>
-              </a:ext>
-            </a:extLst>
-          </p:cNvPr>
-          <p:cNvGrpSpPr/>
-          <p:nvPr/>
-        </p:nvGrpSpPr>
-        <p:grpSpPr>
-          <a:xfrm>
-            <a:off x="4401704" y="3304401"/>
-            <a:ext cx="2146300" cy="276999"/>
-            <a:chOff x="4401704" y="3103485"/>
-            <a:chExt cx="2146300" cy="276999"/>
-          </a:xfrm>
-        </p:grpSpPr>
-        <p:sp>
-          <p:nvSpPr>
-            <p:cNvPr id="71" name="Rectangle 70">
-              <a:extLst>
-                <a:ext uri="{FF2B5EF4-FFF2-40B4-BE49-F238E27FC236}">
-                  <a16:creationId xmlns:a16="http://schemas.microsoft.com/office/drawing/2014/main" id="{D7511B0E-3692-7249-9392-75B0752C2B04}"/>
-                </a:ext>
-              </a:extLst>
-            </p:cNvPr>
-            <p:cNvSpPr/>
-            <p:nvPr/>
-          </p:nvSpPr>
-          <p:spPr>
-            <a:xfrm>
-              <a:off x="4401704" y="3155332"/>
-              <a:ext cx="2146300" cy="168396"/>
-            </a:xfrm>
-            <a:prstGeom prst="rect">
-              <a:avLst/>
-            </a:prstGeom>
-            <a:solidFill>
-              <a:srgbClr val="009EC0"/>
-            </a:solidFill>
-            <a:ln>
-              <a:solidFill>
-                <a:srgbClr val="009EC0"/>
-              </a:solidFill>
-            </a:ln>
-            <a:effectLst/>
-          </p:spPr>
-          <p:style>
-            <a:lnRef idx="1">
-              <a:schemeClr val="accent1"/>
-            </a:lnRef>
-            <a:fillRef idx="3">
-              <a:schemeClr val="accent1"/>
-            </a:fillRef>
-            <a:effectRef idx="2">
-              <a:schemeClr val="accent1"/>
-            </a:effectRef>
-            <a:fontRef idx="minor">
-              <a:schemeClr val="lt1"/>
-            </a:fontRef>
-          </p:style>
-          <p:txBody>
-            <a:bodyPr rtlCol="0" anchor="ctr"/>
-            <a:lstStyle/>
-            <a:p>
-              <a:pPr algn="ctr"/>
-              <a:endParaRPr lang="en-US"/>
-            </a:p>
-          </p:txBody>
-        </p:sp>
-        <p:sp>
-          <p:nvSpPr>
-            <p:cNvPr id="72" name="TextBox 71">
-              <a:extLst>
-                <a:ext uri="{FF2B5EF4-FFF2-40B4-BE49-F238E27FC236}">
-                  <a16:creationId xmlns:a16="http://schemas.microsoft.com/office/drawing/2014/main" id="{F91784E8-07DD-034A-A540-B75555D743A4}"/>
-                </a:ext>
-              </a:extLst>
-            </p:cNvPr>
-            <p:cNvSpPr txBox="1"/>
-            <p:nvPr/>
-          </p:nvSpPr>
-          <p:spPr>
-            <a:xfrm>
-              <a:off x="4415172" y="3103485"/>
-              <a:ext cx="1528428" cy="276999"/>
-            </a:xfrm>
-            <a:prstGeom prst="rect">
-              <a:avLst/>
-            </a:prstGeom>
-            <a:noFill/>
-          </p:spPr>
-          <p:txBody>
-            <a:bodyPr wrap="square" rtlCol="0">
-              <a:spAutoFit/>
-            </a:bodyPr>
-            <a:lstStyle/>
-            <a:p>
-              <a:r>
-                <a:rPr lang="en-US" sz="1200" dirty="0">
-                  <a:solidFill>
-                    <a:schemeClr val="bg1"/>
-                  </a:solidFill>
-                </a:rPr>
-                <a:t>Paul’s Epistles</a:t>
-              </a:r>
-            </a:p>
-          </p:txBody>
-        </p:sp>
-      </p:grpSp>
-      <p:grpSp>
-        <p:nvGrpSpPr>
-          <p:cNvPr id="17" name="Group 16">
-            <a:extLst>
-              <a:ext uri="{FF2B5EF4-FFF2-40B4-BE49-F238E27FC236}">
-                <a16:creationId xmlns:a16="http://schemas.microsoft.com/office/drawing/2014/main" id="{5D8CF05C-B4E3-F54E-8A69-7EF11E3643D4}"/>
-              </a:ext>
-            </a:extLst>
-          </p:cNvPr>
-          <p:cNvGrpSpPr/>
-          <p:nvPr/>
-        </p:nvGrpSpPr>
-        <p:grpSpPr>
-          <a:xfrm>
-            <a:off x="8075058" y="2386232"/>
-            <a:ext cx="1175990" cy="937495"/>
-            <a:chOff x="5292909" y="909674"/>
-            <a:chExt cx="1175990" cy="937495"/>
-          </a:xfrm>
-        </p:grpSpPr>
-        <p:sp>
-          <p:nvSpPr>
-            <p:cNvPr id="39" name="TextBox 38">
-              <a:extLst>
-                <a:ext uri="{FF2B5EF4-FFF2-40B4-BE49-F238E27FC236}">
-                  <a16:creationId xmlns:a16="http://schemas.microsoft.com/office/drawing/2014/main" id="{11579103-7FB3-C24E-B8C6-ADB3B33B2E8D}"/>
-                </a:ext>
-              </a:extLst>
-            </p:cNvPr>
-            <p:cNvSpPr txBox="1"/>
-            <p:nvPr/>
-          </p:nvSpPr>
-          <p:spPr>
-            <a:xfrm>
-              <a:off x="5383073" y="909674"/>
-              <a:ext cx="1085826" cy="338554"/>
-            </a:xfrm>
-            <a:prstGeom prst="rect">
-              <a:avLst/>
-            </a:prstGeom>
-            <a:noFill/>
-          </p:spPr>
-          <p:txBody>
-            <a:bodyPr wrap="square" rtlCol="0">
-              <a:spAutoFit/>
-            </a:bodyPr>
-            <a:lstStyle/>
-            <a:p>
-              <a:r>
-                <a:rPr lang="en-US" sz="1600" dirty="0">
-                  <a:solidFill>
-                    <a:srgbClr val="D7D7D7"/>
-                  </a:solidFill>
-                </a:rPr>
-                <a:t>Revelation</a:t>
-              </a:r>
-            </a:p>
-          </p:txBody>
-        </p:sp>
-        <p:cxnSp>
-          <p:nvCxnSpPr>
-            <p:cNvPr id="41" name="Elbow Connector 40">
-              <a:extLst>
-                <a:ext uri="{FF2B5EF4-FFF2-40B4-BE49-F238E27FC236}">
-                  <a16:creationId xmlns:a16="http://schemas.microsoft.com/office/drawing/2014/main" id="{22E0624A-6652-4D47-A03D-99562E3F9053}"/>
-                </a:ext>
-              </a:extLst>
-            </p:cNvPr>
-            <p:cNvCxnSpPr>
-              <a:cxnSpLocks/>
-              <a:stCxn id="39" idx="1"/>
-            </p:cNvCxnSpPr>
-            <p:nvPr/>
-          </p:nvCxnSpPr>
-          <p:spPr>
-            <a:xfrm rot="10800000" flipV="1">
-              <a:off x="5292909" y="1078950"/>
-              <a:ext cx="90164" cy="768219"/>
-            </a:xfrm>
-            <a:prstGeom prst="bentConnector2">
-              <a:avLst/>
-            </a:prstGeom>
-            <a:ln>
-              <a:solidFill>
-                <a:srgbClr val="009EC0"/>
-              </a:solidFill>
-            </a:ln>
-          </p:spPr>
-          <p:style>
-            <a:lnRef idx="1">
-              <a:schemeClr val="accent1"/>
-            </a:lnRef>
-            <a:fillRef idx="0">
-              <a:schemeClr val="accent1"/>
-            </a:fillRef>
-            <a:effectRef idx="0">
-              <a:schemeClr val="accent1"/>
-            </a:effectRef>
-            <a:fontRef idx="minor">
-              <a:schemeClr val="tx1"/>
-            </a:fontRef>
-          </p:style>
-        </p:cxnSp>
-      </p:grpSp>
-      <p:cxnSp>
-        <p:nvCxnSpPr>
-          <p:cNvPr id="24" name="Straight Connector 23"/>
-          <p:cNvCxnSpPr/>
-          <p:nvPr/>
-        </p:nvCxnSpPr>
-        <p:spPr>
-          <a:xfrm>
-            <a:off x="71581" y="3353744"/>
-            <a:ext cx="8714896" cy="0"/>
-          </a:xfrm>
-          <a:prstGeom prst="line">
-            <a:avLst/>
-          </a:prstGeom>
-          <a:ln>
-            <a:solidFill>
-              <a:srgbClr val="D7D7D7"/>
-            </a:solidFill>
-          </a:ln>
-          <a:effectLst/>
-        </p:spPr>
-        <p:style>
-          <a:lnRef idx="2">
-            <a:schemeClr val="accent1"/>
-          </a:lnRef>
-          <a:fillRef idx="0">
-            <a:schemeClr val="accent1"/>
-          </a:fillRef>
-          <a:effectRef idx="1">
-            <a:schemeClr val="accent1"/>
-          </a:effectRef>
-          <a:fontRef idx="minor">
-            <a:schemeClr val="tx1"/>
-          </a:fontRef>
-        </p:style>
-      </p:cxnSp>
-    </p:spTree>
-    <p:extLst>
-      <p:ext uri="{BB962C8B-B14F-4D97-AF65-F5344CB8AC3E}">
-        <p14:creationId xmlns:p14="http://schemas.microsoft.com/office/powerpoint/2010/main" val="2328471992"/>
-      </p:ext>
-    </p:extLst>
-  </p:cSld>
-  <p:clrMapOvr>
-    <a:masterClrMapping/>
-  </p:clrMapOvr>
-  <p:timing>
-    <p:tnLst>
-      <p:par>
-        <p:cTn id="1" dur="indefinite" restart="never" nodeType="tmRoot">
-          <p:childTnLst>
-            <p:seq concurrent="1" nextAc="seek">
-              <p:cTn id="2" dur="indefinite" nodeType="mainSeq">
-                <p:childTnLst>
-                  <p:par>
-                    <p:cTn id="3" fill="hold">
-                      <p:stCondLst>
-                        <p:cond delay="indefinite"/>
-                      </p:stCondLst>
-                      <p:childTnLst>
-                        <p:par>
-                          <p:cTn id="4" fill="hold">
-                            <p:stCondLst>
-                              <p:cond delay="0"/>
-                            </p:stCondLst>
-                            <p:childTnLst>
-                              <p:par>
-                                <p:cTn id="5" presetID="10" presetClass="entr" presetSubtype="0" fill="hold" nodeType="clickEffect">
-                                  <p:stCondLst>
-                                    <p:cond delay="0"/>
-                                  </p:stCondLst>
-                                  <p:childTnLst>
-                                    <p:set>
-                                      <p:cBhvr>
-                                        <p:cTn id="6" dur="1" fill="hold">
-                                          <p:stCondLst>
-                                            <p:cond delay="0"/>
-                                          </p:stCondLst>
-                                        </p:cTn>
-                                        <p:tgtEl>
-                                          <p:spTgt spid="22"/>
-                                        </p:tgtEl>
-                                        <p:attrNameLst>
-                                          <p:attrName>style.visibility</p:attrName>
-                                        </p:attrNameLst>
-                                      </p:cBhvr>
-                                      <p:to>
-                                        <p:strVal val="visible"/>
-                                      </p:to>
-                                    </p:set>
-                                    <p:animEffect transition="in" filter="fade">
-                                      <p:cBhvr>
-                                        <p:cTn id="7" dur="500"/>
-                                        <p:tgtEl>
-                                          <p:spTgt spid="22"/>
-                                        </p:tgtEl>
-                                      </p:cBhvr>
-                                    </p:animEffect>
-                                  </p:childTnLst>
-                                </p:cTn>
-                              </p:par>
-                            </p:childTnLst>
-                          </p:cTn>
-                        </p:par>
-                      </p:childTnLst>
-                    </p:cTn>
-                  </p:par>
-                  <p:par>
-                    <p:cTn id="8" fill="hold">
-                      <p:stCondLst>
-                        <p:cond delay="indefinite"/>
-                      </p:stCondLst>
-                      <p:childTnLst>
-                        <p:par>
-                          <p:cTn id="9" fill="hold">
-                            <p:stCondLst>
-                              <p:cond delay="0"/>
-                            </p:stCondLst>
-                            <p:childTnLst>
-                              <p:par>
-                                <p:cTn id="10" presetID="10" presetClass="entr" presetSubtype="0" fill="hold" nodeType="clickEffect">
-                                  <p:stCondLst>
-                                    <p:cond delay="0"/>
-                                  </p:stCondLst>
-                                  <p:childTnLst>
-                                    <p:set>
-                                      <p:cBhvr>
-                                        <p:cTn id="11" dur="1" fill="hold">
-                                          <p:stCondLst>
-                                            <p:cond delay="0"/>
-                                          </p:stCondLst>
-                                        </p:cTn>
-                                        <p:tgtEl>
-                                          <p:spTgt spid="15"/>
-                                        </p:tgtEl>
-                                        <p:attrNameLst>
-                                          <p:attrName>style.visibility</p:attrName>
-                                        </p:attrNameLst>
-                                      </p:cBhvr>
-                                      <p:to>
-                                        <p:strVal val="visible"/>
-                                      </p:to>
-                                    </p:set>
-                                    <p:animEffect transition="in" filter="fade">
-                                      <p:cBhvr>
-                                        <p:cTn id="12" dur="500"/>
-                                        <p:tgtEl>
-                                          <p:spTgt spid="15"/>
-                                        </p:tgtEl>
-                                      </p:cBhvr>
-                                    </p:animEffect>
-                                  </p:childTnLst>
-                                </p:cTn>
-                              </p:par>
-                            </p:childTnLst>
-                          </p:cTn>
-                        </p:par>
-                      </p:childTnLst>
-                    </p:cTn>
-                  </p:par>
-                  <p:par>
-                    <p:cTn id="13" fill="hold">
-                      <p:stCondLst>
-                        <p:cond delay="indefinite"/>
-                      </p:stCondLst>
-                      <p:childTnLst>
-                        <p:par>
-                          <p:cTn id="14" fill="hold">
-                            <p:stCondLst>
-                              <p:cond delay="0"/>
-                            </p:stCondLst>
-                            <p:childTnLst>
-                              <p:par>
-                                <p:cTn id="15" presetID="10" presetClass="entr" presetSubtype="0" fill="hold" nodeType="clickEffect">
-                                  <p:stCondLst>
-                                    <p:cond delay="0"/>
-                                  </p:stCondLst>
-                                  <p:childTnLst>
-                                    <p:set>
-                                      <p:cBhvr>
-                                        <p:cTn id="16" dur="1" fill="hold">
-                                          <p:stCondLst>
-                                            <p:cond delay="0"/>
-                                          </p:stCondLst>
-                                        </p:cTn>
-                                        <p:tgtEl>
-                                          <p:spTgt spid="6"/>
-                                        </p:tgtEl>
-                                        <p:attrNameLst>
-                                          <p:attrName>style.visibility</p:attrName>
-                                        </p:attrNameLst>
-                                      </p:cBhvr>
-                                      <p:to>
-                                        <p:strVal val="visible"/>
-                                      </p:to>
-                                    </p:set>
-                                    <p:animEffect transition="in" filter="fade">
-                                      <p:cBhvr>
-                                        <p:cTn id="17" dur="500"/>
-                                        <p:tgtEl>
-                                          <p:spTgt spid="6"/>
-                                        </p:tgtEl>
-                                      </p:cBhvr>
-                                    </p:animEffect>
-                                  </p:childTnLst>
-                                </p:cTn>
-                              </p:par>
-                            </p:childTnLst>
-                          </p:cTn>
-                        </p:par>
-                      </p:childTnLst>
-                    </p:cTn>
-                  </p:par>
-                  <p:par>
-                    <p:cTn id="18" fill="hold">
-                      <p:stCondLst>
-                        <p:cond delay="indefinite"/>
-                      </p:stCondLst>
-                      <p:childTnLst>
-                        <p:par>
-                          <p:cTn id="19" fill="hold">
-                            <p:stCondLst>
-                              <p:cond delay="0"/>
-                            </p:stCondLst>
-                            <p:childTnLst>
-                              <p:par>
-                                <p:cTn id="20" presetID="10" presetClass="entr" presetSubtype="0" fill="hold" nodeType="clickEffect">
-                                  <p:stCondLst>
-                                    <p:cond delay="0"/>
-                                  </p:stCondLst>
-                                  <p:childTnLst>
-                                    <p:set>
-                                      <p:cBhvr>
-                                        <p:cTn id="21" dur="1" fill="hold">
-                                          <p:stCondLst>
-                                            <p:cond delay="0"/>
-                                          </p:stCondLst>
-                                        </p:cTn>
-                                        <p:tgtEl>
-                                          <p:spTgt spid="26"/>
-                                        </p:tgtEl>
-                                        <p:attrNameLst>
-                                          <p:attrName>style.visibility</p:attrName>
-                                        </p:attrNameLst>
-                                      </p:cBhvr>
-                                      <p:to>
-                                        <p:strVal val="visible"/>
-                                      </p:to>
-                                    </p:set>
-                                    <p:animEffect transition="in" filter="fade">
-                                      <p:cBhvr>
-                                        <p:cTn id="22" dur="500"/>
-                                        <p:tgtEl>
-                                          <p:spTgt spid="26"/>
-                                        </p:tgtEl>
-                                      </p:cBhvr>
-                                    </p:animEffect>
-                                  </p:childTnLst>
-                                </p:cTn>
-                              </p:par>
-                            </p:childTnLst>
-                          </p:cTn>
-                        </p:par>
-                      </p:childTnLst>
-                    </p:cTn>
-                  </p:par>
-                  <p:par>
-                    <p:cTn id="23" fill="hold">
-                      <p:stCondLst>
-                        <p:cond delay="indefinite"/>
-                      </p:stCondLst>
-                      <p:childTnLst>
-                        <p:par>
-                          <p:cTn id="24" fill="hold">
-                            <p:stCondLst>
-                              <p:cond delay="0"/>
-                            </p:stCondLst>
-                            <p:childTnLst>
-                              <p:par>
-                                <p:cTn id="25" presetID="10" presetClass="entr" presetSubtype="0" fill="hold" nodeType="clickEffect">
-                                  <p:stCondLst>
-                                    <p:cond delay="0"/>
-                                  </p:stCondLst>
-                                  <p:childTnLst>
-                                    <p:set>
-                                      <p:cBhvr>
-                                        <p:cTn id="26" dur="1" fill="hold">
-                                          <p:stCondLst>
-                                            <p:cond delay="0"/>
-                                          </p:stCondLst>
-                                        </p:cTn>
-                                        <p:tgtEl>
-                                          <p:spTgt spid="17"/>
-                                        </p:tgtEl>
-                                        <p:attrNameLst>
-                                          <p:attrName>style.visibility</p:attrName>
-                                        </p:attrNameLst>
-                                      </p:cBhvr>
-                                      <p:to>
-                                        <p:strVal val="visible"/>
-                                      </p:to>
-                                    </p:set>
-                                    <p:animEffect transition="in" filter="fade">
-                                      <p:cBhvr>
-                                        <p:cTn id="27" dur="500"/>
-                                        <p:tgtEl>
-                                          <p:spTgt spid="17"/>
-                                        </p:tgtEl>
-                                      </p:cBhvr>
-                                    </p:animEffect>
-                                  </p:childTnLst>
-                                </p:cTn>
-                              </p:par>
-                            </p:childTnLst>
-                          </p:cTn>
-                        </p:par>
-                      </p:childTnLst>
-                    </p:cTn>
-                  </p:par>
-                  <p:par>
-                    <p:cTn id="28" fill="hold">
-                      <p:stCondLst>
-                        <p:cond delay="indefinite"/>
-                      </p:stCondLst>
-                      <p:childTnLst>
-                        <p:par>
-                          <p:cTn id="29" fill="hold">
-                            <p:stCondLst>
-                              <p:cond delay="0"/>
-                            </p:stCondLst>
-                            <p:childTnLst>
-                              <p:par>
-                                <p:cTn id="30" presetID="10" presetClass="entr" presetSubtype="0" fill="hold" nodeType="clickEffect">
-                                  <p:stCondLst>
-                                    <p:cond delay="0"/>
-                                  </p:stCondLst>
-                                  <p:childTnLst>
-                                    <p:set>
-                                      <p:cBhvr>
-                                        <p:cTn id="31" dur="1" fill="hold">
-                                          <p:stCondLst>
-                                            <p:cond delay="0"/>
-                                          </p:stCondLst>
-                                        </p:cTn>
-                                        <p:tgtEl>
-                                          <p:spTgt spid="27"/>
-                                        </p:tgtEl>
-                                        <p:attrNameLst>
-                                          <p:attrName>style.visibility</p:attrName>
-                                        </p:attrNameLst>
-                                      </p:cBhvr>
-                                      <p:to>
-                                        <p:strVal val="visible"/>
-                                      </p:to>
-                                    </p:set>
-                                    <p:animEffect transition="in" filter="fade">
-                                      <p:cBhvr>
-                                        <p:cTn id="32" dur="500"/>
-                                        <p:tgtEl>
-                                          <p:spTgt spid="27"/>
-                                        </p:tgtEl>
-                                      </p:cBhvr>
-                                    </p:animEffect>
-                                  </p:childTnLst>
-                                </p:cTn>
-                              </p:par>
-                            </p:childTnLst>
-                          </p:cTn>
-                        </p:par>
-                      </p:childTnLst>
-                    </p:cTn>
-                  </p:par>
-                  <p:par>
-                    <p:cTn id="33" fill="hold">
-                      <p:stCondLst>
-                        <p:cond delay="indefinite"/>
-                      </p:stCondLst>
-                      <p:childTnLst>
-                        <p:par>
-                          <p:cTn id="34" fill="hold">
-                            <p:stCondLst>
-                              <p:cond delay="0"/>
-                            </p:stCondLst>
-                            <p:childTnLst>
-                              <p:par>
-                                <p:cTn id="35" presetID="10" presetClass="entr" presetSubtype="0" fill="hold" nodeType="clickEffect">
-                                  <p:stCondLst>
-                                    <p:cond delay="0"/>
-                                  </p:stCondLst>
-                                  <p:childTnLst>
-                                    <p:set>
-                                      <p:cBhvr>
-                                        <p:cTn id="36" dur="1" fill="hold">
-                                          <p:stCondLst>
-                                            <p:cond delay="0"/>
-                                          </p:stCondLst>
-                                        </p:cTn>
-                                        <p:tgtEl>
-                                          <p:spTgt spid="19"/>
-                                        </p:tgtEl>
-                                        <p:attrNameLst>
-                                          <p:attrName>style.visibility</p:attrName>
-                                        </p:attrNameLst>
-                                      </p:cBhvr>
-                                      <p:to>
-                                        <p:strVal val="visible"/>
-                                      </p:to>
-                                    </p:set>
-                                    <p:animEffect transition="in" filter="fade">
-                                      <p:cBhvr>
-                                        <p:cTn id="37" dur="500"/>
-                                        <p:tgtEl>
-                                          <p:spTgt spid="19"/>
-                                        </p:tgtEl>
-                                      </p:cBhvr>
-                                    </p:animEffect>
-                                  </p:childTnLst>
-                                </p:cTn>
-                              </p:par>
-                            </p:childTnLst>
-                          </p:cTn>
-                        </p:par>
-                      </p:childTnLst>
-                    </p:cTn>
-                  </p:par>
-                </p:childTnLst>
-              </p:cTn>
-              <p:prevCondLst>
-                <p:cond evt="onPrev" delay="0">
-                  <p:tgtEl>
-                    <p:sldTgt/>
-                  </p:tgtEl>
-                </p:cond>
-              </p:prevCondLst>
-              <p:nextCondLst>
-                <p:cond evt="onNext" delay="0">
-                  <p:tgtEl>
-                    <p:sldTgt/>
-                  </p:tgtEl>
-                </p:cond>
-              </p:nextCondLst>
-            </p:seq>
-          </p:childTnLst>
-        </p:cTn>
-      </p:par>
-    </p:tnLst>
-  </p:timing>
-</p:sld>
-</file>
-
-<file path=ppt/slides/slide9.xml><?xml version="1.0" encoding="utf-8"?>
-<p:sld xmlns:a="http://schemas.openxmlformats.org/drawingml/2006/main" xmlns:r="http://schemas.openxmlformats.org/officeDocument/2006/relationships" xmlns:p="http://schemas.openxmlformats.org/presentationml/2006/main">
-  <p:cSld>
-    <p:spTree>
-      <p:nvGrpSpPr>
-        <p:cNvPr id="1" name=""/>
-        <p:cNvGrpSpPr/>
-        <p:nvPr/>
-      </p:nvGrpSpPr>
-      <p:grpSpPr>
-        <a:xfrm>
-          <a:off x="0" y="0"/>
-          <a:ext cx="0" cy="0"/>
-          <a:chOff x="0" y="0"/>
-          <a:chExt cx="0" cy="0"/>
-        </a:xfrm>
-      </p:grpSpPr>
-      <p:sp>
-        <p:nvSpPr>
-          <p:cNvPr id="6" name="TextBox 5"/>
-          <p:cNvSpPr txBox="1"/>
-          <p:nvPr/>
-        </p:nvSpPr>
-        <p:spPr>
-          <a:xfrm>
-            <a:off x="228600" y="152400"/>
-            <a:ext cx="8610600" cy="677108"/>
-          </a:xfrm>
-          <a:prstGeom prst="rect">
-            <a:avLst/>
-          </a:prstGeom>
-          <a:noFill/>
-        </p:spPr>
-        <p:txBody>
-          <a:bodyPr wrap="square" rtlCol="0">
-            <a:spAutoFit/>
-          </a:bodyPr>
-          <a:lstStyle/>
-          <a:p>
-            <a:r>
-              <a:rPr lang="en-US" sz="3800" b="1" dirty="0"/>
-              <a:t>Why the 27 Books of the New Testament?</a:t>
-            </a:r>
-          </a:p>
-        </p:txBody>
-      </p:sp>
-      <p:grpSp>
-        <p:nvGrpSpPr>
-          <p:cNvPr id="9" name="Group 8">
-            <a:extLst>
-              <a:ext uri="{FF2B5EF4-FFF2-40B4-BE49-F238E27FC236}">
-                <a16:creationId xmlns:a16="http://schemas.microsoft.com/office/drawing/2014/main" id="{55676BE1-B42E-AD44-9DD5-FF20BEB47F36}"/>
-              </a:ext>
-            </a:extLst>
-          </p:cNvPr>
-          <p:cNvGrpSpPr/>
-          <p:nvPr/>
-        </p:nvGrpSpPr>
-        <p:grpSpPr>
-          <a:xfrm>
-            <a:off x="533400" y="1833265"/>
-            <a:ext cx="8001000" cy="685800"/>
-            <a:chOff x="533400" y="1833265"/>
-            <a:chExt cx="8001000" cy="685800"/>
-          </a:xfrm>
-        </p:grpSpPr>
-        <p:sp>
-          <p:nvSpPr>
-            <p:cNvPr id="2" name="Oval 1">
-              <a:extLst>
-                <a:ext uri="{FF2B5EF4-FFF2-40B4-BE49-F238E27FC236}">
-                  <a16:creationId xmlns:a16="http://schemas.microsoft.com/office/drawing/2014/main" id="{876D5A54-0C8D-804B-88A0-6609A2C1405C}"/>
-                </a:ext>
-              </a:extLst>
-            </p:cNvPr>
-            <p:cNvSpPr/>
-            <p:nvPr/>
-          </p:nvSpPr>
-          <p:spPr>
-            <a:xfrm>
-              <a:off x="533400" y="1833265"/>
-              <a:ext cx="685800" cy="685800"/>
-            </a:xfrm>
-            <a:prstGeom prst="ellipse">
-              <a:avLst/>
-            </a:prstGeom>
-            <a:solidFill>
-              <a:srgbClr val="009EC0"/>
-            </a:solidFill>
-            <a:ln>
-              <a:noFill/>
-            </a:ln>
-          </p:spPr>
-          <p:style>
-            <a:lnRef idx="2">
-              <a:schemeClr val="accent1">
-                <a:shade val="50000"/>
-              </a:schemeClr>
-            </a:lnRef>
-            <a:fillRef idx="1">
-              <a:schemeClr val="accent1"/>
-            </a:fillRef>
-            <a:effectRef idx="0">
-              <a:schemeClr val="accent1"/>
-            </a:effectRef>
-            <a:fontRef idx="minor">
-              <a:schemeClr val="lt1"/>
-            </a:fontRef>
-          </p:style>
-          <p:txBody>
-            <a:bodyPr rtlCol="0" anchor="ctr"/>
-            <a:lstStyle/>
-            <a:p>
-              <a:pPr algn="ctr"/>
-              <a:r>
-                <a:rPr lang="en-US" sz="2800" dirty="0">
-                  <a:solidFill>
-                    <a:schemeClr val="tx1"/>
-                  </a:solidFill>
-                </a:rPr>
-                <a:t>2</a:t>
-              </a:r>
-            </a:p>
-          </p:txBody>
-        </p:sp>
-        <p:sp>
-          <p:nvSpPr>
-            <p:cNvPr id="10" name="Rectangle 9">
-              <a:extLst>
-                <a:ext uri="{FF2B5EF4-FFF2-40B4-BE49-F238E27FC236}">
-                  <a16:creationId xmlns:a16="http://schemas.microsoft.com/office/drawing/2014/main" id="{312C2DC5-5653-DC4B-98A2-76A0B8F08883}"/>
-                </a:ext>
-              </a:extLst>
-            </p:cNvPr>
-            <p:cNvSpPr/>
-            <p:nvPr/>
-          </p:nvSpPr>
-          <p:spPr>
-            <a:xfrm>
-              <a:off x="1447800" y="1833265"/>
-              <a:ext cx="7086600" cy="685800"/>
-            </a:xfrm>
-            <a:prstGeom prst="rect">
-              <a:avLst/>
-            </a:prstGeom>
-            <a:noFill/>
-            <a:ln>
-              <a:noFill/>
-            </a:ln>
-          </p:spPr>
-          <p:style>
-            <a:lnRef idx="2">
-              <a:schemeClr val="accent1">
-                <a:shade val="50000"/>
-              </a:schemeClr>
-            </a:lnRef>
-            <a:fillRef idx="1">
-              <a:schemeClr val="accent1"/>
-            </a:fillRef>
-            <a:effectRef idx="0">
-              <a:schemeClr val="accent1"/>
-            </a:effectRef>
-            <a:fontRef idx="minor">
-              <a:schemeClr val="lt1"/>
-            </a:fontRef>
-          </p:style>
-          <p:txBody>
-            <a:bodyPr rtlCol="0" anchor="ctr"/>
-            <a:lstStyle/>
-            <a:p>
-              <a:r>
-                <a:rPr lang="en-US" sz="2400" dirty="0">
-                  <a:solidFill>
-                    <a:schemeClr val="tx1"/>
-                  </a:solidFill>
-                </a:rPr>
-                <a:t>New Testament documents are </a:t>
-              </a:r>
-              <a:r>
-                <a:rPr lang="en-US" sz="2400" dirty="0">
-                  <a:solidFill>
-                    <a:schemeClr val="tx1"/>
-                  </a:solidFill>
-                  <a:highlight>
-                    <a:srgbClr val="C00002"/>
-                  </a:highlight>
-                </a:rPr>
-                <a:t> </a:t>
-              </a:r>
-              <a:r>
-                <a:rPr lang="en-US" sz="2400" b="1" dirty="0">
-                  <a:solidFill>
-                    <a:schemeClr val="tx1"/>
-                  </a:solidFill>
-                  <a:highlight>
-                    <a:srgbClr val="C00002"/>
-                  </a:highlight>
-                </a:rPr>
-                <a:t>Apostolic.</a:t>
-              </a:r>
-              <a:endParaRPr lang="en-US" sz="2400" dirty="0">
-                <a:solidFill>
-                  <a:schemeClr val="tx1"/>
-                </a:solidFill>
-              </a:endParaRPr>
-            </a:p>
-          </p:txBody>
-        </p:sp>
-      </p:grpSp>
-      <p:cxnSp>
-        <p:nvCxnSpPr>
-          <p:cNvPr id="8" name="Straight Connector 7">
-            <a:extLst>
-              <a:ext uri="{FF2B5EF4-FFF2-40B4-BE49-F238E27FC236}">
-                <a16:creationId xmlns:a16="http://schemas.microsoft.com/office/drawing/2014/main" id="{B1CE1C68-C736-2F42-AD3D-29FCB9A69CAD}"/>
-              </a:ext>
-            </a:extLst>
-          </p:cNvPr>
-          <p:cNvCxnSpPr>
-            <a:cxnSpLocks/>
-          </p:cNvCxnSpPr>
-          <p:nvPr/>
-        </p:nvCxnSpPr>
-        <p:spPr>
-          <a:xfrm>
-            <a:off x="228600" y="1066800"/>
-            <a:ext cx="2209800" cy="0"/>
-          </a:xfrm>
-          <a:prstGeom prst="line">
-            <a:avLst/>
-          </a:prstGeom>
-          <a:ln w="76200">
-            <a:solidFill>
-              <a:srgbClr val="009EC0"/>
-            </a:solidFill>
-          </a:ln>
-        </p:spPr>
-        <p:style>
-          <a:lnRef idx="1">
-            <a:schemeClr val="dk1"/>
-          </a:lnRef>
-          <a:fillRef idx="0">
-            <a:schemeClr val="dk1"/>
-          </a:fillRef>
-          <a:effectRef idx="0">
-            <a:schemeClr val="dk1"/>
-          </a:effectRef>
-          <a:fontRef idx="minor">
-            <a:schemeClr val="tx1"/>
-          </a:fontRef>
-        </p:style>
-      </p:cxnSp>
-      <p:graphicFrame>
-        <p:nvGraphicFramePr>
-          <p:cNvPr id="20" name="Table 19">
-            <a:extLst>
-              <a:ext uri="{FF2B5EF4-FFF2-40B4-BE49-F238E27FC236}">
-                <a16:creationId xmlns:a16="http://schemas.microsoft.com/office/drawing/2014/main" id="{3FF75A05-DD24-FC4F-8BF4-07A1E294715C}"/>
-              </a:ext>
-            </a:extLst>
-          </p:cNvPr>
-          <p:cNvGraphicFramePr>
-            <a:graphicFrameLocks noGrp="1"/>
-          </p:cNvGraphicFramePr>
-          <p:nvPr>
-            <p:extLst>
-              <p:ext uri="{D42A27DB-BD31-4B8C-83A1-F6EECF244321}">
-                <p14:modId xmlns:p14="http://schemas.microsoft.com/office/powerpoint/2010/main" val="2717152206"/>
-              </p:ext>
-            </p:extLst>
-          </p:nvPr>
-        </p:nvGraphicFramePr>
-        <p:xfrm>
-          <a:off x="1600200" y="2874049"/>
-          <a:ext cx="7162800" cy="822960"/>
-        </p:xfrm>
-        <a:graphic>
-          <a:graphicData uri="http://schemas.openxmlformats.org/drawingml/2006/table">
-            <a:tbl>
-              <a:tblPr firstRow="1" bandRow="1">
-                <a:tableStyleId>{2D5ABB26-0587-4C30-8999-92F81FD0307C}</a:tableStyleId>
-              </a:tblPr>
-              <a:tblGrid>
-                <a:gridCol w="7162800">
-                  <a:extLst>
-                    <a:ext uri="{9D8B030D-6E8A-4147-A177-3AD203B41FA5}">
-                      <a16:colId xmlns:a16="http://schemas.microsoft.com/office/drawing/2014/main" val="1107341750"/>
-                    </a:ext>
-                  </a:extLst>
-                </a:gridCol>
-              </a:tblGrid>
-              <a:tr h="370840">
-                <a:tc>
-                  <a:txBody>
-                    <a:bodyPr/>
-                    <a:lstStyle/>
-                    <a:p>
-                      <a:r>
-                        <a:rPr lang="en-US" sz="2400" dirty="0"/>
-                        <a:t>The documents were understood to be connected to the Apostles</a:t>
-                      </a:r>
-                      <a:endParaRPr lang="en-US" sz="2400" b="0" dirty="0"/>
-                    </a:p>
-                  </a:txBody>
-                  <a:tcPr marL="182880">
-                    <a:lnL w="57150" cap="flat" cmpd="sng" algn="ctr">
-                      <a:solidFill>
-                        <a:schemeClr val="bg1">
-                          <a:lumMod val="75000"/>
-                          <a:lumOff val="25000"/>
-                        </a:schemeClr>
-                      </a:solidFill>
-                      <a:prstDash val="solid"/>
-                      <a:round/>
-                      <a:headEnd type="none" w="med" len="med"/>
-                      <a:tailEnd type="none" w="med" len="med"/>
-                    </a:lnL>
-                    <a:lnR>
-                      <a:noFill/>
-                    </a:lnR>
-                    <a:lnT>
-                      <a:noFill/>
-                    </a:lnT>
-                    <a:lnB>
-                      <a:noFill/>
-                    </a:lnB>
-                    <a:lnTlToBr w="12700" cmpd="sng">
-                      <a:noFill/>
-                      <a:prstDash val="solid"/>
-                    </a:lnTlToBr>
-                    <a:lnBlToTr w="12700" cmpd="sng">
-                      <a:noFill/>
-                      <a:prstDash val="solid"/>
-                    </a:lnBlToTr>
-                  </a:tcPr>
-                </a:tc>
-                <a:extLst>
-                  <a:ext uri="{0D108BD9-81ED-4DB2-BD59-A6C34878D82A}">
-                    <a16:rowId xmlns:a16="http://schemas.microsoft.com/office/drawing/2014/main" val="1984863204"/>
-                  </a:ext>
-                </a:extLst>
-              </a:tr>
-            </a:tbl>
-          </a:graphicData>
-        </a:graphic>
-      </p:graphicFrame>
-      <p:graphicFrame>
-        <p:nvGraphicFramePr>
-          <p:cNvPr id="21" name="Table 20">
-            <a:extLst>
-              <a:ext uri="{FF2B5EF4-FFF2-40B4-BE49-F238E27FC236}">
-                <a16:creationId xmlns:a16="http://schemas.microsoft.com/office/drawing/2014/main" id="{FD5AF588-5BE5-1B4C-A7CB-F6FFF7F0279E}"/>
-              </a:ext>
-            </a:extLst>
-          </p:cNvPr>
-          <p:cNvGraphicFramePr>
-            <a:graphicFrameLocks noGrp="1"/>
-          </p:cNvGraphicFramePr>
-          <p:nvPr>
-            <p:extLst>
-              <p:ext uri="{D42A27DB-BD31-4B8C-83A1-F6EECF244321}">
-                <p14:modId xmlns:p14="http://schemas.microsoft.com/office/powerpoint/2010/main" val="1176883443"/>
-              </p:ext>
-            </p:extLst>
-          </p:nvPr>
-        </p:nvGraphicFramePr>
-        <p:xfrm>
-          <a:off x="1600200" y="5229937"/>
-          <a:ext cx="7162800" cy="457200"/>
-        </p:xfrm>
-        <a:graphic>
-          <a:graphicData uri="http://schemas.openxmlformats.org/drawingml/2006/table">
-            <a:tbl>
-              <a:tblPr firstRow="1" bandRow="1">
-                <a:tableStyleId>{2D5ABB26-0587-4C30-8999-92F81FD0307C}</a:tableStyleId>
-              </a:tblPr>
-              <a:tblGrid>
-                <a:gridCol w="7162800">
-                  <a:extLst>
-                    <a:ext uri="{9D8B030D-6E8A-4147-A177-3AD203B41FA5}">
-                      <a16:colId xmlns:a16="http://schemas.microsoft.com/office/drawing/2014/main" val="1107341750"/>
-                    </a:ext>
-                  </a:extLst>
-                </a:gridCol>
-              </a:tblGrid>
-              <a:tr h="370840">
-                <a:tc>
-                  <a:txBody>
-                    <a:bodyPr/>
-                    <a:lstStyle/>
-                    <a:p>
-                      <a:r>
-                        <a:rPr lang="en-US" sz="2400" dirty="0"/>
-                        <a:t>The authors claimed to be writing scripture</a:t>
-                      </a:r>
-                      <a:endParaRPr lang="en-US" sz="2400" b="0" dirty="0"/>
-                    </a:p>
-                  </a:txBody>
-                  <a:tcPr marL="182880">
-                    <a:lnL w="57150" cap="flat" cmpd="sng" algn="ctr">
-                      <a:solidFill>
-                        <a:schemeClr val="bg1">
-                          <a:lumMod val="75000"/>
-                          <a:lumOff val="25000"/>
-                        </a:schemeClr>
-                      </a:solidFill>
-                      <a:prstDash val="solid"/>
-                      <a:round/>
-                      <a:headEnd type="none" w="med" len="med"/>
-                      <a:tailEnd type="none" w="med" len="med"/>
-                    </a:lnL>
-                    <a:lnR>
-                      <a:noFill/>
-                    </a:lnR>
-                    <a:lnT>
-                      <a:noFill/>
-                    </a:lnT>
-                    <a:lnB>
-                      <a:noFill/>
-                    </a:lnB>
-                    <a:lnTlToBr w="12700" cmpd="sng">
-                      <a:noFill/>
-                      <a:prstDash val="solid"/>
-                    </a:lnTlToBr>
-                    <a:lnBlToTr w="12700" cmpd="sng">
-                      <a:noFill/>
-                      <a:prstDash val="solid"/>
-                    </a:lnBlToTr>
-                  </a:tcPr>
-                </a:tc>
-                <a:extLst>
-                  <a:ext uri="{0D108BD9-81ED-4DB2-BD59-A6C34878D82A}">
-                    <a16:rowId xmlns:a16="http://schemas.microsoft.com/office/drawing/2014/main" val="1984863204"/>
-                  </a:ext>
-                </a:extLst>
-              </a:tr>
-            </a:tbl>
-          </a:graphicData>
-        </a:graphic>
-      </p:graphicFrame>
-      <p:graphicFrame>
-        <p:nvGraphicFramePr>
-          <p:cNvPr id="22" name="Table 21">
-            <a:extLst>
-              <a:ext uri="{FF2B5EF4-FFF2-40B4-BE49-F238E27FC236}">
-                <a16:creationId xmlns:a16="http://schemas.microsoft.com/office/drawing/2014/main" id="{308B93AF-B49C-1D40-BFE9-A2651115FB10}"/>
-              </a:ext>
-            </a:extLst>
-          </p:cNvPr>
-          <p:cNvGraphicFramePr>
-            <a:graphicFrameLocks noGrp="1"/>
-          </p:cNvGraphicFramePr>
-          <p:nvPr>
-            <p:extLst>
-              <p:ext uri="{D42A27DB-BD31-4B8C-83A1-F6EECF244321}">
-                <p14:modId xmlns:p14="http://schemas.microsoft.com/office/powerpoint/2010/main" val="3866446490"/>
-              </p:ext>
-            </p:extLst>
-          </p:nvPr>
-        </p:nvGraphicFramePr>
-        <p:xfrm>
-          <a:off x="1600200" y="4051993"/>
-          <a:ext cx="7162800" cy="822960"/>
-        </p:xfrm>
-        <a:graphic>
-          <a:graphicData uri="http://schemas.openxmlformats.org/drawingml/2006/table">
-            <a:tbl>
-              <a:tblPr firstRow="1" bandRow="1">
-                <a:tableStyleId>{2D5ABB26-0587-4C30-8999-92F81FD0307C}</a:tableStyleId>
-              </a:tblPr>
-              <a:tblGrid>
-                <a:gridCol w="7162800">
-                  <a:extLst>
-                    <a:ext uri="{9D8B030D-6E8A-4147-A177-3AD203B41FA5}">
-                      <a16:colId xmlns:a16="http://schemas.microsoft.com/office/drawing/2014/main" val="1107341750"/>
-                    </a:ext>
-                  </a:extLst>
-                </a:gridCol>
-              </a:tblGrid>
-              <a:tr h="370840">
-                <a:tc>
-                  <a:txBody>
-                    <a:bodyPr/>
-                    <a:lstStyle/>
-                    <a:p>
-                      <a:r>
-                        <a:rPr lang="en-US" sz="2400" dirty="0"/>
-                        <a:t>The authors of the Gospels are consistent and early (and don’t make sense to be made up)</a:t>
-                      </a:r>
-                      <a:endParaRPr lang="en-US" sz="2400" b="0" dirty="0"/>
-                    </a:p>
-                  </a:txBody>
-                  <a:tcPr marL="182880">
-                    <a:lnL w="57150" cap="flat" cmpd="sng" algn="ctr">
-                      <a:solidFill>
-                        <a:schemeClr val="bg1">
-                          <a:lumMod val="75000"/>
-                          <a:lumOff val="25000"/>
-                        </a:schemeClr>
-                      </a:solidFill>
-                      <a:prstDash val="solid"/>
-                      <a:round/>
-                      <a:headEnd type="none" w="med" len="med"/>
-                      <a:tailEnd type="none" w="med" len="med"/>
-                    </a:lnL>
-                    <a:lnR>
-                      <a:noFill/>
-                    </a:lnR>
-                    <a:lnT>
-                      <a:noFill/>
-                    </a:lnT>
-                    <a:lnB>
-                      <a:noFill/>
-                    </a:lnB>
-                    <a:lnTlToBr w="12700" cmpd="sng">
-                      <a:noFill/>
-                      <a:prstDash val="solid"/>
-                    </a:lnTlToBr>
-                    <a:lnBlToTr w="12700" cmpd="sng">
-                      <a:noFill/>
-                      <a:prstDash val="solid"/>
-                    </a:lnBlToTr>
-                  </a:tcPr>
-                </a:tc>
-                <a:extLst>
-                  <a:ext uri="{0D108BD9-81ED-4DB2-BD59-A6C34878D82A}">
-                    <a16:rowId xmlns:a16="http://schemas.microsoft.com/office/drawing/2014/main" val="1984863204"/>
-                  </a:ext>
-                </a:extLst>
-              </a:tr>
-            </a:tbl>
-          </a:graphicData>
-        </a:graphic>
-      </p:graphicFrame>
-    </p:spTree>
-    <p:extLst>
-      <p:ext uri="{BB962C8B-B14F-4D97-AF65-F5344CB8AC3E}">
-        <p14:creationId xmlns:p14="http://schemas.microsoft.com/office/powerpoint/2010/main" val="1176168195"/>
-      </p:ext>
-    </p:extLst>
-  </p:cSld>
-  <p:clrMapOvr>
-    <a:masterClrMapping/>
-  </p:clrMapOvr>
-  <p:timing>
-    <p:tnLst>
-      <p:par>
-        <p:cTn id="1" dur="indefinite" restart="never" nodeType="tmRoot">
-          <p:childTnLst>
-            <p:seq concurrent="1" nextAc="seek">
-              <p:cTn id="2" dur="indefinite" nodeType="mainSeq">
-                <p:childTnLst>
-                  <p:par>
-                    <p:cTn id="3" fill="hold">
-                      <p:stCondLst>
-                        <p:cond delay="indefinite"/>
-                      </p:stCondLst>
-                      <p:childTnLst>
-                        <p:par>
-                          <p:cTn id="4" fill="hold">
-                            <p:stCondLst>
-                              <p:cond delay="0"/>
-                            </p:stCondLst>
-                            <p:childTnLst>
-                              <p:par>
-                                <p:cTn id="5" presetID="10" presetClass="entr" presetSubtype="0" fill="hold" nodeType="clickEffect">
-                                  <p:stCondLst>
-                                    <p:cond delay="0"/>
-                                  </p:stCondLst>
-                                  <p:childTnLst>
-                                    <p:set>
-                                      <p:cBhvr>
-                                        <p:cTn id="6" dur="1" fill="hold">
-                                          <p:stCondLst>
-                                            <p:cond delay="0"/>
-                                          </p:stCondLst>
-                                        </p:cTn>
-                                        <p:tgtEl>
-                                          <p:spTgt spid="9"/>
-                                        </p:tgtEl>
-                                        <p:attrNameLst>
-                                          <p:attrName>style.visibility</p:attrName>
-                                        </p:attrNameLst>
-                                      </p:cBhvr>
-                                      <p:to>
-                                        <p:strVal val="visible"/>
-                                      </p:to>
-                                    </p:set>
-                                    <p:animEffect transition="in" filter="fade">
-                                      <p:cBhvr>
-                                        <p:cTn id="7" dur="250"/>
-                                        <p:tgtEl>
-                                          <p:spTgt spid="9"/>
-                                        </p:tgtEl>
-                                      </p:cBhvr>
-                                    </p:animEffect>
-                                  </p:childTnLst>
-                                </p:cTn>
-                              </p:par>
-                            </p:childTnLst>
-                          </p:cTn>
-                        </p:par>
-                      </p:childTnLst>
-                    </p:cTn>
-                  </p:par>
-                  <p:par>
-                    <p:cTn id="8" fill="hold">
-                      <p:stCondLst>
-                        <p:cond delay="indefinite"/>
-                      </p:stCondLst>
-                      <p:childTnLst>
-                        <p:par>
-                          <p:cTn id="9" fill="hold">
-                            <p:stCondLst>
-                              <p:cond delay="0"/>
-                            </p:stCondLst>
-                            <p:childTnLst>
-                              <p:par>
-                                <p:cTn id="10" presetID="10" presetClass="entr" presetSubtype="0" fill="hold" nodeType="clickEffect">
-                                  <p:stCondLst>
-                                    <p:cond delay="0"/>
-                                  </p:stCondLst>
-                                  <p:childTnLst>
-                                    <p:set>
-                                      <p:cBhvr>
-                                        <p:cTn id="11" dur="1" fill="hold">
-                                          <p:stCondLst>
-                                            <p:cond delay="0"/>
-                                          </p:stCondLst>
-                                        </p:cTn>
-                                        <p:tgtEl>
-                                          <p:spTgt spid="20"/>
-                                        </p:tgtEl>
-                                        <p:attrNameLst>
-                                          <p:attrName>style.visibility</p:attrName>
-                                        </p:attrNameLst>
-                                      </p:cBhvr>
-                                      <p:to>
-                                        <p:strVal val="visible"/>
-                                      </p:to>
-                                    </p:set>
-                                    <p:animEffect transition="in" filter="fade">
-                                      <p:cBhvr>
-                                        <p:cTn id="12" dur="250"/>
-                                        <p:tgtEl>
-                                          <p:spTgt spid="20"/>
-                                        </p:tgtEl>
-                                      </p:cBhvr>
-                                    </p:animEffect>
-                                  </p:childTnLst>
-                                </p:cTn>
-                              </p:par>
-                            </p:childTnLst>
-                          </p:cTn>
-                        </p:par>
-                      </p:childTnLst>
-                    </p:cTn>
-                  </p:par>
-                  <p:par>
-                    <p:cTn id="13" fill="hold">
-                      <p:stCondLst>
-                        <p:cond delay="indefinite"/>
-                      </p:stCondLst>
-                      <p:childTnLst>
-                        <p:par>
-                          <p:cTn id="14" fill="hold">
-                            <p:stCondLst>
-                              <p:cond delay="0"/>
-                            </p:stCondLst>
-                            <p:childTnLst>
-                              <p:par>
-                                <p:cTn id="15" presetID="10" presetClass="entr" presetSubtype="0" fill="hold" nodeType="clickEffect">
-                                  <p:stCondLst>
-                                    <p:cond delay="0"/>
-                                  </p:stCondLst>
-                                  <p:childTnLst>
-                                    <p:set>
-                                      <p:cBhvr>
-                                        <p:cTn id="16" dur="1" fill="hold">
-                                          <p:stCondLst>
-                                            <p:cond delay="0"/>
-                                          </p:stCondLst>
-                                        </p:cTn>
-                                        <p:tgtEl>
-                                          <p:spTgt spid="22"/>
-                                        </p:tgtEl>
-                                        <p:attrNameLst>
-                                          <p:attrName>style.visibility</p:attrName>
-                                        </p:attrNameLst>
-                                      </p:cBhvr>
-                                      <p:to>
-                                        <p:strVal val="visible"/>
-                                      </p:to>
-                                    </p:set>
-                                    <p:animEffect transition="in" filter="fade">
-                                      <p:cBhvr>
-                                        <p:cTn id="17" dur="250"/>
-                                        <p:tgtEl>
-                                          <p:spTgt spid="22"/>
-                                        </p:tgtEl>
-                                      </p:cBhvr>
-                                    </p:animEffect>
-                                  </p:childTnLst>
-                                </p:cTn>
-                              </p:par>
-                            </p:childTnLst>
-                          </p:cTn>
-                        </p:par>
-                      </p:childTnLst>
-                    </p:cTn>
-                  </p:par>
-                  <p:par>
-                    <p:cTn id="18" fill="hold">
-                      <p:stCondLst>
-                        <p:cond delay="indefinite"/>
-                      </p:stCondLst>
-                      <p:childTnLst>
-                        <p:par>
-                          <p:cTn id="19" fill="hold">
-                            <p:stCondLst>
-                              <p:cond delay="0"/>
-                            </p:stCondLst>
-                            <p:childTnLst>
-                              <p:par>
-                                <p:cTn id="20" presetID="10" presetClass="entr" presetSubtype="0" fill="hold" nodeType="clickEffect">
-                                  <p:stCondLst>
-                                    <p:cond delay="0"/>
-                                  </p:stCondLst>
-                                  <p:childTnLst>
-                                    <p:set>
-                                      <p:cBhvr>
-                                        <p:cTn id="21" dur="1" fill="hold">
-                                          <p:stCondLst>
-                                            <p:cond delay="0"/>
-                                          </p:stCondLst>
-                                        </p:cTn>
-                                        <p:tgtEl>
-                                          <p:spTgt spid="21"/>
-                                        </p:tgtEl>
-                                        <p:attrNameLst>
-                                          <p:attrName>style.visibility</p:attrName>
-                                        </p:attrNameLst>
-                                      </p:cBhvr>
-                                      <p:to>
-                                        <p:strVal val="visible"/>
-                                      </p:to>
-                                    </p:set>
-                                    <p:animEffect transition="in" filter="fade">
-                                      <p:cBhvr>
-                                        <p:cTn id="22" dur="250"/>
-                                        <p:tgtEl>
-                                          <p:spTgt spid="21"/>
-                                        </p:tgtEl>
-                                      </p:cBhvr>
-                                    </p:animEffect>
-                                  </p:childTnLst>
-                                </p:cTn>
-                              </p:par>
-                            </p:childTnLst>
-                          </p:cTn>
-                        </p:par>
-                      </p:childTnLst>
-                    </p:cTn>
-                  </p:par>
-                </p:childTnLst>
-              </p:cTn>
-              <p:prevCondLst>
-                <p:cond evt="onPrev" delay="0">
-                  <p:tgtEl>
-                    <p:sldTgt/>
-                  </p:tgtEl>
-                </p:cond>
-              </p:prevCondLst>
-              <p:nextCondLst>
-                <p:cond evt="onNext" delay="0">
-                  <p:tgtEl>
-                    <p:sldTgt/>
-                  </p:tgtEl>
-                </p:cond>
-              </p:nextCondLst>
-            </p:seq>
-          </p:childTnLst>
-        </p:cTn>
-      </p:par>
-    </p:tnLst>
   </p:timing>
 </p:sld>
 </file>
